--- a/PPT/3 - Implementing a pipeline.pptx
+++ b/PPT/3 - Implementing a pipeline.pptx
@@ -5,11 +5,12 @@
     <p:sldMasterId id="2147483648" r:id="rId1"/>
   </p:sldMasterIdLst>
   <p:notesMasterIdLst>
-    <p:notesMasterId r:id="rId4"/>
+    <p:notesMasterId r:id="rId5"/>
   </p:notesMasterIdLst>
   <p:sldIdLst>
     <p:sldId id="256" r:id="rId2"/>
     <p:sldId id="257" r:id="rId3"/>
+    <p:sldId id="258" r:id="rId4"/>
   </p:sldIdLst>
   <p:sldSz cx="12192000" cy="6858000"/>
   <p:notesSz cx="6858000" cy="9144000"/>
@@ -108,6 +109,11 @@
       </a:defRPr>
     </a:lvl9pPr>
   </p:defaultTextStyle>
+  <p:extLst>
+    <p:ext uri="{EFAFB233-063F-42B5-8137-9DF3F51BA10A}">
+      <p15:sldGuideLst xmlns:p15="http://schemas.microsoft.com/office/powerpoint/2012/main"/>
+    </p:ext>
+  </p:extLst>
 </p:presentation>
 </file>
 
@@ -124,7 +130,7 @@
   <pc:docChgLst>
     <pc:chgData name="Jochen Mariën" userId="a4f8d9ed-3895-4365-b2d5-9432cb8a20d4" providerId="ADAL" clId="{169A5283-A155-458D-8151-1CEB2FF4B48D}"/>
     <pc:docChg chg="custSel addSld modSld">
-      <pc:chgData name="Jochen Mariën" userId="a4f8d9ed-3895-4365-b2d5-9432cb8a20d4" providerId="ADAL" clId="{169A5283-A155-458D-8151-1CEB2FF4B48D}" dt="2023-06-12T13:59:43.450" v="99" actId="20577"/>
+      <pc:chgData name="Jochen Mariën" userId="a4f8d9ed-3895-4365-b2d5-9432cb8a20d4" providerId="ADAL" clId="{169A5283-A155-458D-8151-1CEB2FF4B48D}" dt="2023-06-13T07:53:05.122" v="192" actId="1076"/>
       <pc:docMkLst>
         <pc:docMk/>
       </pc:docMkLst>
@@ -174,6 +180,37 @@
           </ac:picMkLst>
         </pc:picChg>
       </pc:sldChg>
+      <pc:sldChg chg="addSp modSp new mod modNotesTx">
+        <pc:chgData name="Jochen Mariën" userId="a4f8d9ed-3895-4365-b2d5-9432cb8a20d4" providerId="ADAL" clId="{169A5283-A155-458D-8151-1CEB2FF4B48D}" dt="2023-06-13T07:53:05.122" v="192" actId="1076"/>
+        <pc:sldMkLst>
+          <pc:docMk/>
+          <pc:sldMk cId="746676107" sldId="258"/>
+        </pc:sldMkLst>
+        <pc:spChg chg="mod">
+          <ac:chgData name="Jochen Mariën" userId="a4f8d9ed-3895-4365-b2d5-9432cb8a20d4" providerId="ADAL" clId="{169A5283-A155-458D-8151-1CEB2FF4B48D}" dt="2023-06-13T07:51:32.535" v="106"/>
+          <ac:spMkLst>
+            <pc:docMk/>
+            <pc:sldMk cId="746676107" sldId="258"/>
+            <ac:spMk id="2" creationId="{AF080D97-E90E-6C78-2D9C-18A07F74FCD9}"/>
+          </ac:spMkLst>
+        </pc:spChg>
+        <pc:spChg chg="mod">
+          <ac:chgData name="Jochen Mariën" userId="a4f8d9ed-3895-4365-b2d5-9432cb8a20d4" providerId="ADAL" clId="{169A5283-A155-458D-8151-1CEB2FF4B48D}" dt="2023-06-13T07:52:54.795" v="190" actId="20577"/>
+          <ac:spMkLst>
+            <pc:docMk/>
+            <pc:sldMk cId="746676107" sldId="258"/>
+            <ac:spMk id="3" creationId="{8FCE8C76-BBB5-0580-3926-A0C3F83FCE81}"/>
+          </ac:spMkLst>
+        </pc:spChg>
+        <pc:picChg chg="add mod">
+          <ac:chgData name="Jochen Mariën" userId="a4f8d9ed-3895-4365-b2d5-9432cb8a20d4" providerId="ADAL" clId="{169A5283-A155-458D-8151-1CEB2FF4B48D}" dt="2023-06-13T07:53:05.122" v="192" actId="1076"/>
+          <ac:picMkLst>
+            <pc:docMk/>
+            <pc:sldMk cId="746676107" sldId="258"/>
+            <ac:picMk id="5" creationId="{59CB02E6-3EA8-3D3C-4EB2-26A7C2185D49}"/>
+          </ac:picMkLst>
+        </pc:picChg>
+      </pc:sldChg>
     </pc:docChg>
   </pc:docChgLst>
 </pc:chgInfo>
@@ -261,7 +298,7 @@
           <a:p>
             <a:fld id="{317ED673-6312-41FB-80FD-10C3AB5FC5DB}" type="datetimeFigureOut">
               <a:rPr lang="en-BE" smtClean="0"/>
-              <a:t>12/06/2023</a:t>
+              <a:t>13/06/2023</a:t>
             </a:fld>
             <a:endParaRPr lang="en-BE"/>
           </a:p>
@@ -621,6 +658,126 @@
 </p:notes>
 </file>
 
+<file path=ppt/notesSlides/notesSlide2.xml><?xml version="1.0" encoding="utf-8"?>
+<p:notes xmlns:a="http://schemas.openxmlformats.org/drawingml/2006/main" xmlns:r="http://schemas.openxmlformats.org/officeDocument/2006/relationships" xmlns:p="http://schemas.openxmlformats.org/presentationml/2006/main">
+  <p:cSld>
+    <p:spTree>
+      <p:nvGrpSpPr>
+        <p:cNvPr id="1" name=""/>
+        <p:cNvGrpSpPr/>
+        <p:nvPr/>
+      </p:nvGrpSpPr>
+      <p:grpSpPr>
+        <a:xfrm>
+          <a:off x="0" y="0"/>
+          <a:ext cx="0" cy="0"/>
+          <a:chOff x="0" y="0"/>
+          <a:chExt cx="0" cy="0"/>
+        </a:xfrm>
+      </p:grpSpPr>
+      <p:sp>
+        <p:nvSpPr>
+          <p:cNvPr id="2" name="Slide Image Placeholder 1"/>
+          <p:cNvSpPr>
+            <a:spLocks noGrp="1" noRot="1" noChangeAspect="1"/>
+          </p:cNvSpPr>
+          <p:nvPr>
+            <p:ph type="sldImg"/>
+          </p:nvPr>
+        </p:nvSpPr>
+        <p:spPr/>
+      </p:sp>
+      <p:sp>
+        <p:nvSpPr>
+          <p:cNvPr id="3" name="Notes Placeholder 2"/>
+          <p:cNvSpPr>
+            <a:spLocks noGrp="1"/>
+          </p:cNvSpPr>
+          <p:nvPr>
+            <p:ph type="body" idx="1"/>
+          </p:nvPr>
+        </p:nvSpPr>
+        <p:spPr/>
+        <p:txBody>
+          <a:bodyPr/>
+          <a:lstStyle/>
+          <a:p>
+            <a:r>
+              <a:rPr lang="en-US" dirty="0" err="1"/>
+              <a:t>itn</a:t>
+            </a:r>
+            <a:r>
+              <a:rPr lang="en-US" dirty="0"/>
+              <a:t>: n</a:t>
+            </a:r>
+            <a:r>
+              <a:rPr lang="en-US" b="1" dirty="0"/>
+              <a:t>i</a:t>
+            </a:r>
+            <a:r>
+              <a:rPr lang="en-US" dirty="0"/>
+              <a:t>ce to know</a:t>
+            </a:r>
+          </a:p>
+          <a:p>
+            <a:r>
+              <a:rPr lang="en-US" dirty="0" err="1"/>
+              <a:t>etn</a:t>
+            </a:r>
+            <a:r>
+              <a:rPr lang="en-US" dirty="0"/>
+              <a:t>: n</a:t>
+            </a:r>
+            <a:r>
+              <a:rPr lang="en-US" b="1" dirty="0"/>
+              <a:t>e</a:t>
+            </a:r>
+            <a:r>
+              <a:rPr lang="en-US" dirty="0"/>
+              <a:t>ed to know</a:t>
+            </a:r>
+          </a:p>
+          <a:p>
+            <a:endParaRPr lang="en-BE" dirty="0"/>
+          </a:p>
+        </p:txBody>
+      </p:sp>
+      <p:sp>
+        <p:nvSpPr>
+          <p:cNvPr id="4" name="Slide Number Placeholder 3"/>
+          <p:cNvSpPr>
+            <a:spLocks noGrp="1"/>
+          </p:cNvSpPr>
+          <p:nvPr>
+            <p:ph type="sldNum" sz="quarter" idx="5"/>
+          </p:nvPr>
+        </p:nvSpPr>
+        <p:spPr/>
+        <p:txBody>
+          <a:bodyPr/>
+          <a:lstStyle/>
+          <a:p>
+            <a:fld id="{A0C73FC6-44B0-414C-9FF0-2FB975C533C5}" type="slidenum">
+              <a:rPr lang="en-BE" smtClean="0"/>
+              <a:t>3</a:t>
+            </a:fld>
+            <a:endParaRPr lang="en-BE"/>
+          </a:p>
+        </p:txBody>
+      </p:sp>
+    </p:spTree>
+    <p:extLst>
+      <p:ext uri="{BB962C8B-B14F-4D97-AF65-F5344CB8AC3E}">
+        <p14:creationId xmlns:p14="http://schemas.microsoft.com/office/powerpoint/2010/main" val="3280145070"/>
+      </p:ext>
+    </p:extLst>
+  </p:cSld>
+  <p:clrMapOvr>
+    <a:masterClrMapping/>
+  </p:clrMapOvr>
+</p:notes>
+</file>
+
 <file path=ppt/slideLayouts/slideLayout1.xml><?xml version="1.0" encoding="utf-8"?>
 <p:sldLayout xmlns:a="http://schemas.openxmlformats.org/drawingml/2006/main" xmlns:r="http://schemas.openxmlformats.org/officeDocument/2006/relationships" xmlns:p="http://schemas.openxmlformats.org/presentationml/2006/main" type="title" preserve="1">
   <p:cSld name="Title Slide">
@@ -770,7 +927,7 @@
           <a:p>
             <a:fld id="{2AE6E201-50E9-442F-A741-BC702F6FB3EA}" type="datetimeFigureOut">
               <a:rPr lang="en-BE" smtClean="0"/>
-              <a:t>12/06/2023</a:t>
+              <a:t>13/06/2023</a:t>
             </a:fld>
             <a:endParaRPr lang="en-BE"/>
           </a:p>
@@ -970,7 +1127,7 @@
           <a:p>
             <a:fld id="{2AE6E201-50E9-442F-A741-BC702F6FB3EA}" type="datetimeFigureOut">
               <a:rPr lang="en-BE" smtClean="0"/>
-              <a:t>12/06/2023</a:t>
+              <a:t>13/06/2023</a:t>
             </a:fld>
             <a:endParaRPr lang="en-BE"/>
           </a:p>
@@ -1180,7 +1337,7 @@
           <a:p>
             <a:fld id="{2AE6E201-50E9-442F-A741-BC702F6FB3EA}" type="datetimeFigureOut">
               <a:rPr lang="en-BE" smtClean="0"/>
-              <a:t>12/06/2023</a:t>
+              <a:t>13/06/2023</a:t>
             </a:fld>
             <a:endParaRPr lang="en-BE"/>
           </a:p>
@@ -1380,7 +1537,7 @@
           <a:p>
             <a:fld id="{2AE6E201-50E9-442F-A741-BC702F6FB3EA}" type="datetimeFigureOut">
               <a:rPr lang="en-BE" smtClean="0"/>
-              <a:t>12/06/2023</a:t>
+              <a:t>13/06/2023</a:t>
             </a:fld>
             <a:endParaRPr lang="en-BE"/>
           </a:p>
@@ -1656,7 +1813,7 @@
           <a:p>
             <a:fld id="{2AE6E201-50E9-442F-A741-BC702F6FB3EA}" type="datetimeFigureOut">
               <a:rPr lang="en-BE" smtClean="0"/>
-              <a:t>12/06/2023</a:t>
+              <a:t>13/06/2023</a:t>
             </a:fld>
             <a:endParaRPr lang="en-BE"/>
           </a:p>
@@ -1924,7 +2081,7 @@
           <a:p>
             <a:fld id="{2AE6E201-50E9-442F-A741-BC702F6FB3EA}" type="datetimeFigureOut">
               <a:rPr lang="en-BE" smtClean="0"/>
-              <a:t>12/06/2023</a:t>
+              <a:t>13/06/2023</a:t>
             </a:fld>
             <a:endParaRPr lang="en-BE"/>
           </a:p>
@@ -2339,7 +2496,7 @@
           <a:p>
             <a:fld id="{2AE6E201-50E9-442F-A741-BC702F6FB3EA}" type="datetimeFigureOut">
               <a:rPr lang="en-BE" smtClean="0"/>
-              <a:t>12/06/2023</a:t>
+              <a:t>13/06/2023</a:t>
             </a:fld>
             <a:endParaRPr lang="en-BE"/>
           </a:p>
@@ -2481,7 +2638,7 @@
           <a:p>
             <a:fld id="{2AE6E201-50E9-442F-A741-BC702F6FB3EA}" type="datetimeFigureOut">
               <a:rPr lang="en-BE" smtClean="0"/>
-              <a:t>12/06/2023</a:t>
+              <a:t>13/06/2023</a:t>
             </a:fld>
             <a:endParaRPr lang="en-BE"/>
           </a:p>
@@ -2594,7 +2751,7 @@
           <a:p>
             <a:fld id="{2AE6E201-50E9-442F-A741-BC702F6FB3EA}" type="datetimeFigureOut">
               <a:rPr lang="en-BE" smtClean="0"/>
-              <a:t>12/06/2023</a:t>
+              <a:t>13/06/2023</a:t>
             </a:fld>
             <a:endParaRPr lang="en-BE"/>
           </a:p>
@@ -2907,7 +3064,7 @@
           <a:p>
             <a:fld id="{2AE6E201-50E9-442F-A741-BC702F6FB3EA}" type="datetimeFigureOut">
               <a:rPr lang="en-BE" smtClean="0"/>
-              <a:t>12/06/2023</a:t>
+              <a:t>13/06/2023</a:t>
             </a:fld>
             <a:endParaRPr lang="en-BE"/>
           </a:p>
@@ -3196,7 +3353,7 @@
           <a:p>
             <a:fld id="{2AE6E201-50E9-442F-A741-BC702F6FB3EA}" type="datetimeFigureOut">
               <a:rPr lang="en-BE" smtClean="0"/>
-              <a:t>12/06/2023</a:t>
+              <a:t>13/06/2023</a:t>
             </a:fld>
             <a:endParaRPr lang="en-BE"/>
           </a:p>
@@ -3439,7 +3596,7 @@
           <a:p>
             <a:fld id="{2AE6E201-50E9-442F-A741-BC702F6FB3EA}" type="datetimeFigureOut">
               <a:rPr lang="en-BE" smtClean="0"/>
-              <a:t>12/06/2023</a:t>
+              <a:t>13/06/2023</a:t>
             </a:fld>
             <a:endParaRPr lang="en-BE"/>
           </a:p>
@@ -4008,6 +4165,135 @@
     <p:extLst>
       <p:ext uri="{BB962C8B-B14F-4D97-AF65-F5344CB8AC3E}">
         <p14:creationId xmlns:p14="http://schemas.microsoft.com/office/powerpoint/2010/main" val="776048883"/>
+      </p:ext>
+    </p:extLst>
+  </p:cSld>
+  <p:clrMapOvr>
+    <a:masterClrMapping/>
+  </p:clrMapOvr>
+</p:sld>
+</file>
+
+<file path=ppt/slides/slide3.xml><?xml version="1.0" encoding="utf-8"?>
+<p:sld xmlns:a="http://schemas.openxmlformats.org/drawingml/2006/main" xmlns:r="http://schemas.openxmlformats.org/officeDocument/2006/relationships" xmlns:p="http://schemas.openxmlformats.org/presentationml/2006/main">
+  <p:cSld>
+    <p:spTree>
+      <p:nvGrpSpPr>
+        <p:cNvPr id="1" name=""/>
+        <p:cNvGrpSpPr/>
+        <p:nvPr/>
+      </p:nvGrpSpPr>
+      <p:grpSpPr>
+        <a:xfrm>
+          <a:off x="0" y="0"/>
+          <a:ext cx="0" cy="0"/>
+          <a:chOff x="0" y="0"/>
+          <a:chExt cx="0" cy="0"/>
+        </a:xfrm>
+      </p:grpSpPr>
+      <p:sp>
+        <p:nvSpPr>
+          <p:cNvPr id="2" name="Title 1">
+            <a:extLst>
+              <a:ext uri="{FF2B5EF4-FFF2-40B4-BE49-F238E27FC236}">
+                <a16:creationId xmlns:a16="http://schemas.microsoft.com/office/drawing/2014/main" id="{AF080D97-E90E-6C78-2D9C-18A07F74FCD9}"/>
+              </a:ext>
+            </a:extLst>
+          </p:cNvPr>
+          <p:cNvSpPr>
+            <a:spLocks noGrp="1"/>
+          </p:cNvSpPr>
+          <p:nvPr>
+            <p:ph type="title"/>
+          </p:nvPr>
+        </p:nvSpPr>
+        <p:spPr/>
+        <p:txBody>
+          <a:bodyPr/>
+          <a:lstStyle/>
+          <a:p>
+            <a:r>
+              <a:rPr lang="en-US" dirty="0"/>
+              <a:t>First do module 3 on AWS</a:t>
+            </a:r>
+            <a:endParaRPr lang="en-BE" dirty="0"/>
+          </a:p>
+        </p:txBody>
+      </p:sp>
+      <p:sp>
+        <p:nvSpPr>
+          <p:cNvPr id="3" name="Content Placeholder 2">
+            <a:extLst>
+              <a:ext uri="{FF2B5EF4-FFF2-40B4-BE49-F238E27FC236}">
+                <a16:creationId xmlns:a16="http://schemas.microsoft.com/office/drawing/2014/main" id="{8FCE8C76-BBB5-0580-3926-A0C3F83FCE81}"/>
+              </a:ext>
+            </a:extLst>
+          </p:cNvPr>
+          <p:cNvSpPr>
+            <a:spLocks noGrp="1"/>
+          </p:cNvSpPr>
+          <p:nvPr>
+            <p:ph idx="1"/>
+          </p:nvPr>
+        </p:nvSpPr>
+        <p:spPr/>
+        <p:txBody>
+          <a:bodyPr/>
+          <a:lstStyle/>
+          <a:p>
+            <a:r>
+              <a:rPr lang="en-US" dirty="0"/>
+              <a:t>Section 1: </a:t>
+            </a:r>
+            <a:r>
+              <a:rPr lang="en-US" dirty="0" err="1"/>
+              <a:t>ntn</a:t>
+            </a:r>
+            <a:endParaRPr lang="en-US" dirty="0"/>
+          </a:p>
+          <a:p>
+            <a:r>
+              <a:rPr lang="en-US" dirty="0"/>
+              <a:t>Section 2</a:t>
+            </a:r>
+            <a:endParaRPr lang="en-BE" dirty="0"/>
+          </a:p>
+        </p:txBody>
+      </p:sp>
+      <p:pic>
+        <p:nvPicPr>
+          <p:cNvPr id="5" name="Picture 4">
+            <a:extLst>
+              <a:ext uri="{FF2B5EF4-FFF2-40B4-BE49-F238E27FC236}">
+                <a16:creationId xmlns:a16="http://schemas.microsoft.com/office/drawing/2014/main" id="{59CB02E6-3EA8-3D3C-4EB2-26A7C2185D49}"/>
+              </a:ext>
+            </a:extLst>
+          </p:cNvPr>
+          <p:cNvPicPr>
+            <a:picLocks noChangeAspect="1"/>
+          </p:cNvPicPr>
+          <p:nvPr/>
+        </p:nvPicPr>
+        <p:blipFill>
+          <a:blip r:embed="rId3"/>
+          <a:stretch>
+            <a:fillRect/>
+          </a:stretch>
+        </p:blipFill>
+        <p:spPr>
+          <a:xfrm>
+            <a:off x="3623310" y="2253330"/>
+            <a:ext cx="8568690" cy="3495927"/>
+          </a:xfrm>
+          <a:prstGeom prst="rect">
+            <a:avLst/>
+          </a:prstGeom>
+        </p:spPr>
+      </p:pic>
+    </p:spTree>
+    <p:extLst>
+      <p:ext uri="{BB962C8B-B14F-4D97-AF65-F5344CB8AC3E}">
+        <p14:creationId xmlns:p14="http://schemas.microsoft.com/office/powerpoint/2010/main" val="746676107"/>
       </p:ext>
     </p:extLst>
   </p:cSld>

--- a/PPT/3 - Implementing a pipeline.pptx
+++ b/PPT/3 - Implementing a pipeline.pptx
@@ -5,12 +5,14 @@
     <p:sldMasterId id="2147483648" r:id="rId1"/>
   </p:sldMasterIdLst>
   <p:notesMasterIdLst>
-    <p:notesMasterId r:id="rId5"/>
+    <p:notesMasterId r:id="rId7"/>
   </p:notesMasterIdLst>
   <p:sldIdLst>
     <p:sldId id="256" r:id="rId2"/>
     <p:sldId id="257" r:id="rId3"/>
     <p:sldId id="258" r:id="rId4"/>
+    <p:sldId id="260" r:id="rId5"/>
+    <p:sldId id="259" r:id="rId6"/>
   </p:sldIdLst>
   <p:sldSz cx="12192000" cy="6858000"/>
   <p:notesSz cx="6858000" cy="9144000"/>
@@ -120,7 +122,7 @@
 <file path=ppt/revisionInfo.xml><?xml version="1.0" encoding="utf-8"?>
 <p1510:revInfo xmlns:a="http://schemas.openxmlformats.org/drawingml/2006/main" xmlns:r="http://schemas.openxmlformats.org/officeDocument/2006/relationships" xmlns:p1510="http://schemas.microsoft.com/office/powerpoint/2015/10/main">
   <p1510:revLst>
-    <p1510:client id="{169A5283-A155-458D-8151-1CEB2FF4B48D}" v="1" dt="2023-06-12T13:59:18.064"/>
+    <p1510:client id="{169A5283-A155-458D-8151-1CEB2FF4B48D}" v="2" dt="2023-06-13T15:11:11.327"/>
   </p1510:revLst>
 </p1510:revInfo>
 </file>
@@ -130,7 +132,7 @@
   <pc:docChgLst>
     <pc:chgData name="Jochen Mariën" userId="a4f8d9ed-3895-4365-b2d5-9432cb8a20d4" providerId="ADAL" clId="{169A5283-A155-458D-8151-1CEB2FF4B48D}"/>
     <pc:docChg chg="custSel addSld modSld">
-      <pc:chgData name="Jochen Mariën" userId="a4f8d9ed-3895-4365-b2d5-9432cb8a20d4" providerId="ADAL" clId="{169A5283-A155-458D-8151-1CEB2FF4B48D}" dt="2023-06-13T07:53:05.122" v="192" actId="1076"/>
+      <pc:chgData name="Jochen Mariën" userId="a4f8d9ed-3895-4365-b2d5-9432cb8a20d4" providerId="ADAL" clId="{169A5283-A155-458D-8151-1CEB2FF4B48D}" dt="2023-06-13T15:37:43.172" v="898" actId="20577"/>
       <pc:docMkLst>
         <pc:docMk/>
       </pc:docMkLst>
@@ -150,7 +152,7 @@
         </pc:spChg>
       </pc:sldChg>
       <pc:sldChg chg="addSp delSp modSp new mod modNotesTx">
-        <pc:chgData name="Jochen Mariën" userId="a4f8d9ed-3895-4365-b2d5-9432cb8a20d4" providerId="ADAL" clId="{169A5283-A155-458D-8151-1CEB2FF4B48D}" dt="2023-06-12T13:59:43.450" v="99" actId="20577"/>
+        <pc:chgData name="Jochen Mariën" userId="a4f8d9ed-3895-4365-b2d5-9432cb8a20d4" providerId="ADAL" clId="{169A5283-A155-458D-8151-1CEB2FF4B48D}" dt="2023-06-13T15:11:23.772" v="198" actId="478"/>
         <pc:sldMkLst>
           <pc:docMk/>
           <pc:sldMk cId="776048883" sldId="257"/>
@@ -171,17 +173,33 @@
             <ac:spMk id="3" creationId="{71735C32-0C1D-DE3A-598A-DC469364A6B3}"/>
           </ac:spMkLst>
         </pc:spChg>
-        <pc:picChg chg="add mod">
-          <ac:chgData name="Jochen Mariën" userId="a4f8d9ed-3895-4365-b2d5-9432cb8a20d4" providerId="ADAL" clId="{169A5283-A155-458D-8151-1CEB2FF4B48D}" dt="2023-06-12T13:59:25.661" v="47" actId="1076"/>
+        <pc:spChg chg="add del mod">
+          <ac:chgData name="Jochen Mariën" userId="a4f8d9ed-3895-4365-b2d5-9432cb8a20d4" providerId="ADAL" clId="{169A5283-A155-458D-8151-1CEB2FF4B48D}" dt="2023-06-13T15:11:23.772" v="198" actId="478"/>
+          <ac:spMkLst>
+            <pc:docMk/>
+            <pc:sldMk cId="776048883" sldId="257"/>
+            <ac:spMk id="4" creationId="{B963D317-6860-0D97-A472-63D42FCB3C10}"/>
+          </ac:spMkLst>
+        </pc:spChg>
+        <pc:picChg chg="add del mod">
+          <ac:chgData name="Jochen Mariën" userId="a4f8d9ed-3895-4365-b2d5-9432cb8a20d4" providerId="ADAL" clId="{169A5283-A155-458D-8151-1CEB2FF4B48D}" dt="2023-06-13T15:10:52.337" v="193" actId="478"/>
           <ac:picMkLst>
             <pc:docMk/>
             <pc:sldMk cId="776048883" sldId="257"/>
             <ac:picMk id="5" creationId="{C9A347EC-B7B2-73E4-1763-3BCB4730864A}"/>
           </ac:picMkLst>
         </pc:picChg>
+        <pc:picChg chg="add mod">
+          <ac:chgData name="Jochen Mariën" userId="a4f8d9ed-3895-4365-b2d5-9432cb8a20d4" providerId="ADAL" clId="{169A5283-A155-458D-8151-1CEB2FF4B48D}" dt="2023-06-13T15:11:21.159" v="197" actId="14100"/>
+          <ac:picMkLst>
+            <pc:docMk/>
+            <pc:sldMk cId="776048883" sldId="257"/>
+            <ac:picMk id="6" creationId="{852F6856-FB57-4100-FFB0-22D4417E22DE}"/>
+          </ac:picMkLst>
+        </pc:picChg>
       </pc:sldChg>
-      <pc:sldChg chg="addSp modSp new mod modNotesTx">
-        <pc:chgData name="Jochen Mariën" userId="a4f8d9ed-3895-4365-b2d5-9432cb8a20d4" providerId="ADAL" clId="{169A5283-A155-458D-8151-1CEB2FF4B48D}" dt="2023-06-13T07:53:05.122" v="192" actId="1076"/>
+      <pc:sldChg chg="addSp delSp modSp new mod modNotesTx">
+        <pc:chgData name="Jochen Mariën" userId="a4f8d9ed-3895-4365-b2d5-9432cb8a20d4" providerId="ADAL" clId="{169A5283-A155-458D-8151-1CEB2FF4B48D}" dt="2023-06-13T15:36:55.892" v="748" actId="313"/>
         <pc:sldMkLst>
           <pc:docMk/>
           <pc:sldMk cId="746676107" sldId="258"/>
@@ -195,21 +213,67 @@
           </ac:spMkLst>
         </pc:spChg>
         <pc:spChg chg="mod">
-          <ac:chgData name="Jochen Mariën" userId="a4f8d9ed-3895-4365-b2d5-9432cb8a20d4" providerId="ADAL" clId="{169A5283-A155-458D-8151-1CEB2FF4B48D}" dt="2023-06-13T07:52:54.795" v="190" actId="20577"/>
+          <ac:chgData name="Jochen Mariën" userId="a4f8d9ed-3895-4365-b2d5-9432cb8a20d4" providerId="ADAL" clId="{169A5283-A155-458D-8151-1CEB2FF4B48D}" dt="2023-06-13T15:36:55.892" v="748" actId="313"/>
           <ac:spMkLst>
             <pc:docMk/>
             <pc:sldMk cId="746676107" sldId="258"/>
             <ac:spMk id="3" creationId="{8FCE8C76-BBB5-0580-3926-A0C3F83FCE81}"/>
           </ac:spMkLst>
         </pc:spChg>
-        <pc:picChg chg="add mod">
-          <ac:chgData name="Jochen Mariën" userId="a4f8d9ed-3895-4365-b2d5-9432cb8a20d4" providerId="ADAL" clId="{169A5283-A155-458D-8151-1CEB2FF4B48D}" dt="2023-06-13T07:53:05.122" v="192" actId="1076"/>
+        <pc:picChg chg="add del mod">
+          <ac:chgData name="Jochen Mariën" userId="a4f8d9ed-3895-4365-b2d5-9432cb8a20d4" providerId="ADAL" clId="{169A5283-A155-458D-8151-1CEB2FF4B48D}" dt="2023-06-13T15:11:08.584" v="194" actId="21"/>
           <ac:picMkLst>
             <pc:docMk/>
             <pc:sldMk cId="746676107" sldId="258"/>
             <ac:picMk id="5" creationId="{59CB02E6-3EA8-3D3C-4EB2-26A7C2185D49}"/>
           </ac:picMkLst>
         </pc:picChg>
+      </pc:sldChg>
+      <pc:sldChg chg="modSp new mod">
+        <pc:chgData name="Jochen Mariën" userId="a4f8d9ed-3895-4365-b2d5-9432cb8a20d4" providerId="ADAL" clId="{169A5283-A155-458D-8151-1CEB2FF4B48D}" dt="2023-06-13T15:19:08.740" v="526" actId="20577"/>
+        <pc:sldMkLst>
+          <pc:docMk/>
+          <pc:sldMk cId="720020292" sldId="259"/>
+        </pc:sldMkLst>
+        <pc:spChg chg="mod">
+          <ac:chgData name="Jochen Mariën" userId="a4f8d9ed-3895-4365-b2d5-9432cb8a20d4" providerId="ADAL" clId="{169A5283-A155-458D-8151-1CEB2FF4B48D}" dt="2023-06-13T15:18:59.815" v="503" actId="20577"/>
+          <ac:spMkLst>
+            <pc:docMk/>
+            <pc:sldMk cId="720020292" sldId="259"/>
+            <ac:spMk id="2" creationId="{04B3C494-60C1-F2B0-6B62-A51F85919688}"/>
+          </ac:spMkLst>
+        </pc:spChg>
+        <pc:spChg chg="mod">
+          <ac:chgData name="Jochen Mariën" userId="a4f8d9ed-3895-4365-b2d5-9432cb8a20d4" providerId="ADAL" clId="{169A5283-A155-458D-8151-1CEB2FF4B48D}" dt="2023-06-13T15:19:08.740" v="526" actId="20577"/>
+          <ac:spMkLst>
+            <pc:docMk/>
+            <pc:sldMk cId="720020292" sldId="259"/>
+            <ac:spMk id="3" creationId="{820F0F27-D7EF-6BB5-B33A-6949DC1E728D}"/>
+          </ac:spMkLst>
+        </pc:spChg>
+      </pc:sldChg>
+      <pc:sldChg chg="modSp new mod">
+        <pc:chgData name="Jochen Mariën" userId="a4f8d9ed-3895-4365-b2d5-9432cb8a20d4" providerId="ADAL" clId="{169A5283-A155-458D-8151-1CEB2FF4B48D}" dt="2023-06-13T15:37:43.172" v="898" actId="20577"/>
+        <pc:sldMkLst>
+          <pc:docMk/>
+          <pc:sldMk cId="2896051875" sldId="260"/>
+        </pc:sldMkLst>
+        <pc:spChg chg="mod">
+          <ac:chgData name="Jochen Mariën" userId="a4f8d9ed-3895-4365-b2d5-9432cb8a20d4" providerId="ADAL" clId="{169A5283-A155-458D-8151-1CEB2FF4B48D}" dt="2023-06-13T15:20:14.234" v="602"/>
+          <ac:spMkLst>
+            <pc:docMk/>
+            <pc:sldMk cId="2896051875" sldId="260"/>
+            <ac:spMk id="2" creationId="{5C8D856C-780D-2916-91ED-D5CCB13C0CE7}"/>
+          </ac:spMkLst>
+        </pc:spChg>
+        <pc:spChg chg="mod">
+          <ac:chgData name="Jochen Mariën" userId="a4f8d9ed-3895-4365-b2d5-9432cb8a20d4" providerId="ADAL" clId="{169A5283-A155-458D-8151-1CEB2FF4B48D}" dt="2023-06-13T15:37:43.172" v="898" actId="20577"/>
+          <ac:spMkLst>
+            <pc:docMk/>
+            <pc:sldMk cId="2896051875" sldId="260"/>
+            <ac:spMk id="3" creationId="{9D8E4450-A3EE-C2AB-D4D1-31E7932F6EA0}"/>
+          </ac:spMkLst>
+        </pc:spChg>
       </pc:sldChg>
     </pc:docChg>
   </pc:docChgLst>
@@ -701,42 +765,6 @@
         <p:txBody>
           <a:bodyPr/>
           <a:lstStyle/>
-          <a:p>
-            <a:r>
-              <a:rPr lang="en-US" dirty="0" err="1"/>
-              <a:t>itn</a:t>
-            </a:r>
-            <a:r>
-              <a:rPr lang="en-US" dirty="0"/>
-              <a:t>: n</a:t>
-            </a:r>
-            <a:r>
-              <a:rPr lang="en-US" b="1" dirty="0"/>
-              <a:t>i</a:t>
-            </a:r>
-            <a:r>
-              <a:rPr lang="en-US" dirty="0"/>
-              <a:t>ce to know</a:t>
-            </a:r>
-          </a:p>
-          <a:p>
-            <a:r>
-              <a:rPr lang="en-US" dirty="0" err="1"/>
-              <a:t>etn</a:t>
-            </a:r>
-            <a:r>
-              <a:rPr lang="en-US" dirty="0"/>
-              <a:t>: n</a:t>
-            </a:r>
-            <a:r>
-              <a:rPr lang="en-US" b="1" dirty="0"/>
-              <a:t>e</a:t>
-            </a:r>
-            <a:r>
-              <a:rPr lang="en-US" dirty="0"/>
-              <a:t>ed to know</a:t>
-            </a:r>
-          </a:p>
           <a:p>
             <a:endParaRPr lang="en-BE" dirty="0"/>
           </a:p>
@@ -4128,37 +4156,32 @@
       </p:sp>
       <p:pic>
         <p:nvPicPr>
-          <p:cNvPr id="5" name="Content Placeholder 4" descr="A group of red peppers&#10;&#10;Description automatically generated with medium confidence">
-            <a:extLst>
-              <a:ext uri="{FF2B5EF4-FFF2-40B4-BE49-F238E27FC236}">
-                <a16:creationId xmlns:a16="http://schemas.microsoft.com/office/drawing/2014/main" id="{C9A347EC-B7B2-73E4-1763-3BCB4730864A}"/>
+          <p:cNvPr id="6" name="Picture 5">
+            <a:extLst>
+              <a:ext uri="{FF2B5EF4-FFF2-40B4-BE49-F238E27FC236}">
+                <a16:creationId xmlns:a16="http://schemas.microsoft.com/office/drawing/2014/main" id="{852F6856-FB57-4100-FFB0-22D4417E22DE}"/>
               </a:ext>
             </a:extLst>
           </p:cNvPr>
           <p:cNvPicPr>
-            <a:picLocks noGrp="1" noChangeAspect="1"/>
+            <a:picLocks noChangeAspect="1"/>
           </p:cNvPicPr>
-          <p:nvPr>
-            <p:ph idx="1"/>
-          </p:nvPr>
+          <p:nvPr/>
         </p:nvPicPr>
         <p:blipFill>
-          <a:blip r:embed="rId3">
-            <a:extLst>
-              <a:ext uri="{28A0092B-C50C-407E-A947-70E740481C1C}">
-                <a14:useLocalDpi xmlns:a14="http://schemas.microsoft.com/office/drawing/2010/main" val="0"/>
-              </a:ext>
-            </a:extLst>
-          </a:blip>
+          <a:blip r:embed="rId3"/>
           <a:stretch>
             <a:fillRect/>
           </a:stretch>
         </p:blipFill>
         <p:spPr>
           <a:xfrm>
-            <a:off x="2598264" y="1690688"/>
-            <a:ext cx="6995472" cy="4885024"/>
+            <a:off x="838200" y="1825625"/>
+            <a:ext cx="10515600" cy="4290244"/>
           </a:xfrm>
+          <a:prstGeom prst="rect">
+            <a:avLst/>
+          </a:prstGeom>
         </p:spPr>
       </p:pic>
     </p:spTree>
@@ -4243,57 +4266,322 @@
           <a:p>
             <a:r>
               <a:rPr lang="en-US" dirty="0"/>
-              <a:t>Section 1: </a:t>
+              <a:t>Section 1: Nice to know, you did the exercises before</a:t>
+            </a:r>
+          </a:p>
+          <a:p>
+            <a:r>
+              <a:rPr lang="en-US" dirty="0"/>
+              <a:t>Section 2:</a:t>
+            </a:r>
+          </a:p>
+          <a:p>
+            <a:pPr lvl="1"/>
+            <a:r>
+              <a:rPr lang="en-US" dirty="0"/>
+              <a:t>Nice to know, but try to keep track of all the AWS-lingo</a:t>
+            </a:r>
+          </a:p>
+          <a:p>
+            <a:pPr lvl="1"/>
+            <a:r>
+              <a:rPr lang="en-US" dirty="0"/>
+              <a:t>No exercises in the folder</a:t>
+            </a:r>
+          </a:p>
+          <a:p>
+            <a:pPr lvl="1"/>
+            <a:r>
+              <a:rPr lang="en-US" dirty="0"/>
+              <a:t>Tryout amazon </a:t>
             </a:r>
             <a:r>
               <a:rPr lang="en-US" dirty="0" err="1"/>
-              <a:t>ntn</a:t>
+              <a:t>Sagemaker</a:t>
             </a:r>
             <a:endParaRPr lang="en-US" dirty="0"/>
           </a:p>
           <a:p>
             <a:r>
               <a:rPr lang="en-US" dirty="0"/>
-              <a:t>Section 2</a:t>
-            </a:r>
+              <a:t>Section 3:</a:t>
+            </a:r>
+          </a:p>
+          <a:p>
+            <a:pPr lvl="1"/>
+            <a:r>
+              <a:rPr lang="en-US" dirty="0"/>
+              <a:t>Need to know, but really “should already know”</a:t>
+            </a:r>
+          </a:p>
+          <a:p>
+            <a:pPr lvl="1"/>
+            <a:r>
+              <a:rPr lang="en-US" dirty="0"/>
+              <a:t>Introduces pandas! (entire section should be </a:t>
+            </a:r>
+            <a:r>
+              <a:rPr lang="en-US" i="1" dirty="0"/>
+              <a:t>very</a:t>
+            </a:r>
+            <a:r>
+              <a:rPr lang="en-US" dirty="0"/>
+              <a:t> familiar)</a:t>
+            </a:r>
+          </a:p>
+          <a:p>
+            <a:pPr lvl="1"/>
+            <a:r>
+              <a:rPr lang="en-US" dirty="0"/>
+              <a:t>Also talks about correlation, which will be a main topic later on here</a:t>
+            </a:r>
+          </a:p>
+          <a:p>
+            <a:pPr lvl="1"/>
+            <a:r>
+              <a:rPr lang="en-US" dirty="0"/>
+              <a:t>Also do the </a:t>
+            </a:r>
+            <a:r>
+              <a:rPr lang="en-US" dirty="0" err="1"/>
+              <a:t>sagemaker</a:t>
+            </a:r>
+            <a:r>
+              <a:rPr lang="en-US" dirty="0"/>
+              <a:t> lab</a:t>
+            </a:r>
+          </a:p>
+          <a:p>
+            <a:pPr lvl="1"/>
             <a:endParaRPr lang="en-BE" dirty="0"/>
           </a:p>
         </p:txBody>
       </p:sp>
-      <p:pic>
-        <p:nvPicPr>
-          <p:cNvPr id="5" name="Picture 4">
-            <a:extLst>
-              <a:ext uri="{FF2B5EF4-FFF2-40B4-BE49-F238E27FC236}">
-                <a16:creationId xmlns:a16="http://schemas.microsoft.com/office/drawing/2014/main" id="{59CB02E6-3EA8-3D3C-4EB2-26A7C2185D49}"/>
-              </a:ext>
-            </a:extLst>
-          </p:cNvPr>
-          <p:cNvPicPr>
-            <a:picLocks noChangeAspect="1"/>
-          </p:cNvPicPr>
-          <p:nvPr/>
-        </p:nvPicPr>
-        <p:blipFill>
-          <a:blip r:embed="rId3"/>
-          <a:stretch>
-            <a:fillRect/>
-          </a:stretch>
-        </p:blipFill>
-        <p:spPr>
-          <a:xfrm>
-            <a:off x="3623310" y="2253330"/>
-            <a:ext cx="8568690" cy="3495927"/>
-          </a:xfrm>
-          <a:prstGeom prst="rect">
-            <a:avLst/>
-          </a:prstGeom>
-        </p:spPr>
-      </p:pic>
     </p:spTree>
     <p:extLst>
       <p:ext uri="{BB962C8B-B14F-4D97-AF65-F5344CB8AC3E}">
         <p14:creationId xmlns:p14="http://schemas.microsoft.com/office/powerpoint/2010/main" val="746676107"/>
+      </p:ext>
+    </p:extLst>
+  </p:cSld>
+  <p:clrMapOvr>
+    <a:masterClrMapping/>
+  </p:clrMapOvr>
+</p:sld>
+</file>
+
+<file path=ppt/slides/slide4.xml><?xml version="1.0" encoding="utf-8"?>
+<p:sld xmlns:a="http://schemas.openxmlformats.org/drawingml/2006/main" xmlns:r="http://schemas.openxmlformats.org/officeDocument/2006/relationships" xmlns:p="http://schemas.openxmlformats.org/presentationml/2006/main">
+  <p:cSld>
+    <p:spTree>
+      <p:nvGrpSpPr>
+        <p:cNvPr id="1" name=""/>
+        <p:cNvGrpSpPr/>
+        <p:nvPr/>
+      </p:nvGrpSpPr>
+      <p:grpSpPr>
+        <a:xfrm>
+          <a:off x="0" y="0"/>
+          <a:ext cx="0" cy="0"/>
+          <a:chOff x="0" y="0"/>
+          <a:chExt cx="0" cy="0"/>
+        </a:xfrm>
+      </p:grpSpPr>
+      <p:sp>
+        <p:nvSpPr>
+          <p:cNvPr id="2" name="Title 1">
+            <a:extLst>
+              <a:ext uri="{FF2B5EF4-FFF2-40B4-BE49-F238E27FC236}">
+                <a16:creationId xmlns:a16="http://schemas.microsoft.com/office/drawing/2014/main" id="{5C8D856C-780D-2916-91ED-D5CCB13C0CE7}"/>
+              </a:ext>
+            </a:extLst>
+          </p:cNvPr>
+          <p:cNvSpPr>
+            <a:spLocks noGrp="1"/>
+          </p:cNvSpPr>
+          <p:nvPr>
+            <p:ph type="title"/>
+          </p:nvPr>
+        </p:nvSpPr>
+        <p:spPr/>
+        <p:txBody>
+          <a:bodyPr/>
+          <a:lstStyle/>
+          <a:p>
+            <a:r>
+              <a:rPr lang="en-US" dirty="0"/>
+              <a:t>First do module 3 on AWS</a:t>
+            </a:r>
+            <a:endParaRPr lang="en-BE" dirty="0"/>
+          </a:p>
+        </p:txBody>
+      </p:sp>
+      <p:sp>
+        <p:nvSpPr>
+          <p:cNvPr id="3" name="Content Placeholder 2">
+            <a:extLst>
+              <a:ext uri="{FF2B5EF4-FFF2-40B4-BE49-F238E27FC236}">
+                <a16:creationId xmlns:a16="http://schemas.microsoft.com/office/drawing/2014/main" id="{9D8E4450-A3EE-C2AB-D4D1-31E7932F6EA0}"/>
+              </a:ext>
+            </a:extLst>
+          </p:cNvPr>
+          <p:cNvSpPr>
+            <a:spLocks noGrp="1"/>
+          </p:cNvSpPr>
+          <p:nvPr>
+            <p:ph idx="1"/>
+          </p:nvPr>
+        </p:nvSpPr>
+        <p:spPr/>
+        <p:txBody>
+          <a:bodyPr/>
+          <a:lstStyle/>
+          <a:p>
+            <a:r>
+              <a:rPr lang="en-US" dirty="0"/>
+              <a:t>Section 4:</a:t>
+            </a:r>
+          </a:p>
+          <a:p>
+            <a:pPr lvl="1"/>
+            <a:r>
+              <a:rPr lang="en-US" dirty="0"/>
+              <a:t>Need to know</a:t>
+            </a:r>
+          </a:p>
+          <a:p>
+            <a:pPr lvl="1"/>
+            <a:r>
+              <a:rPr lang="en-US" dirty="0"/>
+              <a:t>Dive deeper into pandas, but more on data than section 3</a:t>
+            </a:r>
+          </a:p>
+          <a:p>
+            <a:pPr lvl="1"/>
+            <a:r>
+              <a:rPr lang="en-US" dirty="0"/>
+              <a:t>No exercises in the folder, but another </a:t>
+            </a:r>
+            <a:r>
+              <a:rPr lang="en-US" dirty="0" err="1"/>
+              <a:t>sagemaker</a:t>
+            </a:r>
+            <a:r>
+              <a:rPr lang="en-US" dirty="0"/>
+              <a:t> lab</a:t>
+            </a:r>
+          </a:p>
+          <a:p>
+            <a:r>
+              <a:rPr lang="en-US"/>
+              <a:t>Section 5:</a:t>
+            </a:r>
+          </a:p>
+          <a:p>
+            <a:endParaRPr lang="en-US" dirty="0"/>
+          </a:p>
+          <a:p>
+            <a:pPr lvl="1"/>
+            <a:endParaRPr lang="en-US" dirty="0"/>
+          </a:p>
+          <a:p>
+            <a:pPr lvl="1"/>
+            <a:endParaRPr lang="en-BE" dirty="0"/>
+          </a:p>
+        </p:txBody>
+      </p:sp>
+    </p:spTree>
+    <p:extLst>
+      <p:ext uri="{BB962C8B-B14F-4D97-AF65-F5344CB8AC3E}">
+        <p14:creationId xmlns:p14="http://schemas.microsoft.com/office/powerpoint/2010/main" val="2896051875"/>
+      </p:ext>
+    </p:extLst>
+  </p:cSld>
+  <p:clrMapOvr>
+    <a:masterClrMapping/>
+  </p:clrMapOvr>
+</p:sld>
+</file>
+
+<file path=ppt/slides/slide5.xml><?xml version="1.0" encoding="utf-8"?>
+<p:sld xmlns:a="http://schemas.openxmlformats.org/drawingml/2006/main" xmlns:r="http://schemas.openxmlformats.org/officeDocument/2006/relationships" xmlns:p="http://schemas.openxmlformats.org/presentationml/2006/main">
+  <p:cSld>
+    <p:spTree>
+      <p:nvGrpSpPr>
+        <p:cNvPr id="1" name=""/>
+        <p:cNvGrpSpPr/>
+        <p:nvPr/>
+      </p:nvGrpSpPr>
+      <p:grpSpPr>
+        <a:xfrm>
+          <a:off x="0" y="0"/>
+          <a:ext cx="0" cy="0"/>
+          <a:chOff x="0" y="0"/>
+          <a:chExt cx="0" cy="0"/>
+        </a:xfrm>
+      </p:grpSpPr>
+      <p:sp>
+        <p:nvSpPr>
+          <p:cNvPr id="2" name="Title 1">
+            <a:extLst>
+              <a:ext uri="{FF2B5EF4-FFF2-40B4-BE49-F238E27FC236}">
+                <a16:creationId xmlns:a16="http://schemas.microsoft.com/office/drawing/2014/main" id="{04B3C494-60C1-F2B0-6B62-A51F85919688}"/>
+              </a:ext>
+            </a:extLst>
+          </p:cNvPr>
+          <p:cNvSpPr>
+            <a:spLocks noGrp="1"/>
+          </p:cNvSpPr>
+          <p:nvPr>
+            <p:ph type="title"/>
+          </p:nvPr>
+        </p:nvSpPr>
+        <p:spPr/>
+        <p:txBody>
+          <a:bodyPr/>
+          <a:lstStyle/>
+          <a:p>
+            <a:r>
+              <a:rPr lang="en-US" dirty="0"/>
+              <a:t>Correlation</a:t>
+            </a:r>
+            <a:endParaRPr lang="en-BE" dirty="0"/>
+          </a:p>
+        </p:txBody>
+      </p:sp>
+      <p:sp>
+        <p:nvSpPr>
+          <p:cNvPr id="3" name="Content Placeholder 2">
+            <a:extLst>
+              <a:ext uri="{FF2B5EF4-FFF2-40B4-BE49-F238E27FC236}">
+                <a16:creationId xmlns:a16="http://schemas.microsoft.com/office/drawing/2014/main" id="{820F0F27-D7EF-6BB5-B33A-6949DC1E728D}"/>
+              </a:ext>
+            </a:extLst>
+          </p:cNvPr>
+          <p:cNvSpPr>
+            <a:spLocks noGrp="1"/>
+          </p:cNvSpPr>
+          <p:nvPr>
+            <p:ph idx="1"/>
+          </p:nvPr>
+        </p:nvSpPr>
+        <p:spPr/>
+        <p:txBody>
+          <a:bodyPr/>
+          <a:lstStyle/>
+          <a:p>
+            <a:r>
+              <a:rPr lang="en-US" dirty="0"/>
+              <a:t>Also correlation matrix</a:t>
+            </a:r>
+            <a:endParaRPr lang="en-BE" dirty="0"/>
+          </a:p>
+        </p:txBody>
+      </p:sp>
+    </p:spTree>
+    <p:extLst>
+      <p:ext uri="{BB962C8B-B14F-4D97-AF65-F5344CB8AC3E}">
+        <p14:creationId xmlns:p14="http://schemas.microsoft.com/office/powerpoint/2010/main" val="720020292"/>
       </p:ext>
     </p:extLst>
   </p:cSld>

--- a/PPT/3 - Implementing a pipeline.pptx
+++ b/PPT/3 - Implementing a pipeline.pptx
@@ -5,14 +5,26 @@
     <p:sldMasterId id="2147483648" r:id="rId1"/>
   </p:sldMasterIdLst>
   <p:notesMasterIdLst>
-    <p:notesMasterId r:id="rId7"/>
+    <p:notesMasterId r:id="rId19"/>
   </p:notesMasterIdLst>
   <p:sldIdLst>
     <p:sldId id="256" r:id="rId2"/>
     <p:sldId id="257" r:id="rId3"/>
     <p:sldId id="258" r:id="rId4"/>
     <p:sldId id="260" r:id="rId5"/>
-    <p:sldId id="259" r:id="rId6"/>
+    <p:sldId id="262" r:id="rId6"/>
+    <p:sldId id="264" r:id="rId7"/>
+    <p:sldId id="259" r:id="rId8"/>
+    <p:sldId id="265" r:id="rId9"/>
+    <p:sldId id="266" r:id="rId10"/>
+    <p:sldId id="269" r:id="rId11"/>
+    <p:sldId id="267" r:id="rId12"/>
+    <p:sldId id="268" r:id="rId13"/>
+    <p:sldId id="270" r:id="rId14"/>
+    <p:sldId id="261" r:id="rId15"/>
+    <p:sldId id="272" r:id="rId16"/>
+    <p:sldId id="283" r:id="rId17"/>
+    <p:sldId id="263" r:id="rId18"/>
   </p:sldIdLst>
   <p:sldSz cx="12192000" cy="6858000"/>
   <p:notesSz cx="6858000" cy="9144000"/>
@@ -112,6 +124,43 @@
     </a:lvl9pPr>
   </p:defaultTextStyle>
   <p:extLst>
+    <p:ext uri="{521415D9-36F7-43E2-AB2F-B90AF26B5E84}">
+      <p14:sectionLst xmlns:p14="http://schemas.microsoft.com/office/powerpoint/2010/main">
+        <p14:section name="Default Section" id="{624C900F-5F03-4287-A525-6F5614A25C90}">
+          <p14:sldIdLst>
+            <p14:sldId id="256"/>
+            <p14:sldId id="257"/>
+            <p14:sldId id="258"/>
+            <p14:sldId id="260"/>
+            <p14:sldId id="262"/>
+          </p14:sldIdLst>
+        </p14:section>
+        <p14:section name="Covariation and correlation" id="{9572D423-B4D9-4A95-9EA0-1C02BFE430F4}">
+          <p14:sldIdLst>
+            <p14:sldId id="264"/>
+            <p14:sldId id="259"/>
+            <p14:sldId id="265"/>
+            <p14:sldId id="266"/>
+            <p14:sldId id="269"/>
+            <p14:sldId id="267"/>
+            <p14:sldId id="268"/>
+          </p14:sldIdLst>
+        </p14:section>
+        <p14:section name="Models" id="{22750C53-A5D9-492E-914A-2F5D7BA0C0E7}">
+          <p14:sldIdLst>
+            <p14:sldId id="270"/>
+            <p14:sldId id="261"/>
+            <p14:sldId id="272"/>
+            <p14:sldId id="283"/>
+          </p14:sldIdLst>
+        </p14:section>
+        <p14:section name="Model quality" id="{4F2EDD26-9638-4E85-9C8F-75F5B0C84F79}">
+          <p14:sldIdLst>
+            <p14:sldId id="263"/>
+          </p14:sldIdLst>
+        </p14:section>
+      </p14:sectionLst>
+    </p:ext>
     <p:ext uri="{EFAFB233-063F-42B5-8137-9DF3F51BA10A}">
       <p15:sldGuideLst xmlns:p15="http://schemas.microsoft.com/office/powerpoint/2012/main"/>
     </p:ext>
@@ -122,7 +171,7 @@
 <file path=ppt/revisionInfo.xml><?xml version="1.0" encoding="utf-8"?>
 <p1510:revInfo xmlns:a="http://schemas.openxmlformats.org/drawingml/2006/main" xmlns:r="http://schemas.openxmlformats.org/officeDocument/2006/relationships" xmlns:p1510="http://schemas.microsoft.com/office/powerpoint/2015/10/main">
   <p1510:revLst>
-    <p1510:client id="{169A5283-A155-458D-8151-1CEB2FF4B48D}" v="2" dt="2023-06-13T15:11:11.327"/>
+    <p1510:client id="{169A5283-A155-458D-8151-1CEB2FF4B48D}" v="17" dt="2023-06-14T13:25:32.789"/>
   </p1510:revLst>
 </p1510:revInfo>
 </file>
@@ -131,8 +180,8 @@
 <pc:chgInfo xmlns:a="http://schemas.openxmlformats.org/drawingml/2006/main" xmlns:r="http://schemas.openxmlformats.org/officeDocument/2006/relationships" xmlns:ac="http://schemas.microsoft.com/office/drawing/2013/main/command" xmlns:pc="http://schemas.microsoft.com/office/powerpoint/2013/main/command">
   <pc:docChgLst>
     <pc:chgData name="Jochen Mariën" userId="a4f8d9ed-3895-4365-b2d5-9432cb8a20d4" providerId="ADAL" clId="{169A5283-A155-458D-8151-1CEB2FF4B48D}"/>
-    <pc:docChg chg="custSel addSld modSld">
-      <pc:chgData name="Jochen Mariën" userId="a4f8d9ed-3895-4365-b2d5-9432cb8a20d4" providerId="ADAL" clId="{169A5283-A155-458D-8151-1CEB2FF4B48D}" dt="2023-06-13T15:37:43.172" v="898" actId="20577"/>
+    <pc:docChg chg="undo custSel addSld delSld modSld addSection modSection">
+      <pc:chgData name="Jochen Mariën" userId="a4f8d9ed-3895-4365-b2d5-9432cb8a20d4" providerId="ADAL" clId="{169A5283-A155-458D-8151-1CEB2FF4B48D}" dt="2023-06-14T13:26:44.143" v="3644" actId="17846"/>
       <pc:docMkLst>
         <pc:docMk/>
       </pc:docMkLst>
@@ -199,7 +248,7 @@
         </pc:picChg>
       </pc:sldChg>
       <pc:sldChg chg="addSp delSp modSp new mod modNotesTx">
-        <pc:chgData name="Jochen Mariën" userId="a4f8d9ed-3895-4365-b2d5-9432cb8a20d4" providerId="ADAL" clId="{169A5283-A155-458D-8151-1CEB2FF4B48D}" dt="2023-06-13T15:36:55.892" v="748" actId="313"/>
+        <pc:chgData name="Jochen Mariën" userId="a4f8d9ed-3895-4365-b2d5-9432cb8a20d4" providerId="ADAL" clId="{169A5283-A155-458D-8151-1CEB2FF4B48D}" dt="2023-06-14T08:07:28.820" v="1629" actId="20577"/>
         <pc:sldMkLst>
           <pc:docMk/>
           <pc:sldMk cId="746676107" sldId="258"/>
@@ -213,7 +262,7 @@
           </ac:spMkLst>
         </pc:spChg>
         <pc:spChg chg="mod">
-          <ac:chgData name="Jochen Mariën" userId="a4f8d9ed-3895-4365-b2d5-9432cb8a20d4" providerId="ADAL" clId="{169A5283-A155-458D-8151-1CEB2FF4B48D}" dt="2023-06-13T15:36:55.892" v="748" actId="313"/>
+          <ac:chgData name="Jochen Mariën" userId="a4f8d9ed-3895-4365-b2d5-9432cb8a20d4" providerId="ADAL" clId="{169A5283-A155-458D-8151-1CEB2FF4B48D}" dt="2023-06-14T08:07:28.820" v="1629" actId="20577"/>
           <ac:spMkLst>
             <pc:docMk/>
             <pc:sldMk cId="746676107" sldId="258"/>
@@ -229,31 +278,55 @@
           </ac:picMkLst>
         </pc:picChg>
       </pc:sldChg>
-      <pc:sldChg chg="modSp new mod">
-        <pc:chgData name="Jochen Mariën" userId="a4f8d9ed-3895-4365-b2d5-9432cb8a20d4" providerId="ADAL" clId="{169A5283-A155-458D-8151-1CEB2FF4B48D}" dt="2023-06-13T15:19:08.740" v="526" actId="20577"/>
+      <pc:sldChg chg="addSp delSp modSp new mod">
+        <pc:chgData name="Jochen Mariën" userId="a4f8d9ed-3895-4365-b2d5-9432cb8a20d4" providerId="ADAL" clId="{169A5283-A155-458D-8151-1CEB2FF4B48D}" dt="2023-06-14T08:23:42.598" v="1869" actId="1076"/>
         <pc:sldMkLst>
           <pc:docMk/>
           <pc:sldMk cId="720020292" sldId="259"/>
         </pc:sldMkLst>
         <pc:spChg chg="mod">
-          <ac:chgData name="Jochen Mariën" userId="a4f8d9ed-3895-4365-b2d5-9432cb8a20d4" providerId="ADAL" clId="{169A5283-A155-458D-8151-1CEB2FF4B48D}" dt="2023-06-13T15:18:59.815" v="503" actId="20577"/>
+          <ac:chgData name="Jochen Mariën" userId="a4f8d9ed-3895-4365-b2d5-9432cb8a20d4" providerId="ADAL" clId="{169A5283-A155-458D-8151-1CEB2FF4B48D}" dt="2023-06-14T08:23:13.062" v="1862" actId="20577"/>
           <ac:spMkLst>
             <pc:docMk/>
             <pc:sldMk cId="720020292" sldId="259"/>
             <ac:spMk id="2" creationId="{04B3C494-60C1-F2B0-6B62-A51F85919688}"/>
           </ac:spMkLst>
         </pc:spChg>
-        <pc:spChg chg="mod">
-          <ac:chgData name="Jochen Mariën" userId="a4f8d9ed-3895-4365-b2d5-9432cb8a20d4" providerId="ADAL" clId="{169A5283-A155-458D-8151-1CEB2FF4B48D}" dt="2023-06-13T15:19:08.740" v="526" actId="20577"/>
+        <pc:spChg chg="del mod">
+          <ac:chgData name="Jochen Mariën" userId="a4f8d9ed-3895-4365-b2d5-9432cb8a20d4" providerId="ADAL" clId="{169A5283-A155-458D-8151-1CEB2FF4B48D}" dt="2023-06-14T08:23:15.925" v="1863" actId="478"/>
           <ac:spMkLst>
             <pc:docMk/>
             <pc:sldMk cId="720020292" sldId="259"/>
             <ac:spMk id="3" creationId="{820F0F27-D7EF-6BB5-B33A-6949DC1E728D}"/>
           </ac:spMkLst>
         </pc:spChg>
+        <pc:spChg chg="add del mod">
+          <ac:chgData name="Jochen Mariën" userId="a4f8d9ed-3895-4365-b2d5-9432cb8a20d4" providerId="ADAL" clId="{169A5283-A155-458D-8151-1CEB2FF4B48D}" dt="2023-06-14T08:23:19.055" v="1864" actId="478"/>
+          <ac:spMkLst>
+            <pc:docMk/>
+            <pc:sldMk cId="720020292" sldId="259"/>
+            <ac:spMk id="5" creationId="{8E554590-A398-BA7E-8E0C-0BD859E8BA6C}"/>
+          </ac:spMkLst>
+        </pc:spChg>
+        <pc:picChg chg="add mod">
+          <ac:chgData name="Jochen Mariën" userId="a4f8d9ed-3895-4365-b2d5-9432cb8a20d4" providerId="ADAL" clId="{169A5283-A155-458D-8151-1CEB2FF4B48D}" dt="2023-06-14T08:23:40.001" v="1868" actId="1076"/>
+          <ac:picMkLst>
+            <pc:docMk/>
+            <pc:sldMk cId="720020292" sldId="259"/>
+            <ac:picMk id="6" creationId="{9966F9F7-D69A-FB85-3D66-7FC298A5182E}"/>
+          </ac:picMkLst>
+        </pc:picChg>
+        <pc:picChg chg="add mod">
+          <ac:chgData name="Jochen Mariën" userId="a4f8d9ed-3895-4365-b2d5-9432cb8a20d4" providerId="ADAL" clId="{169A5283-A155-458D-8151-1CEB2FF4B48D}" dt="2023-06-14T08:23:42.598" v="1869" actId="1076"/>
+          <ac:picMkLst>
+            <pc:docMk/>
+            <pc:sldMk cId="720020292" sldId="259"/>
+            <ac:picMk id="7" creationId="{2DEB7268-4B0C-F6E2-FE32-84B526E9DD52}"/>
+          </ac:picMkLst>
+        </pc:picChg>
       </pc:sldChg>
       <pc:sldChg chg="modSp new mod">
-        <pc:chgData name="Jochen Mariën" userId="a4f8d9ed-3895-4365-b2d5-9432cb8a20d4" providerId="ADAL" clId="{169A5283-A155-458D-8151-1CEB2FF4B48D}" dt="2023-06-13T15:37:43.172" v="898" actId="20577"/>
+        <pc:chgData name="Jochen Mariën" userId="a4f8d9ed-3895-4365-b2d5-9432cb8a20d4" providerId="ADAL" clId="{169A5283-A155-458D-8151-1CEB2FF4B48D}" dt="2023-06-14T08:08:44.175" v="1640" actId="20577"/>
         <pc:sldMkLst>
           <pc:docMk/>
           <pc:sldMk cId="2896051875" sldId="260"/>
@@ -267,11 +340,428 @@
           </ac:spMkLst>
         </pc:spChg>
         <pc:spChg chg="mod">
-          <ac:chgData name="Jochen Mariën" userId="a4f8d9ed-3895-4365-b2d5-9432cb8a20d4" providerId="ADAL" clId="{169A5283-A155-458D-8151-1CEB2FF4B48D}" dt="2023-06-13T15:37:43.172" v="898" actId="20577"/>
+          <ac:chgData name="Jochen Mariën" userId="a4f8d9ed-3895-4365-b2d5-9432cb8a20d4" providerId="ADAL" clId="{169A5283-A155-458D-8151-1CEB2FF4B48D}" dt="2023-06-14T08:08:44.175" v="1640" actId="20577"/>
           <ac:spMkLst>
             <pc:docMk/>
             <pc:sldMk cId="2896051875" sldId="260"/>
             <ac:spMk id="3" creationId="{9D8E4450-A3EE-C2AB-D4D1-31E7932F6EA0}"/>
+          </ac:spMkLst>
+        </pc:spChg>
+      </pc:sldChg>
+      <pc:sldChg chg="addSp modSp new mod">
+        <pc:chgData name="Jochen Mariën" userId="a4f8d9ed-3895-4365-b2d5-9432cb8a20d4" providerId="ADAL" clId="{169A5283-A155-458D-8151-1CEB2FF4B48D}" dt="2023-06-14T09:49:01.444" v="3524" actId="20577"/>
+        <pc:sldMkLst>
+          <pc:docMk/>
+          <pc:sldMk cId="3291332361" sldId="261"/>
+        </pc:sldMkLst>
+        <pc:spChg chg="mod">
+          <ac:chgData name="Jochen Mariën" userId="a4f8d9ed-3895-4365-b2d5-9432cb8a20d4" providerId="ADAL" clId="{169A5283-A155-458D-8151-1CEB2FF4B48D}" dt="2023-06-14T09:44:34.162" v="3215" actId="20577"/>
+          <ac:spMkLst>
+            <pc:docMk/>
+            <pc:sldMk cId="3291332361" sldId="261"/>
+            <ac:spMk id="2" creationId="{BA9387E0-E2F9-9F9D-7698-F4AC8D44F748}"/>
+          </ac:spMkLst>
+        </pc:spChg>
+        <pc:spChg chg="mod">
+          <ac:chgData name="Jochen Mariën" userId="a4f8d9ed-3895-4365-b2d5-9432cb8a20d4" providerId="ADAL" clId="{169A5283-A155-458D-8151-1CEB2FF4B48D}" dt="2023-06-14T09:49:01.444" v="3524" actId="20577"/>
+          <ac:spMkLst>
+            <pc:docMk/>
+            <pc:sldMk cId="3291332361" sldId="261"/>
+            <ac:spMk id="3" creationId="{E6C0F745-54C1-F30A-F78F-FF1DDC78A070}"/>
+          </ac:spMkLst>
+        </pc:spChg>
+        <pc:picChg chg="add mod">
+          <ac:chgData name="Jochen Mariën" userId="a4f8d9ed-3895-4365-b2d5-9432cb8a20d4" providerId="ADAL" clId="{169A5283-A155-458D-8151-1CEB2FF4B48D}" dt="2023-06-14T09:47:35.174" v="3409" actId="1076"/>
+          <ac:picMkLst>
+            <pc:docMk/>
+            <pc:sldMk cId="3291332361" sldId="261"/>
+            <ac:picMk id="5" creationId="{62AA9452-836E-F0D1-228C-AF4B0BD5783B}"/>
+          </ac:picMkLst>
+        </pc:picChg>
+        <pc:picChg chg="add mod">
+          <ac:chgData name="Jochen Mariën" userId="a4f8d9ed-3895-4365-b2d5-9432cb8a20d4" providerId="ADAL" clId="{169A5283-A155-458D-8151-1CEB2FF4B48D}" dt="2023-06-14T09:48:43.357" v="3486" actId="1076"/>
+          <ac:picMkLst>
+            <pc:docMk/>
+            <pc:sldMk cId="3291332361" sldId="261"/>
+            <ac:picMk id="7" creationId="{7F150EFA-6F62-C601-7544-C1128661EA44}"/>
+          </ac:picMkLst>
+        </pc:picChg>
+      </pc:sldChg>
+      <pc:sldChg chg="addSp modSp new mod">
+        <pc:chgData name="Jochen Mariën" userId="a4f8d9ed-3895-4365-b2d5-9432cb8a20d4" providerId="ADAL" clId="{169A5283-A155-458D-8151-1CEB2FF4B48D}" dt="2023-06-14T08:07:51.688" v="1635" actId="15"/>
+        <pc:sldMkLst>
+          <pc:docMk/>
+          <pc:sldMk cId="2594315022" sldId="262"/>
+        </pc:sldMkLst>
+        <pc:spChg chg="mod">
+          <ac:chgData name="Jochen Mariën" userId="a4f8d9ed-3895-4365-b2d5-9432cb8a20d4" providerId="ADAL" clId="{169A5283-A155-458D-8151-1CEB2FF4B48D}" dt="2023-06-14T07:52:37.455" v="1121"/>
+          <ac:spMkLst>
+            <pc:docMk/>
+            <pc:sldMk cId="2594315022" sldId="262"/>
+            <ac:spMk id="2" creationId="{FA44B1A1-D24D-011F-113E-51EA4BA80399}"/>
+          </ac:spMkLst>
+        </pc:spChg>
+        <pc:spChg chg="mod">
+          <ac:chgData name="Jochen Mariën" userId="a4f8d9ed-3895-4365-b2d5-9432cb8a20d4" providerId="ADAL" clId="{169A5283-A155-458D-8151-1CEB2FF4B48D}" dt="2023-06-14T08:07:51.688" v="1635" actId="15"/>
+          <ac:spMkLst>
+            <pc:docMk/>
+            <pc:sldMk cId="2594315022" sldId="262"/>
+            <ac:spMk id="3" creationId="{12061FB8-6153-AC4E-6C76-73290EEF53CD}"/>
+          </ac:spMkLst>
+        </pc:spChg>
+        <pc:picChg chg="add mod">
+          <ac:chgData name="Jochen Mariën" userId="a4f8d9ed-3895-4365-b2d5-9432cb8a20d4" providerId="ADAL" clId="{169A5283-A155-458D-8151-1CEB2FF4B48D}" dt="2023-06-14T08:02:26.204" v="1288" actId="1076"/>
+          <ac:picMkLst>
+            <pc:docMk/>
+            <pc:sldMk cId="2594315022" sldId="262"/>
+            <ac:picMk id="5" creationId="{C19BAF0C-F6FC-FBDA-36B4-CB86C6409752}"/>
+          </ac:picMkLst>
+        </pc:picChg>
+      </pc:sldChg>
+      <pc:sldChg chg="modSp new mod">
+        <pc:chgData name="Jochen Mariën" userId="a4f8d9ed-3895-4365-b2d5-9432cb8a20d4" providerId="ADAL" clId="{169A5283-A155-458D-8151-1CEB2FF4B48D}" dt="2023-06-14T07:57:09.418" v="1283" actId="20577"/>
+        <pc:sldMkLst>
+          <pc:docMk/>
+          <pc:sldMk cId="3927608253" sldId="263"/>
+        </pc:sldMkLst>
+        <pc:spChg chg="mod">
+          <ac:chgData name="Jochen Mariën" userId="a4f8d9ed-3895-4365-b2d5-9432cb8a20d4" providerId="ADAL" clId="{169A5283-A155-458D-8151-1CEB2FF4B48D}" dt="2023-06-14T07:57:09.418" v="1283" actId="20577"/>
+          <ac:spMkLst>
+            <pc:docMk/>
+            <pc:sldMk cId="3927608253" sldId="263"/>
+            <ac:spMk id="3" creationId="{07020E63-D251-0C63-9FC8-B128FA9F0611}"/>
+          </ac:spMkLst>
+        </pc:spChg>
+      </pc:sldChg>
+      <pc:sldChg chg="addSp delSp modSp new mod">
+        <pc:chgData name="Jochen Mariën" userId="a4f8d9ed-3895-4365-b2d5-9432cb8a20d4" providerId="ADAL" clId="{169A5283-A155-458D-8151-1CEB2FF4B48D}" dt="2023-06-14T08:23:05.317" v="1850" actId="1076"/>
+        <pc:sldMkLst>
+          <pc:docMk/>
+          <pc:sldMk cId="3458274451" sldId="264"/>
+        </pc:sldMkLst>
+        <pc:spChg chg="del">
+          <ac:chgData name="Jochen Mariën" userId="a4f8d9ed-3895-4365-b2d5-9432cb8a20d4" providerId="ADAL" clId="{169A5283-A155-458D-8151-1CEB2FF4B48D}" dt="2023-06-14T08:11:03.755" v="1652" actId="478"/>
+          <ac:spMkLst>
+            <pc:docMk/>
+            <pc:sldMk cId="3458274451" sldId="264"/>
+            <ac:spMk id="2" creationId="{5A2920C1-1B1A-0075-9BAE-3A66DB222A16}"/>
+          </ac:spMkLst>
+        </pc:spChg>
+        <pc:spChg chg="add del mod">
+          <ac:chgData name="Jochen Mariën" userId="a4f8d9ed-3895-4365-b2d5-9432cb8a20d4" providerId="ADAL" clId="{169A5283-A155-458D-8151-1CEB2FF4B48D}" dt="2023-06-14T08:12:19.232" v="1809" actId="20577"/>
+          <ac:spMkLst>
+            <pc:docMk/>
+            <pc:sldMk cId="3458274451" sldId="264"/>
+            <ac:spMk id="3" creationId="{86EF8D12-956E-3AAD-0D58-61489438155C}"/>
+          </ac:spMkLst>
+        </pc:spChg>
+        <pc:spChg chg="add mod">
+          <ac:chgData name="Jochen Mariën" userId="a4f8d9ed-3895-4365-b2d5-9432cb8a20d4" providerId="ADAL" clId="{169A5283-A155-458D-8151-1CEB2FF4B48D}" dt="2023-06-14T08:22:59.499" v="1848" actId="122"/>
+          <ac:spMkLst>
+            <pc:docMk/>
+            <pc:sldMk cId="3458274451" sldId="264"/>
+            <ac:spMk id="8" creationId="{A0A6E142-8AC5-275D-BC26-D7047689E8E5}"/>
+          </ac:spMkLst>
+        </pc:spChg>
+        <pc:picChg chg="add del mod">
+          <ac:chgData name="Jochen Mariën" userId="a4f8d9ed-3895-4365-b2d5-9432cb8a20d4" providerId="ADAL" clId="{169A5283-A155-458D-8151-1CEB2FF4B48D}" dt="2023-06-14T08:10:56.498" v="1645"/>
+          <ac:picMkLst>
+            <pc:docMk/>
+            <pc:sldMk cId="3458274451" sldId="264"/>
+            <ac:picMk id="5" creationId="{3E4E09AD-33BA-E41E-1269-0275DEA9629D}"/>
+          </ac:picMkLst>
+        </pc:picChg>
+        <pc:picChg chg="add mod">
+          <ac:chgData name="Jochen Mariën" userId="a4f8d9ed-3895-4365-b2d5-9432cb8a20d4" providerId="ADAL" clId="{169A5283-A155-458D-8151-1CEB2FF4B48D}" dt="2023-06-14T08:23:05.317" v="1850" actId="1076"/>
+          <ac:picMkLst>
+            <pc:docMk/>
+            <pc:sldMk cId="3458274451" sldId="264"/>
+            <ac:picMk id="7" creationId="{BB116B89-60F0-53BA-A5AB-8E71B728ED3B}"/>
+          </ac:picMkLst>
+        </pc:picChg>
+      </pc:sldChg>
+      <pc:sldChg chg="addSp delSp modSp new mod modNotesTx">
+        <pc:chgData name="Jochen Mariën" userId="a4f8d9ed-3895-4365-b2d5-9432cb8a20d4" providerId="ADAL" clId="{169A5283-A155-458D-8151-1CEB2FF4B48D}" dt="2023-06-14T08:24:46.877" v="1889" actId="1076"/>
+        <pc:sldMkLst>
+          <pc:docMk/>
+          <pc:sldMk cId="3813132290" sldId="265"/>
+        </pc:sldMkLst>
+        <pc:spChg chg="mod">
+          <ac:chgData name="Jochen Mariën" userId="a4f8d9ed-3895-4365-b2d5-9432cb8a20d4" providerId="ADAL" clId="{169A5283-A155-458D-8151-1CEB2FF4B48D}" dt="2023-06-14T08:24:18.038" v="1881" actId="20577"/>
+          <ac:spMkLst>
+            <pc:docMk/>
+            <pc:sldMk cId="3813132290" sldId="265"/>
+            <ac:spMk id="2" creationId="{9835BD46-16DA-9F38-4B73-D01739111F80}"/>
+          </ac:spMkLst>
+        </pc:spChg>
+        <pc:spChg chg="del">
+          <ac:chgData name="Jochen Mariën" userId="a4f8d9ed-3895-4365-b2d5-9432cb8a20d4" providerId="ADAL" clId="{169A5283-A155-458D-8151-1CEB2FF4B48D}" dt="2023-06-14T08:24:30.088" v="1883" actId="478"/>
+          <ac:spMkLst>
+            <pc:docMk/>
+            <pc:sldMk cId="3813132290" sldId="265"/>
+            <ac:spMk id="3" creationId="{562197C3-6D95-B7EF-B300-D658FC5D4E93}"/>
+          </ac:spMkLst>
+        </pc:spChg>
+        <pc:picChg chg="add mod">
+          <ac:chgData name="Jochen Mariën" userId="a4f8d9ed-3895-4365-b2d5-9432cb8a20d4" providerId="ADAL" clId="{169A5283-A155-458D-8151-1CEB2FF4B48D}" dt="2023-06-14T08:24:35.941" v="1885" actId="1076"/>
+          <ac:picMkLst>
+            <pc:docMk/>
+            <pc:sldMk cId="3813132290" sldId="265"/>
+            <ac:picMk id="4" creationId="{CB2EFEE6-B3C0-3D9B-1F87-F65558482777}"/>
+          </ac:picMkLst>
+        </pc:picChg>
+        <pc:picChg chg="add mod">
+          <ac:chgData name="Jochen Mariën" userId="a4f8d9ed-3895-4365-b2d5-9432cb8a20d4" providerId="ADAL" clId="{169A5283-A155-458D-8151-1CEB2FF4B48D}" dt="2023-06-14T08:24:46.877" v="1889" actId="1076"/>
+          <ac:picMkLst>
+            <pc:docMk/>
+            <pc:sldMk cId="3813132290" sldId="265"/>
+            <ac:picMk id="5" creationId="{D44CA31F-D306-813E-7860-E362C89329C3}"/>
+          </ac:picMkLst>
+        </pc:picChg>
+      </pc:sldChg>
+      <pc:sldChg chg="addSp delSp modSp new mod">
+        <pc:chgData name="Jochen Mariën" userId="a4f8d9ed-3895-4365-b2d5-9432cb8a20d4" providerId="ADAL" clId="{169A5283-A155-458D-8151-1CEB2FF4B48D}" dt="2023-06-14T08:26:38.586" v="1913" actId="1076"/>
+        <pc:sldMkLst>
+          <pc:docMk/>
+          <pc:sldMk cId="447333039" sldId="266"/>
+        </pc:sldMkLst>
+        <pc:spChg chg="mod">
+          <ac:chgData name="Jochen Mariën" userId="a4f8d9ed-3895-4365-b2d5-9432cb8a20d4" providerId="ADAL" clId="{169A5283-A155-458D-8151-1CEB2FF4B48D}" dt="2023-06-14T08:25:03.310" v="1902"/>
+          <ac:spMkLst>
+            <pc:docMk/>
+            <pc:sldMk cId="447333039" sldId="266"/>
+            <ac:spMk id="2" creationId="{D1F6B91D-C934-E5F6-C990-1E210E76742F}"/>
+          </ac:spMkLst>
+        </pc:spChg>
+        <pc:spChg chg="del">
+          <ac:chgData name="Jochen Mariën" userId="a4f8d9ed-3895-4365-b2d5-9432cb8a20d4" providerId="ADAL" clId="{169A5283-A155-458D-8151-1CEB2FF4B48D}" dt="2023-06-14T08:25:11.841" v="1903" actId="478"/>
+          <ac:spMkLst>
+            <pc:docMk/>
+            <pc:sldMk cId="447333039" sldId="266"/>
+            <ac:spMk id="3" creationId="{B35FA749-1008-8B75-8EF9-91EB50CB5AD6}"/>
+          </ac:spMkLst>
+        </pc:spChg>
+        <pc:picChg chg="add mod">
+          <ac:chgData name="Jochen Mariën" userId="a4f8d9ed-3895-4365-b2d5-9432cb8a20d4" providerId="ADAL" clId="{169A5283-A155-458D-8151-1CEB2FF4B48D}" dt="2023-06-14T08:25:18.561" v="1906" actId="1076"/>
+          <ac:picMkLst>
+            <pc:docMk/>
+            <pc:sldMk cId="447333039" sldId="266"/>
+            <ac:picMk id="4" creationId="{0B974652-8B3B-D17F-A83E-F7ED4EDB9195}"/>
+          </ac:picMkLst>
+        </pc:picChg>
+        <pc:picChg chg="add mod">
+          <ac:chgData name="Jochen Mariën" userId="a4f8d9ed-3895-4365-b2d5-9432cb8a20d4" providerId="ADAL" clId="{169A5283-A155-458D-8151-1CEB2FF4B48D}" dt="2023-06-14T08:26:38.586" v="1913" actId="1076"/>
+          <ac:picMkLst>
+            <pc:docMk/>
+            <pc:sldMk cId="447333039" sldId="266"/>
+            <ac:picMk id="6" creationId="{81E3105C-561A-BB76-32FB-AFB64D7476AD}"/>
+          </ac:picMkLst>
+        </pc:picChg>
+      </pc:sldChg>
+      <pc:sldChg chg="addSp delSp modSp new mod modNotesTx">
+        <pc:chgData name="Jochen Mariën" userId="a4f8d9ed-3895-4365-b2d5-9432cb8a20d4" providerId="ADAL" clId="{169A5283-A155-458D-8151-1CEB2FF4B48D}" dt="2023-06-14T08:39:42.044" v="2206" actId="20577"/>
+        <pc:sldMkLst>
+          <pc:docMk/>
+          <pc:sldMk cId="3520221708" sldId="267"/>
+        </pc:sldMkLst>
+        <pc:spChg chg="mod">
+          <ac:chgData name="Jochen Mariën" userId="a4f8d9ed-3895-4365-b2d5-9432cb8a20d4" providerId="ADAL" clId="{169A5283-A155-458D-8151-1CEB2FF4B48D}" dt="2023-06-14T08:37:48.835" v="1942" actId="20577"/>
+          <ac:spMkLst>
+            <pc:docMk/>
+            <pc:sldMk cId="3520221708" sldId="267"/>
+            <ac:spMk id="2" creationId="{E78C7CC2-44EC-69A8-95F2-DD5EAE374942}"/>
+          </ac:spMkLst>
+        </pc:spChg>
+        <pc:spChg chg="mod">
+          <ac:chgData name="Jochen Mariën" userId="a4f8d9ed-3895-4365-b2d5-9432cb8a20d4" providerId="ADAL" clId="{169A5283-A155-458D-8151-1CEB2FF4B48D}" dt="2023-06-14T08:39:42.044" v="2206" actId="20577"/>
+          <ac:spMkLst>
+            <pc:docMk/>
+            <pc:sldMk cId="3520221708" sldId="267"/>
+            <ac:spMk id="3" creationId="{A8441BBC-29CA-49C3-54D5-11BC8801343D}"/>
+          </ac:spMkLst>
+        </pc:spChg>
+        <pc:spChg chg="add del">
+          <ac:chgData name="Jochen Mariën" userId="a4f8d9ed-3895-4365-b2d5-9432cb8a20d4" providerId="ADAL" clId="{169A5283-A155-458D-8151-1CEB2FF4B48D}" dt="2023-06-14T08:37:14.620" v="1928" actId="22"/>
+          <ac:spMkLst>
+            <pc:docMk/>
+            <pc:sldMk cId="3520221708" sldId="267"/>
+            <ac:spMk id="5" creationId="{4EF9E86F-1BEB-ACB3-E9F9-10CA34A888E0}"/>
+          </ac:spMkLst>
+        </pc:spChg>
+        <pc:picChg chg="add mod">
+          <ac:chgData name="Jochen Mariën" userId="a4f8d9ed-3895-4365-b2d5-9432cb8a20d4" providerId="ADAL" clId="{169A5283-A155-458D-8151-1CEB2FF4B48D}" dt="2023-06-14T08:37:44.766" v="1934" actId="1076"/>
+          <ac:picMkLst>
+            <pc:docMk/>
+            <pc:sldMk cId="3520221708" sldId="267"/>
+            <ac:picMk id="7" creationId="{E19B4134-B048-7211-0039-B9D755AA8D16}"/>
+          </ac:picMkLst>
+        </pc:picChg>
+      </pc:sldChg>
+      <pc:sldChg chg="modSp new mod">
+        <pc:chgData name="Jochen Mariën" userId="a4f8d9ed-3895-4365-b2d5-9432cb8a20d4" providerId="ADAL" clId="{169A5283-A155-458D-8151-1CEB2FF4B48D}" dt="2023-06-14T08:48:23.045" v="2792" actId="20577"/>
+        <pc:sldMkLst>
+          <pc:docMk/>
+          <pc:sldMk cId="4198406345" sldId="268"/>
+        </pc:sldMkLst>
+        <pc:spChg chg="mod">
+          <ac:chgData name="Jochen Mariën" userId="a4f8d9ed-3895-4365-b2d5-9432cb8a20d4" providerId="ADAL" clId="{169A5283-A155-458D-8151-1CEB2FF4B48D}" dt="2023-06-14T08:40:01.620" v="2228" actId="20577"/>
+          <ac:spMkLst>
+            <pc:docMk/>
+            <pc:sldMk cId="4198406345" sldId="268"/>
+            <ac:spMk id="2" creationId="{2BB97852-BF43-05AB-28E2-225305119136}"/>
+          </ac:spMkLst>
+        </pc:spChg>
+        <pc:spChg chg="mod">
+          <ac:chgData name="Jochen Mariën" userId="a4f8d9ed-3895-4365-b2d5-9432cb8a20d4" providerId="ADAL" clId="{169A5283-A155-458D-8151-1CEB2FF4B48D}" dt="2023-06-14T08:48:23.045" v="2792" actId="20577"/>
+          <ac:spMkLst>
+            <pc:docMk/>
+            <pc:sldMk cId="4198406345" sldId="268"/>
+            <ac:spMk id="3" creationId="{ECD01A23-D02E-4B83-3B02-F25BA9A2FCA5}"/>
+          </ac:spMkLst>
+        </pc:spChg>
+      </pc:sldChg>
+      <pc:sldChg chg="addSp delSp modSp new mod">
+        <pc:chgData name="Jochen Mariën" userId="a4f8d9ed-3895-4365-b2d5-9432cb8a20d4" providerId="ADAL" clId="{169A5283-A155-458D-8151-1CEB2FF4B48D}" dt="2023-06-14T08:41:02.561" v="2233" actId="1076"/>
+        <pc:sldMkLst>
+          <pc:docMk/>
+          <pc:sldMk cId="1060342898" sldId="269"/>
+        </pc:sldMkLst>
+        <pc:spChg chg="mod">
+          <ac:chgData name="Jochen Mariën" userId="a4f8d9ed-3895-4365-b2d5-9432cb8a20d4" providerId="ADAL" clId="{169A5283-A155-458D-8151-1CEB2FF4B48D}" dt="2023-06-14T08:40:52.795" v="2232"/>
+          <ac:spMkLst>
+            <pc:docMk/>
+            <pc:sldMk cId="1060342898" sldId="269"/>
+            <ac:spMk id="2" creationId="{25F81CE2-56AB-2386-38E4-101A79DC4DF8}"/>
+          </ac:spMkLst>
+        </pc:spChg>
+        <pc:spChg chg="del">
+          <ac:chgData name="Jochen Mariën" userId="a4f8d9ed-3895-4365-b2d5-9432cb8a20d4" providerId="ADAL" clId="{169A5283-A155-458D-8151-1CEB2FF4B48D}" dt="2023-06-14T08:40:47.308" v="2231" actId="478"/>
+          <ac:spMkLst>
+            <pc:docMk/>
+            <pc:sldMk cId="1060342898" sldId="269"/>
+            <ac:spMk id="3" creationId="{AFFC8C9B-AB0F-5361-2DB6-5A27AF0C121F}"/>
+          </ac:spMkLst>
+        </pc:spChg>
+        <pc:spChg chg="add mod">
+          <ac:chgData name="Jochen Mariën" userId="a4f8d9ed-3895-4365-b2d5-9432cb8a20d4" providerId="ADAL" clId="{169A5283-A155-458D-8151-1CEB2FF4B48D}" dt="2023-06-14T08:41:02.561" v="2233" actId="1076"/>
+          <ac:spMkLst>
+            <pc:docMk/>
+            <pc:sldMk cId="1060342898" sldId="269"/>
+            <ac:spMk id="7" creationId="{872E79C5-863F-EBE4-311C-140C6A8EBC01}"/>
+          </ac:spMkLst>
+        </pc:spChg>
+        <pc:spChg chg="add mod">
+          <ac:chgData name="Jochen Mariën" userId="a4f8d9ed-3895-4365-b2d5-9432cb8a20d4" providerId="ADAL" clId="{169A5283-A155-458D-8151-1CEB2FF4B48D}" dt="2023-06-14T08:41:02.561" v="2233" actId="1076"/>
+          <ac:spMkLst>
+            <pc:docMk/>
+            <pc:sldMk cId="1060342898" sldId="269"/>
+            <ac:spMk id="8" creationId="{889CFB65-F27B-0D07-95B3-9ADF97064A43}"/>
+          </ac:spMkLst>
+        </pc:spChg>
+        <pc:spChg chg="add mod">
+          <ac:chgData name="Jochen Mariën" userId="a4f8d9ed-3895-4365-b2d5-9432cb8a20d4" providerId="ADAL" clId="{169A5283-A155-458D-8151-1CEB2FF4B48D}" dt="2023-06-14T08:41:02.561" v="2233" actId="1076"/>
+          <ac:spMkLst>
+            <pc:docMk/>
+            <pc:sldMk cId="1060342898" sldId="269"/>
+            <ac:spMk id="9" creationId="{843B0FBB-9E0E-069E-F84D-07E1804740D3}"/>
+          </ac:spMkLst>
+        </pc:spChg>
+        <pc:picChg chg="add mod">
+          <ac:chgData name="Jochen Mariën" userId="a4f8d9ed-3895-4365-b2d5-9432cb8a20d4" providerId="ADAL" clId="{169A5283-A155-458D-8151-1CEB2FF4B48D}" dt="2023-06-14T08:41:02.561" v="2233" actId="1076"/>
+          <ac:picMkLst>
+            <pc:docMk/>
+            <pc:sldMk cId="1060342898" sldId="269"/>
+            <ac:picMk id="4" creationId="{848BEFD3-5E09-A6BD-7F2B-4F9DC82B69FC}"/>
+          </ac:picMkLst>
+        </pc:picChg>
+        <pc:picChg chg="add mod">
+          <ac:chgData name="Jochen Mariën" userId="a4f8d9ed-3895-4365-b2d5-9432cb8a20d4" providerId="ADAL" clId="{169A5283-A155-458D-8151-1CEB2FF4B48D}" dt="2023-06-14T08:41:02.561" v="2233" actId="1076"/>
+          <ac:picMkLst>
+            <pc:docMk/>
+            <pc:sldMk cId="1060342898" sldId="269"/>
+            <ac:picMk id="5" creationId="{00330C7B-8262-806D-F8BE-95CA48CC1A71}"/>
+          </ac:picMkLst>
+        </pc:picChg>
+        <pc:picChg chg="add mod">
+          <ac:chgData name="Jochen Mariën" userId="a4f8d9ed-3895-4365-b2d5-9432cb8a20d4" providerId="ADAL" clId="{169A5283-A155-458D-8151-1CEB2FF4B48D}" dt="2023-06-14T08:41:02.561" v="2233" actId="1076"/>
+          <ac:picMkLst>
+            <pc:docMk/>
+            <pc:sldMk cId="1060342898" sldId="269"/>
+            <ac:picMk id="6" creationId="{0C886E84-2434-601B-FBF6-A427373C14C8}"/>
+          </ac:picMkLst>
+        </pc:picChg>
+      </pc:sldChg>
+      <pc:sldChg chg="new del">
+        <pc:chgData name="Jochen Mariën" userId="a4f8d9ed-3895-4365-b2d5-9432cb8a20d4" providerId="ADAL" clId="{169A5283-A155-458D-8151-1CEB2FF4B48D}" dt="2023-06-14T08:48:40.887" v="2797" actId="47"/>
+        <pc:sldMkLst>
+          <pc:docMk/>
+          <pc:sldMk cId="3048846119" sldId="270"/>
+        </pc:sldMkLst>
+      </pc:sldChg>
+      <pc:sldChg chg="modSp new mod">
+        <pc:chgData name="Jochen Mariën" userId="a4f8d9ed-3895-4365-b2d5-9432cb8a20d4" providerId="ADAL" clId="{169A5283-A155-458D-8151-1CEB2FF4B48D}" dt="2023-06-14T09:43:50.846" v="3199" actId="20577"/>
+        <pc:sldMkLst>
+          <pc:docMk/>
+          <pc:sldMk cId="3230015019" sldId="270"/>
+        </pc:sldMkLst>
+        <pc:spChg chg="mod">
+          <ac:chgData name="Jochen Mariën" userId="a4f8d9ed-3895-4365-b2d5-9432cb8a20d4" providerId="ADAL" clId="{169A5283-A155-458D-8151-1CEB2FF4B48D}" dt="2023-06-14T09:42:10.407" v="2812" actId="20577"/>
+          <ac:spMkLst>
+            <pc:docMk/>
+            <pc:sldMk cId="3230015019" sldId="270"/>
+            <ac:spMk id="2" creationId="{25AD72EA-F582-E9C3-7567-65553E0737B9}"/>
+          </ac:spMkLst>
+        </pc:spChg>
+        <pc:spChg chg="mod">
+          <ac:chgData name="Jochen Mariën" userId="a4f8d9ed-3895-4365-b2d5-9432cb8a20d4" providerId="ADAL" clId="{169A5283-A155-458D-8151-1CEB2FF4B48D}" dt="2023-06-14T09:43:50.846" v="3199" actId="20577"/>
+          <ac:spMkLst>
+            <pc:docMk/>
+            <pc:sldMk cId="3230015019" sldId="270"/>
+            <ac:spMk id="3" creationId="{73843E96-C060-91AC-792D-25BC5758DA27}"/>
+          </ac:spMkLst>
+        </pc:spChg>
+      </pc:sldChg>
+      <pc:sldChg chg="new del">
+        <pc:chgData name="Jochen Mariën" userId="a4f8d9ed-3895-4365-b2d5-9432cb8a20d4" providerId="ADAL" clId="{169A5283-A155-458D-8151-1CEB2FF4B48D}" dt="2023-06-14T08:48:28.913" v="2793" actId="47"/>
+        <pc:sldMkLst>
+          <pc:docMk/>
+          <pc:sldMk cId="3256424111" sldId="270"/>
+        </pc:sldMkLst>
+      </pc:sldChg>
+      <pc:sldChg chg="new del">
+        <pc:chgData name="Jochen Mariën" userId="a4f8d9ed-3895-4365-b2d5-9432cb8a20d4" providerId="ADAL" clId="{169A5283-A155-458D-8151-1CEB2FF4B48D}" dt="2023-06-14T13:26:32.296" v="3642" actId="47"/>
+        <pc:sldMkLst>
+          <pc:docMk/>
+          <pc:sldMk cId="2753659964" sldId="271"/>
+        </pc:sldMkLst>
+      </pc:sldChg>
+      <pc:sldChg chg="modSp add mod">
+        <pc:chgData name="Jochen Mariën" userId="a4f8d9ed-3895-4365-b2d5-9432cb8a20d4" providerId="ADAL" clId="{169A5283-A155-458D-8151-1CEB2FF4B48D}" dt="2023-06-14T13:25:47.921" v="3585" actId="20577"/>
+        <pc:sldMkLst>
+          <pc:docMk/>
+          <pc:sldMk cId="3231166434" sldId="272"/>
+        </pc:sldMkLst>
+        <pc:spChg chg="mod">
+          <ac:chgData name="Jochen Mariën" userId="a4f8d9ed-3895-4365-b2d5-9432cb8a20d4" providerId="ADAL" clId="{169A5283-A155-458D-8151-1CEB2FF4B48D}" dt="2023-06-14T13:25:47.921" v="3585" actId="20577"/>
+          <ac:spMkLst>
+            <pc:docMk/>
+            <pc:sldMk cId="3231166434" sldId="272"/>
+            <ac:spMk id="3" creationId="{3964442C-3F27-3637-6FFB-0D5CBA048182}"/>
+          </ac:spMkLst>
+        </pc:spChg>
+      </pc:sldChg>
+      <pc:sldChg chg="modSp add mod">
+        <pc:chgData name="Jochen Mariën" userId="a4f8d9ed-3895-4365-b2d5-9432cb8a20d4" providerId="ADAL" clId="{169A5283-A155-458D-8151-1CEB2FF4B48D}" dt="2023-06-14T13:26:25.051" v="3641" actId="20577"/>
+        <pc:sldMkLst>
+          <pc:docMk/>
+          <pc:sldMk cId="1171642733" sldId="283"/>
+        </pc:sldMkLst>
+        <pc:spChg chg="mod">
+          <ac:chgData name="Jochen Mariën" userId="a4f8d9ed-3895-4365-b2d5-9432cb8a20d4" providerId="ADAL" clId="{169A5283-A155-458D-8151-1CEB2FF4B48D}" dt="2023-06-14T13:26:25.051" v="3641" actId="20577"/>
+          <ac:spMkLst>
+            <pc:docMk/>
+            <pc:sldMk cId="1171642733" sldId="283"/>
+            <ac:spMk id="6" creationId="{D495E83A-ED71-E362-961B-89F19E10CB54}"/>
           </ac:spMkLst>
         </pc:spChg>
       </pc:sldChg>
@@ -362,7 +852,7 @@
           <a:p>
             <a:fld id="{317ED673-6312-41FB-80FD-10C3AB5FC5DB}" type="datetimeFigureOut">
               <a:rPr lang="en-BE" smtClean="0"/>
-              <a:t>13/06/2023</a:t>
+              <a:t>14/06/2023</a:t>
             </a:fld>
             <a:endParaRPr lang="en-BE"/>
           </a:p>
@@ -806,6 +1296,429 @@
 </p:notes>
 </file>
 
+<file path=ppt/notesSlides/notesSlide3.xml><?xml version="1.0" encoding="utf-8"?>
+<p:notes xmlns:a="http://schemas.openxmlformats.org/drawingml/2006/main" xmlns:r="http://schemas.openxmlformats.org/officeDocument/2006/relationships" xmlns:p="http://schemas.openxmlformats.org/presentationml/2006/main">
+  <p:cSld>
+    <p:spTree>
+      <p:nvGrpSpPr>
+        <p:cNvPr id="1" name=""/>
+        <p:cNvGrpSpPr/>
+        <p:nvPr/>
+      </p:nvGrpSpPr>
+      <p:grpSpPr>
+        <a:xfrm>
+          <a:off x="0" y="0"/>
+          <a:ext cx="0" cy="0"/>
+          <a:chOff x="0" y="0"/>
+          <a:chExt cx="0" cy="0"/>
+        </a:xfrm>
+      </p:grpSpPr>
+      <p:sp>
+        <p:nvSpPr>
+          <p:cNvPr id="2" name="Slide Image Placeholder 1"/>
+          <p:cNvSpPr>
+            <a:spLocks noGrp="1" noRot="1" noChangeAspect="1"/>
+          </p:cNvSpPr>
+          <p:nvPr>
+            <p:ph type="sldImg"/>
+          </p:nvPr>
+        </p:nvSpPr>
+        <p:spPr/>
+      </p:sp>
+      <p:sp>
+        <p:nvSpPr>
+          <p:cNvPr id="3" name="Notes Placeholder 2"/>
+          <p:cNvSpPr>
+            <a:spLocks noGrp="1"/>
+          </p:cNvSpPr>
+          <p:nvPr>
+            <p:ph type="body" idx="1"/>
+          </p:nvPr>
+        </p:nvSpPr>
+        <p:spPr/>
+        <p:txBody>
+          <a:bodyPr/>
+          <a:lstStyle/>
+          <a:p>
+            <a:pPr marL="0" marR="0" lvl="0" indent="0" algn="l" defTabSz="914400" rtl="0" eaLnBrk="1" fontAlgn="auto" latinLnBrk="0" hangingPunct="1">
+              <a:lnSpc>
+                <a:spcPct val="100000"/>
+              </a:lnSpc>
+              <a:spcBef>
+                <a:spcPts val="0"/>
+              </a:spcBef>
+              <a:spcAft>
+                <a:spcPts val="0"/>
+              </a:spcAft>
+              <a:buClrTx/>
+              <a:buSzTx/>
+              <a:buFontTx/>
+              <a:buNone/>
+              <a:tabLst/>
+              <a:defRPr/>
+            </a:pPr>
+            <a:r>
+              <a:rPr lang="en-US" dirty="0"/>
+              <a:t>https://www.youtube.com/watch?v=mG__Wpp9dns&amp;ab_channel=zedstatistics</a:t>
+            </a:r>
+          </a:p>
+          <a:p>
+            <a:endParaRPr lang="en-BE" dirty="0"/>
+          </a:p>
+        </p:txBody>
+      </p:sp>
+      <p:sp>
+        <p:nvSpPr>
+          <p:cNvPr id="4" name="Slide Number Placeholder 3"/>
+          <p:cNvSpPr>
+            <a:spLocks noGrp="1"/>
+          </p:cNvSpPr>
+          <p:nvPr>
+            <p:ph type="sldNum" sz="quarter" idx="5"/>
+          </p:nvPr>
+        </p:nvSpPr>
+        <p:spPr/>
+        <p:txBody>
+          <a:bodyPr/>
+          <a:lstStyle/>
+          <a:p>
+            <a:fld id="{A0C73FC6-44B0-414C-9FF0-2FB975C533C5}" type="slidenum">
+              <a:rPr lang="en-BE" smtClean="0"/>
+              <a:t>8</a:t>
+            </a:fld>
+            <a:endParaRPr lang="en-BE"/>
+          </a:p>
+        </p:txBody>
+      </p:sp>
+    </p:spTree>
+    <p:extLst>
+      <p:ext uri="{BB962C8B-B14F-4D97-AF65-F5344CB8AC3E}">
+        <p14:creationId xmlns:p14="http://schemas.microsoft.com/office/powerpoint/2010/main" val="6336424"/>
+      </p:ext>
+    </p:extLst>
+  </p:cSld>
+  <p:clrMapOvr>
+    <a:masterClrMapping/>
+  </p:clrMapOvr>
+</p:notes>
+</file>
+
+<file path=ppt/notesSlides/notesSlide4.xml><?xml version="1.0" encoding="utf-8"?>
+<p:notes xmlns:a="http://schemas.openxmlformats.org/drawingml/2006/main" xmlns:r="http://schemas.openxmlformats.org/officeDocument/2006/relationships" xmlns:p="http://schemas.openxmlformats.org/presentationml/2006/main">
+  <p:cSld>
+    <p:spTree>
+      <p:nvGrpSpPr>
+        <p:cNvPr id="1" name=""/>
+        <p:cNvGrpSpPr/>
+        <p:nvPr/>
+      </p:nvGrpSpPr>
+      <p:grpSpPr>
+        <a:xfrm>
+          <a:off x="0" y="0"/>
+          <a:ext cx="0" cy="0"/>
+          <a:chOff x="0" y="0"/>
+          <a:chExt cx="0" cy="0"/>
+        </a:xfrm>
+      </p:grpSpPr>
+      <p:sp>
+        <p:nvSpPr>
+          <p:cNvPr id="2" name="Slide Image Placeholder 1"/>
+          <p:cNvSpPr>
+            <a:spLocks noGrp="1" noRot="1" noChangeAspect="1"/>
+          </p:cNvSpPr>
+          <p:nvPr>
+            <p:ph type="sldImg"/>
+          </p:nvPr>
+        </p:nvSpPr>
+        <p:spPr/>
+      </p:sp>
+      <p:sp>
+        <p:nvSpPr>
+          <p:cNvPr id="3" name="Notes Placeholder 2"/>
+          <p:cNvSpPr>
+            <a:spLocks noGrp="1"/>
+          </p:cNvSpPr>
+          <p:nvPr>
+            <p:ph type="body" idx="1"/>
+          </p:nvPr>
+        </p:nvSpPr>
+        <p:spPr/>
+        <p:txBody>
+          <a:bodyPr/>
+          <a:lstStyle/>
+          <a:p>
+            <a:pPr marL="0" marR="0" lvl="0" indent="0" algn="l" defTabSz="914400" rtl="0" eaLnBrk="1" fontAlgn="auto" latinLnBrk="0" hangingPunct="1">
+              <a:lnSpc>
+                <a:spcPct val="100000"/>
+              </a:lnSpc>
+              <a:spcBef>
+                <a:spcPts val="0"/>
+              </a:spcBef>
+              <a:spcAft>
+                <a:spcPts val="0"/>
+              </a:spcAft>
+              <a:buClrTx/>
+              <a:buSzTx/>
+              <a:buFontTx/>
+              <a:buNone/>
+              <a:tabLst/>
+              <a:defRPr/>
+            </a:pPr>
+            <a:r>
+              <a:rPr lang="nl-BE" dirty="0"/>
+              <a:t>High </a:t>
+            </a:r>
+            <a:r>
+              <a:rPr lang="nl-BE" dirty="0" err="1"/>
+              <a:t>correlated</a:t>
+            </a:r>
+            <a:r>
+              <a:rPr lang="nl-BE" dirty="0"/>
+              <a:t> features </a:t>
+            </a:r>
+            <a:r>
+              <a:rPr lang="nl-BE" dirty="0" err="1"/>
+              <a:t>express</a:t>
+            </a:r>
+            <a:r>
+              <a:rPr lang="nl-BE" dirty="0"/>
+              <a:t> </a:t>
+            </a:r>
+            <a:r>
+              <a:rPr lang="nl-BE" dirty="0" err="1"/>
+              <a:t>the</a:t>
+            </a:r>
+            <a:r>
+              <a:rPr lang="nl-BE" dirty="0"/>
+              <a:t> </a:t>
+            </a:r>
+            <a:r>
+              <a:rPr lang="nl-BE" dirty="0" err="1"/>
+              <a:t>same</a:t>
+            </a:r>
+            <a:r>
+              <a:rPr lang="nl-BE" dirty="0"/>
+              <a:t> kind of </a:t>
+            </a:r>
+            <a:r>
+              <a:rPr lang="nl-BE" dirty="0" err="1"/>
+              <a:t>knowledge</a:t>
+            </a:r>
+            <a:r>
+              <a:rPr lang="nl-BE" dirty="0"/>
+              <a:t>. </a:t>
+            </a:r>
+            <a:r>
+              <a:rPr lang="nl-BE" dirty="0" err="1"/>
+              <a:t>If</a:t>
+            </a:r>
+            <a:r>
+              <a:rPr lang="nl-BE" dirty="0"/>
+              <a:t> </a:t>
+            </a:r>
+            <a:r>
+              <a:rPr lang="nl-BE" dirty="0" err="1"/>
+              <a:t>you</a:t>
+            </a:r>
+            <a:r>
+              <a:rPr lang="nl-BE" dirty="0"/>
+              <a:t> want </a:t>
+            </a:r>
+            <a:r>
+              <a:rPr lang="nl-BE" dirty="0" err="1"/>
+              <a:t>to</a:t>
+            </a:r>
+            <a:r>
+              <a:rPr lang="nl-BE" dirty="0"/>
+              <a:t> model </a:t>
+            </a:r>
+            <a:r>
+              <a:rPr lang="nl-BE" dirty="0" err="1"/>
+              <a:t>the</a:t>
+            </a:r>
+            <a:r>
+              <a:rPr lang="nl-BE" dirty="0"/>
+              <a:t> data, best </a:t>
+            </a:r>
+            <a:r>
+              <a:rPr lang="nl-BE" dirty="0" err="1"/>
+              <a:t>to</a:t>
+            </a:r>
+            <a:r>
+              <a:rPr lang="nl-BE" dirty="0"/>
+              <a:t> prune </a:t>
+            </a:r>
+            <a:r>
+              <a:rPr lang="nl-BE" dirty="0" err="1"/>
+              <a:t>one</a:t>
+            </a:r>
+            <a:r>
+              <a:rPr lang="nl-BE" dirty="0"/>
+              <a:t> </a:t>
+            </a:r>
+            <a:r>
+              <a:rPr lang="nl-BE" dirty="0" err="1"/>
+              <a:t>away</a:t>
+            </a:r>
+            <a:r>
+              <a:rPr lang="nl-BE" dirty="0"/>
+              <a:t>, </a:t>
+            </a:r>
+            <a:r>
+              <a:rPr lang="nl-BE" dirty="0" err="1"/>
+              <a:t>otherwise</a:t>
+            </a:r>
+            <a:r>
+              <a:rPr lang="nl-BE" dirty="0"/>
+              <a:t> </a:t>
+            </a:r>
+            <a:r>
+              <a:rPr lang="nl-BE" dirty="0" err="1"/>
+              <a:t>your</a:t>
+            </a:r>
+            <a:r>
+              <a:rPr lang="nl-BE" dirty="0"/>
+              <a:t> model </a:t>
+            </a:r>
+            <a:r>
+              <a:rPr lang="nl-BE" dirty="0" err="1"/>
+              <a:t>might</a:t>
+            </a:r>
+            <a:r>
+              <a:rPr lang="nl-BE" dirty="0"/>
+              <a:t> </a:t>
+            </a:r>
+            <a:r>
+              <a:rPr lang="nl-BE" dirty="0" err="1"/>
+              <a:t>be</a:t>
+            </a:r>
+            <a:r>
+              <a:rPr lang="nl-BE" dirty="0"/>
+              <a:t> </a:t>
+            </a:r>
+            <a:r>
+              <a:rPr lang="nl-BE" dirty="0" err="1"/>
+              <a:t>biased</a:t>
+            </a:r>
+            <a:r>
+              <a:rPr lang="nl-BE" dirty="0"/>
+              <a:t> </a:t>
+            </a:r>
+            <a:r>
+              <a:rPr lang="nl-BE" dirty="0" err="1"/>
+              <a:t>towards</a:t>
+            </a:r>
+            <a:r>
+              <a:rPr lang="nl-BE" dirty="0"/>
+              <a:t> </a:t>
+            </a:r>
+            <a:r>
+              <a:rPr lang="nl-BE" dirty="0" err="1"/>
+              <a:t>that</a:t>
+            </a:r>
+            <a:r>
+              <a:rPr lang="nl-BE" dirty="0"/>
+              <a:t> part of </a:t>
+            </a:r>
+            <a:r>
+              <a:rPr lang="nl-BE" dirty="0" err="1"/>
+              <a:t>the</a:t>
+            </a:r>
+            <a:r>
+              <a:rPr lang="nl-BE" dirty="0"/>
+              <a:t> data (</a:t>
+            </a:r>
+            <a:r>
+              <a:rPr lang="nl-BE" dirty="0" err="1"/>
+              <a:t>because</a:t>
+            </a:r>
+            <a:r>
+              <a:rPr lang="nl-BE" dirty="0"/>
+              <a:t> </a:t>
+            </a:r>
+            <a:r>
+              <a:rPr lang="nl-BE" dirty="0" err="1"/>
+              <a:t>it’s</a:t>
+            </a:r>
+            <a:r>
+              <a:rPr lang="nl-BE" dirty="0"/>
+              <a:t> </a:t>
+            </a:r>
+            <a:r>
+              <a:rPr lang="nl-BE" dirty="0" err="1"/>
+              <a:t>given</a:t>
+            </a:r>
+            <a:r>
+              <a:rPr lang="nl-BE" dirty="0"/>
+              <a:t> </a:t>
+            </a:r>
+            <a:r>
+              <a:rPr lang="nl-BE" dirty="0" err="1"/>
+              <a:t>to</a:t>
+            </a:r>
+            <a:r>
+              <a:rPr lang="nl-BE" dirty="0"/>
+              <a:t> </a:t>
+            </a:r>
+            <a:r>
+              <a:rPr lang="nl-BE" dirty="0" err="1"/>
+              <a:t>the</a:t>
+            </a:r>
+            <a:r>
+              <a:rPr lang="nl-BE" dirty="0"/>
+              <a:t> model </a:t>
+            </a:r>
+            <a:r>
+              <a:rPr lang="nl-BE" dirty="0" err="1"/>
+              <a:t>twice</a:t>
+            </a:r>
+            <a:r>
+              <a:rPr lang="nl-BE" dirty="0"/>
+              <a:t>)</a:t>
+            </a:r>
+            <a:endParaRPr lang="en-US" dirty="0"/>
+          </a:p>
+          <a:p>
+            <a:endParaRPr lang="en-BE" dirty="0"/>
+          </a:p>
+        </p:txBody>
+      </p:sp>
+      <p:sp>
+        <p:nvSpPr>
+          <p:cNvPr id="4" name="Slide Number Placeholder 3"/>
+          <p:cNvSpPr>
+            <a:spLocks noGrp="1"/>
+          </p:cNvSpPr>
+          <p:nvPr>
+            <p:ph type="sldNum" sz="quarter" idx="5"/>
+          </p:nvPr>
+        </p:nvSpPr>
+        <p:spPr/>
+        <p:txBody>
+          <a:bodyPr/>
+          <a:lstStyle/>
+          <a:p>
+            <a:fld id="{A0C73FC6-44B0-414C-9FF0-2FB975C533C5}" type="slidenum">
+              <a:rPr lang="en-BE" smtClean="0"/>
+              <a:t>11</a:t>
+            </a:fld>
+            <a:endParaRPr lang="en-BE"/>
+          </a:p>
+        </p:txBody>
+      </p:sp>
+    </p:spTree>
+    <p:extLst>
+      <p:ext uri="{BB962C8B-B14F-4D97-AF65-F5344CB8AC3E}">
+        <p14:creationId xmlns:p14="http://schemas.microsoft.com/office/powerpoint/2010/main" val="2861321604"/>
+      </p:ext>
+    </p:extLst>
+  </p:cSld>
+  <p:clrMapOvr>
+    <a:masterClrMapping/>
+  </p:clrMapOvr>
+</p:notes>
+</file>
+
 <file path=ppt/slideLayouts/slideLayout1.xml><?xml version="1.0" encoding="utf-8"?>
 <p:sldLayout xmlns:a="http://schemas.openxmlformats.org/drawingml/2006/main" xmlns:r="http://schemas.openxmlformats.org/officeDocument/2006/relationships" xmlns:p="http://schemas.openxmlformats.org/presentationml/2006/main" type="title" preserve="1">
   <p:cSld name="Title Slide">
@@ -955,7 +1868,7 @@
           <a:p>
             <a:fld id="{2AE6E201-50E9-442F-A741-BC702F6FB3EA}" type="datetimeFigureOut">
               <a:rPr lang="en-BE" smtClean="0"/>
-              <a:t>13/06/2023</a:t>
+              <a:t>14/06/2023</a:t>
             </a:fld>
             <a:endParaRPr lang="en-BE"/>
           </a:p>
@@ -1155,7 +2068,7 @@
           <a:p>
             <a:fld id="{2AE6E201-50E9-442F-A741-BC702F6FB3EA}" type="datetimeFigureOut">
               <a:rPr lang="en-BE" smtClean="0"/>
-              <a:t>13/06/2023</a:t>
+              <a:t>14/06/2023</a:t>
             </a:fld>
             <a:endParaRPr lang="en-BE"/>
           </a:p>
@@ -1365,7 +2278,7 @@
           <a:p>
             <a:fld id="{2AE6E201-50E9-442F-A741-BC702F6FB3EA}" type="datetimeFigureOut">
               <a:rPr lang="en-BE" smtClean="0"/>
-              <a:t>13/06/2023</a:t>
+              <a:t>14/06/2023</a:t>
             </a:fld>
             <a:endParaRPr lang="en-BE"/>
           </a:p>
@@ -1565,7 +2478,7 @@
           <a:p>
             <a:fld id="{2AE6E201-50E9-442F-A741-BC702F6FB3EA}" type="datetimeFigureOut">
               <a:rPr lang="en-BE" smtClean="0"/>
-              <a:t>13/06/2023</a:t>
+              <a:t>14/06/2023</a:t>
             </a:fld>
             <a:endParaRPr lang="en-BE"/>
           </a:p>
@@ -1841,7 +2754,7 @@
           <a:p>
             <a:fld id="{2AE6E201-50E9-442F-A741-BC702F6FB3EA}" type="datetimeFigureOut">
               <a:rPr lang="en-BE" smtClean="0"/>
-              <a:t>13/06/2023</a:t>
+              <a:t>14/06/2023</a:t>
             </a:fld>
             <a:endParaRPr lang="en-BE"/>
           </a:p>
@@ -2109,7 +3022,7 @@
           <a:p>
             <a:fld id="{2AE6E201-50E9-442F-A741-BC702F6FB3EA}" type="datetimeFigureOut">
               <a:rPr lang="en-BE" smtClean="0"/>
-              <a:t>13/06/2023</a:t>
+              <a:t>14/06/2023</a:t>
             </a:fld>
             <a:endParaRPr lang="en-BE"/>
           </a:p>
@@ -2524,7 +3437,7 @@
           <a:p>
             <a:fld id="{2AE6E201-50E9-442F-A741-BC702F6FB3EA}" type="datetimeFigureOut">
               <a:rPr lang="en-BE" smtClean="0"/>
-              <a:t>13/06/2023</a:t>
+              <a:t>14/06/2023</a:t>
             </a:fld>
             <a:endParaRPr lang="en-BE"/>
           </a:p>
@@ -2666,7 +3579,7 @@
           <a:p>
             <a:fld id="{2AE6E201-50E9-442F-A741-BC702F6FB3EA}" type="datetimeFigureOut">
               <a:rPr lang="en-BE" smtClean="0"/>
-              <a:t>13/06/2023</a:t>
+              <a:t>14/06/2023</a:t>
             </a:fld>
             <a:endParaRPr lang="en-BE"/>
           </a:p>
@@ -2779,7 +3692,7 @@
           <a:p>
             <a:fld id="{2AE6E201-50E9-442F-A741-BC702F6FB3EA}" type="datetimeFigureOut">
               <a:rPr lang="en-BE" smtClean="0"/>
-              <a:t>13/06/2023</a:t>
+              <a:t>14/06/2023</a:t>
             </a:fld>
             <a:endParaRPr lang="en-BE"/>
           </a:p>
@@ -3092,7 +4005,7 @@
           <a:p>
             <a:fld id="{2AE6E201-50E9-442F-A741-BC702F6FB3EA}" type="datetimeFigureOut">
               <a:rPr lang="en-BE" smtClean="0"/>
-              <a:t>13/06/2023</a:t>
+              <a:t>14/06/2023</a:t>
             </a:fld>
             <a:endParaRPr lang="en-BE"/>
           </a:p>
@@ -3381,7 +4294,7 @@
           <a:p>
             <a:fld id="{2AE6E201-50E9-442F-A741-BC702F6FB3EA}" type="datetimeFigureOut">
               <a:rPr lang="en-BE" smtClean="0"/>
-              <a:t>13/06/2023</a:t>
+              <a:t>14/06/2023</a:t>
             </a:fld>
             <a:endParaRPr lang="en-BE"/>
           </a:p>
@@ -3624,7 +4537,7 @@
           <a:p>
             <a:fld id="{2AE6E201-50E9-442F-A741-BC702F6FB3EA}" type="datetimeFigureOut">
               <a:rPr lang="en-BE" smtClean="0"/>
-              <a:t>13/06/2023</a:t>
+              <a:t>14/06/2023</a:t>
             </a:fld>
             <a:endParaRPr lang="en-BE"/>
           </a:p>
@@ -4108,6 +5021,1267 @@
 </p:sld>
 </file>
 
+<file path=ppt/slides/slide10.xml><?xml version="1.0" encoding="utf-8"?>
+<p:sld xmlns:a="http://schemas.openxmlformats.org/drawingml/2006/main" xmlns:r="http://schemas.openxmlformats.org/officeDocument/2006/relationships" xmlns:p="http://schemas.openxmlformats.org/presentationml/2006/main">
+  <p:cSld>
+    <p:spTree>
+      <p:nvGrpSpPr>
+        <p:cNvPr id="1" name=""/>
+        <p:cNvGrpSpPr/>
+        <p:nvPr/>
+      </p:nvGrpSpPr>
+      <p:grpSpPr>
+        <a:xfrm>
+          <a:off x="0" y="0"/>
+          <a:ext cx="0" cy="0"/>
+          <a:chOff x="0" y="0"/>
+          <a:chExt cx="0" cy="0"/>
+        </a:xfrm>
+      </p:grpSpPr>
+      <p:sp>
+        <p:nvSpPr>
+          <p:cNvPr id="2" name="Title 1">
+            <a:extLst>
+              <a:ext uri="{FF2B5EF4-FFF2-40B4-BE49-F238E27FC236}">
+                <a16:creationId xmlns:a16="http://schemas.microsoft.com/office/drawing/2014/main" id="{25F81CE2-56AB-2386-38E4-101A79DC4DF8}"/>
+              </a:ext>
+            </a:extLst>
+          </p:cNvPr>
+          <p:cNvSpPr>
+            <a:spLocks noGrp="1"/>
+          </p:cNvSpPr>
+          <p:nvPr>
+            <p:ph type="title"/>
+          </p:nvPr>
+        </p:nvSpPr>
+        <p:spPr/>
+        <p:txBody>
+          <a:bodyPr/>
+          <a:lstStyle/>
+          <a:p>
+            <a:r>
+              <a:rPr lang="en-BE" dirty="0"/>
+              <a:t>Extremes of correlation</a:t>
+            </a:r>
+          </a:p>
+        </p:txBody>
+      </p:sp>
+      <p:pic>
+        <p:nvPicPr>
+          <p:cNvPr id="4" name="Picture 3">
+            <a:extLst>
+              <a:ext uri="{FF2B5EF4-FFF2-40B4-BE49-F238E27FC236}">
+                <a16:creationId xmlns:a16="http://schemas.microsoft.com/office/drawing/2014/main" id="{848BEFD3-5E09-A6BD-7F2B-4F9DC82B69FC}"/>
+              </a:ext>
+            </a:extLst>
+          </p:cNvPr>
+          <p:cNvPicPr>
+            <a:picLocks noChangeAspect="1"/>
+          </p:cNvPicPr>
+          <p:nvPr/>
+        </p:nvPicPr>
+        <p:blipFill>
+          <a:blip r:embed="rId2" cstate="print">
+            <a:extLst>
+              <a:ext uri="{28A0092B-C50C-407E-A947-70E740481C1C}">
+                <a14:useLocalDpi xmlns:a14="http://schemas.microsoft.com/office/drawing/2010/main" val="0"/>
+              </a:ext>
+            </a:extLst>
+          </a:blip>
+          <a:srcRect/>
+          <a:stretch/>
+        </p:blipFill>
+        <p:spPr>
+          <a:xfrm>
+            <a:off x="689690" y="2684924"/>
+            <a:ext cx="3625435" cy="2088232"/>
+          </a:xfrm>
+          <a:prstGeom prst="rect">
+            <a:avLst/>
+          </a:prstGeom>
+        </p:spPr>
+      </p:pic>
+      <p:pic>
+        <p:nvPicPr>
+          <p:cNvPr id="5" name="Picture 4">
+            <a:extLst>
+              <a:ext uri="{FF2B5EF4-FFF2-40B4-BE49-F238E27FC236}">
+                <a16:creationId xmlns:a16="http://schemas.microsoft.com/office/drawing/2014/main" id="{00330C7B-8262-806D-F8BE-95CA48CC1A71}"/>
+              </a:ext>
+            </a:extLst>
+          </p:cNvPr>
+          <p:cNvPicPr>
+            <a:picLocks noChangeAspect="1"/>
+          </p:cNvPicPr>
+          <p:nvPr/>
+        </p:nvPicPr>
+        <p:blipFill>
+          <a:blip r:embed="rId3" cstate="print">
+            <a:extLst>
+              <a:ext uri="{28A0092B-C50C-407E-A947-70E740481C1C}">
+                <a14:useLocalDpi xmlns:a14="http://schemas.microsoft.com/office/drawing/2010/main" val="0"/>
+              </a:ext>
+            </a:extLst>
+          </a:blip>
+          <a:srcRect/>
+          <a:stretch/>
+        </p:blipFill>
+        <p:spPr>
+          <a:xfrm>
+            <a:off x="4434106" y="2684924"/>
+            <a:ext cx="3625435" cy="2088231"/>
+          </a:xfrm>
+          <a:prstGeom prst="rect">
+            <a:avLst/>
+          </a:prstGeom>
+        </p:spPr>
+      </p:pic>
+      <p:pic>
+        <p:nvPicPr>
+          <p:cNvPr id="6" name="Picture 5">
+            <a:extLst>
+              <a:ext uri="{FF2B5EF4-FFF2-40B4-BE49-F238E27FC236}">
+                <a16:creationId xmlns:a16="http://schemas.microsoft.com/office/drawing/2014/main" id="{0C886E84-2434-601B-FBF6-A427373C14C8}"/>
+              </a:ext>
+            </a:extLst>
+          </p:cNvPr>
+          <p:cNvPicPr>
+            <a:picLocks noChangeAspect="1"/>
+          </p:cNvPicPr>
+          <p:nvPr/>
+        </p:nvPicPr>
+        <p:blipFill>
+          <a:blip r:embed="rId4" cstate="print">
+            <a:extLst>
+              <a:ext uri="{28A0092B-C50C-407E-A947-70E740481C1C}">
+                <a14:useLocalDpi xmlns:a14="http://schemas.microsoft.com/office/drawing/2010/main" val="0"/>
+              </a:ext>
+            </a:extLst>
+          </a:blip>
+          <a:srcRect/>
+          <a:stretch/>
+        </p:blipFill>
+        <p:spPr>
+          <a:xfrm>
+            <a:off x="8178522" y="2659981"/>
+            <a:ext cx="3625435" cy="2088231"/>
+          </a:xfrm>
+          <a:prstGeom prst="rect">
+            <a:avLst/>
+          </a:prstGeom>
+        </p:spPr>
+      </p:pic>
+      <p:sp>
+        <p:nvSpPr>
+          <p:cNvPr id="7" name="Rectangle 6">
+            <a:extLst>
+              <a:ext uri="{FF2B5EF4-FFF2-40B4-BE49-F238E27FC236}">
+                <a16:creationId xmlns:a16="http://schemas.microsoft.com/office/drawing/2014/main" id="{872E79C5-863F-EBE4-311C-140C6A8EBC01}"/>
+              </a:ext>
+            </a:extLst>
+          </p:cNvPr>
+          <p:cNvSpPr/>
+          <p:nvPr/>
+        </p:nvSpPr>
+        <p:spPr>
+          <a:xfrm>
+            <a:off x="689690" y="4845164"/>
+            <a:ext cx="3625435" cy="646331"/>
+          </a:xfrm>
+          <a:prstGeom prst="rect">
+            <a:avLst/>
+          </a:prstGeom>
+        </p:spPr>
+        <p:txBody>
+          <a:bodyPr wrap="square">
+            <a:spAutoFit/>
+          </a:bodyPr>
+          <a:lstStyle/>
+          <a:p>
+            <a:pPr algn="ctr"/>
+            <a:r>
+              <a:rPr lang="en-GB" b="1" dirty="0">
+                <a:latin typeface="GuardianTextEgyptian"/>
+              </a:rPr>
+              <a:t>Correlation = 1</a:t>
+            </a:r>
+            <a:br>
+              <a:rPr lang="en-GB" b="1" dirty="0">
+                <a:latin typeface="GuardianTextEgyptian"/>
+              </a:rPr>
+            </a:br>
+            <a:r>
+              <a:rPr lang="en-GB" dirty="0">
+                <a:latin typeface="GuardianTextEgyptian"/>
+              </a:rPr>
+              <a:t>Perfect positive relationship</a:t>
+            </a:r>
+            <a:endParaRPr lang="en-BE" dirty="0"/>
+          </a:p>
+        </p:txBody>
+      </p:sp>
+      <p:sp>
+        <p:nvSpPr>
+          <p:cNvPr id="8" name="Rectangle 7">
+            <a:extLst>
+              <a:ext uri="{FF2B5EF4-FFF2-40B4-BE49-F238E27FC236}">
+                <a16:creationId xmlns:a16="http://schemas.microsoft.com/office/drawing/2014/main" id="{889CFB65-F27B-0D07-95B3-9ADF97064A43}"/>
+              </a:ext>
+            </a:extLst>
+          </p:cNvPr>
+          <p:cNvSpPr/>
+          <p:nvPr/>
+        </p:nvSpPr>
+        <p:spPr>
+          <a:xfrm>
+            <a:off x="4434106" y="4845164"/>
+            <a:ext cx="3625435" cy="646331"/>
+          </a:xfrm>
+          <a:prstGeom prst="rect">
+            <a:avLst/>
+          </a:prstGeom>
+        </p:spPr>
+        <p:txBody>
+          <a:bodyPr wrap="square">
+            <a:spAutoFit/>
+          </a:bodyPr>
+          <a:lstStyle/>
+          <a:p>
+            <a:pPr algn="ctr"/>
+            <a:r>
+              <a:rPr lang="en-GB" b="1">
+                <a:latin typeface="GuardianTextEgyptian"/>
+              </a:rPr>
+              <a:t>Correlation = 0</a:t>
+            </a:r>
+          </a:p>
+          <a:p>
+            <a:pPr algn="ctr"/>
+            <a:r>
+              <a:rPr lang="en-GB">
+                <a:latin typeface="GuardianTextEgyptian"/>
+              </a:rPr>
+              <a:t>No pattern</a:t>
+            </a:r>
+            <a:endParaRPr lang="en-BE"/>
+          </a:p>
+        </p:txBody>
+      </p:sp>
+      <p:sp>
+        <p:nvSpPr>
+          <p:cNvPr id="9" name="Rectangle 8">
+            <a:extLst>
+              <a:ext uri="{FF2B5EF4-FFF2-40B4-BE49-F238E27FC236}">
+                <a16:creationId xmlns:a16="http://schemas.microsoft.com/office/drawing/2014/main" id="{843B0FBB-9E0E-069E-F84D-07E1804740D3}"/>
+              </a:ext>
+            </a:extLst>
+          </p:cNvPr>
+          <p:cNvSpPr/>
+          <p:nvPr/>
+        </p:nvSpPr>
+        <p:spPr>
+          <a:xfrm>
+            <a:off x="8178522" y="4845164"/>
+            <a:ext cx="3625435" cy="646331"/>
+          </a:xfrm>
+          <a:prstGeom prst="rect">
+            <a:avLst/>
+          </a:prstGeom>
+        </p:spPr>
+        <p:txBody>
+          <a:bodyPr wrap="square">
+            <a:spAutoFit/>
+          </a:bodyPr>
+          <a:lstStyle/>
+          <a:p>
+            <a:pPr algn="ctr"/>
+            <a:r>
+              <a:rPr lang="en-GB" b="1" dirty="0">
+                <a:latin typeface="GuardianTextEgyptian"/>
+              </a:rPr>
+              <a:t>Correlation = -1</a:t>
+            </a:r>
+          </a:p>
+          <a:p>
+            <a:pPr algn="ctr"/>
+            <a:r>
+              <a:rPr lang="en-GB" dirty="0">
+                <a:latin typeface="GuardianTextEgyptian"/>
+              </a:rPr>
+              <a:t>Perfect negative relationship</a:t>
+            </a:r>
+            <a:endParaRPr lang="en-BE" dirty="0"/>
+          </a:p>
+        </p:txBody>
+      </p:sp>
+    </p:spTree>
+    <p:extLst>
+      <p:ext uri="{BB962C8B-B14F-4D97-AF65-F5344CB8AC3E}">
+        <p14:creationId xmlns:p14="http://schemas.microsoft.com/office/powerpoint/2010/main" val="1060342898"/>
+      </p:ext>
+    </p:extLst>
+  </p:cSld>
+  <p:clrMapOvr>
+    <a:masterClrMapping/>
+  </p:clrMapOvr>
+</p:sld>
+</file>
+
+<file path=ppt/slides/slide11.xml><?xml version="1.0" encoding="utf-8"?>
+<p:sld xmlns:a="http://schemas.openxmlformats.org/drawingml/2006/main" xmlns:r="http://schemas.openxmlformats.org/officeDocument/2006/relationships" xmlns:p="http://schemas.openxmlformats.org/presentationml/2006/main">
+  <p:cSld>
+    <p:spTree>
+      <p:nvGrpSpPr>
+        <p:cNvPr id="1" name=""/>
+        <p:cNvGrpSpPr/>
+        <p:nvPr/>
+      </p:nvGrpSpPr>
+      <p:grpSpPr>
+        <a:xfrm>
+          <a:off x="0" y="0"/>
+          <a:ext cx="0" cy="0"/>
+          <a:chOff x="0" y="0"/>
+          <a:chExt cx="0" cy="0"/>
+        </a:xfrm>
+      </p:grpSpPr>
+      <p:sp>
+        <p:nvSpPr>
+          <p:cNvPr id="2" name="Title 1">
+            <a:extLst>
+              <a:ext uri="{FF2B5EF4-FFF2-40B4-BE49-F238E27FC236}">
+                <a16:creationId xmlns:a16="http://schemas.microsoft.com/office/drawing/2014/main" id="{E78C7CC2-44EC-69A8-95F2-DD5EAE374942}"/>
+              </a:ext>
+            </a:extLst>
+          </p:cNvPr>
+          <p:cNvSpPr>
+            <a:spLocks noGrp="1"/>
+          </p:cNvSpPr>
+          <p:nvPr>
+            <p:ph type="title"/>
+          </p:nvPr>
+        </p:nvSpPr>
+        <p:spPr/>
+        <p:txBody>
+          <a:bodyPr/>
+          <a:lstStyle/>
+          <a:p>
+            <a:r>
+              <a:rPr lang="en-US" dirty="0"/>
+              <a:t>But how and why?</a:t>
+            </a:r>
+            <a:endParaRPr lang="en-BE" dirty="0"/>
+          </a:p>
+        </p:txBody>
+      </p:sp>
+      <p:sp>
+        <p:nvSpPr>
+          <p:cNvPr id="3" name="Content Placeholder 2">
+            <a:extLst>
+              <a:ext uri="{FF2B5EF4-FFF2-40B4-BE49-F238E27FC236}">
+                <a16:creationId xmlns:a16="http://schemas.microsoft.com/office/drawing/2014/main" id="{A8441BBC-29CA-49C3-54D5-11BC8801343D}"/>
+              </a:ext>
+            </a:extLst>
+          </p:cNvPr>
+          <p:cNvSpPr>
+            <a:spLocks noGrp="1"/>
+          </p:cNvSpPr>
+          <p:nvPr>
+            <p:ph idx="1"/>
+          </p:nvPr>
+        </p:nvSpPr>
+        <p:spPr>
+          <a:xfrm>
+            <a:off x="838200" y="1825625"/>
+            <a:ext cx="5756910" cy="4351338"/>
+          </a:xfrm>
+        </p:spPr>
+        <p:txBody>
+          <a:bodyPr/>
+          <a:lstStyle/>
+          <a:p>
+            <a:r>
+              <a:rPr lang="en-US" dirty="0"/>
+              <a:t>Look at the correlation heatmap of the wine dataset</a:t>
+            </a:r>
+          </a:p>
+          <a:p>
+            <a:pPr lvl="1"/>
+            <a:r>
+              <a:rPr lang="en-US" dirty="0"/>
+              <a:t>Can you find fields which rise together?</a:t>
+            </a:r>
+          </a:p>
+          <a:p>
+            <a:pPr lvl="1"/>
+            <a:r>
+              <a:rPr lang="en-US" dirty="0"/>
+              <a:t>And fields that rise oppositely?</a:t>
+            </a:r>
+          </a:p>
+          <a:p>
+            <a:pPr lvl="1"/>
+            <a:endParaRPr lang="en-US" dirty="0"/>
+          </a:p>
+          <a:p>
+            <a:r>
+              <a:rPr lang="en-US" dirty="0"/>
+              <a:t>Generating this is a function in pandas…</a:t>
+            </a:r>
+          </a:p>
+          <a:p>
+            <a:r>
+              <a:rPr lang="en-US" dirty="0"/>
+              <a:t>Making a nice graph of it is seaborn</a:t>
+            </a:r>
+          </a:p>
+          <a:p>
+            <a:endParaRPr lang="en-US" dirty="0"/>
+          </a:p>
+        </p:txBody>
+      </p:sp>
+      <p:pic>
+        <p:nvPicPr>
+          <p:cNvPr id="7" name="Picture 6">
+            <a:extLst>
+              <a:ext uri="{FF2B5EF4-FFF2-40B4-BE49-F238E27FC236}">
+                <a16:creationId xmlns:a16="http://schemas.microsoft.com/office/drawing/2014/main" id="{E19B4134-B048-7211-0039-B9D755AA8D16}"/>
+              </a:ext>
+            </a:extLst>
+          </p:cNvPr>
+          <p:cNvPicPr>
+            <a:picLocks noChangeAspect="1"/>
+          </p:cNvPicPr>
+          <p:nvPr/>
+        </p:nvPicPr>
+        <p:blipFill>
+          <a:blip r:embed="rId3"/>
+          <a:stretch>
+            <a:fillRect/>
+          </a:stretch>
+        </p:blipFill>
+        <p:spPr>
+          <a:xfrm>
+            <a:off x="6675120" y="1027906"/>
+            <a:ext cx="5048815" cy="5307413"/>
+          </a:xfrm>
+          <a:prstGeom prst="rect">
+            <a:avLst/>
+          </a:prstGeom>
+        </p:spPr>
+      </p:pic>
+    </p:spTree>
+    <p:extLst>
+      <p:ext uri="{BB962C8B-B14F-4D97-AF65-F5344CB8AC3E}">
+        <p14:creationId xmlns:p14="http://schemas.microsoft.com/office/powerpoint/2010/main" val="3520221708"/>
+      </p:ext>
+    </p:extLst>
+  </p:cSld>
+  <p:clrMapOvr>
+    <a:masterClrMapping/>
+  </p:clrMapOvr>
+</p:sld>
+</file>
+
+<file path=ppt/slides/slide12.xml><?xml version="1.0" encoding="utf-8"?>
+<p:sld xmlns:a="http://schemas.openxmlformats.org/drawingml/2006/main" xmlns:r="http://schemas.openxmlformats.org/officeDocument/2006/relationships" xmlns:p="http://schemas.openxmlformats.org/presentationml/2006/main">
+  <p:cSld>
+    <p:spTree>
+      <p:nvGrpSpPr>
+        <p:cNvPr id="1" name=""/>
+        <p:cNvGrpSpPr/>
+        <p:nvPr/>
+      </p:nvGrpSpPr>
+      <p:grpSpPr>
+        <a:xfrm>
+          <a:off x="0" y="0"/>
+          <a:ext cx="0" cy="0"/>
+          <a:chOff x="0" y="0"/>
+          <a:chExt cx="0" cy="0"/>
+        </a:xfrm>
+      </p:grpSpPr>
+      <p:sp>
+        <p:nvSpPr>
+          <p:cNvPr id="2" name="Title 1">
+            <a:extLst>
+              <a:ext uri="{FF2B5EF4-FFF2-40B4-BE49-F238E27FC236}">
+                <a16:creationId xmlns:a16="http://schemas.microsoft.com/office/drawing/2014/main" id="{2BB97852-BF43-05AB-28E2-225305119136}"/>
+              </a:ext>
+            </a:extLst>
+          </p:cNvPr>
+          <p:cNvSpPr>
+            <a:spLocks noGrp="1"/>
+          </p:cNvSpPr>
+          <p:nvPr>
+            <p:ph type="title"/>
+          </p:nvPr>
+        </p:nvSpPr>
+        <p:spPr/>
+        <p:txBody>
+          <a:bodyPr/>
+          <a:lstStyle/>
+          <a:p>
+            <a:r>
+              <a:rPr lang="en-US" dirty="0"/>
+              <a:t>Correlation in models</a:t>
+            </a:r>
+            <a:endParaRPr lang="en-BE" dirty="0"/>
+          </a:p>
+        </p:txBody>
+      </p:sp>
+      <p:sp>
+        <p:nvSpPr>
+          <p:cNvPr id="3" name="Content Placeholder 2">
+            <a:extLst>
+              <a:ext uri="{FF2B5EF4-FFF2-40B4-BE49-F238E27FC236}">
+                <a16:creationId xmlns:a16="http://schemas.microsoft.com/office/drawing/2014/main" id="{ECD01A23-D02E-4B83-3B02-F25BA9A2FCA5}"/>
+              </a:ext>
+            </a:extLst>
+          </p:cNvPr>
+          <p:cNvSpPr>
+            <a:spLocks noGrp="1"/>
+          </p:cNvSpPr>
+          <p:nvPr>
+            <p:ph idx="1"/>
+          </p:nvPr>
+        </p:nvSpPr>
+        <p:spPr/>
+        <p:txBody>
+          <a:bodyPr/>
+          <a:lstStyle/>
+          <a:p>
+            <a:r>
+              <a:rPr lang="en-US" dirty="0"/>
+              <a:t>Suppose feature A strongly correlates with B and C, but feature X correlates with no others</a:t>
+            </a:r>
+          </a:p>
+          <a:p>
+            <a:r>
+              <a:rPr lang="en-US" dirty="0"/>
+              <a:t>When training an unsupervised model, whatever makes A, B and C go up (or down) will have three times as much influence on the outcome as whatever makes X move</a:t>
+            </a:r>
+          </a:p>
+          <a:p>
+            <a:r>
+              <a:rPr lang="en-US" dirty="0"/>
+              <a:t>Knowing where the correlations are is important to explain the dataset</a:t>
+            </a:r>
+          </a:p>
+          <a:p>
+            <a:pPr lvl="1"/>
+            <a:r>
+              <a:rPr lang="en-US" dirty="0"/>
+              <a:t>Which is why we covered it in the Data Science-course</a:t>
+            </a:r>
+          </a:p>
+          <a:p>
+            <a:r>
+              <a:rPr lang="en-US" dirty="0"/>
+              <a:t>But it is also important when training a model</a:t>
+            </a:r>
+          </a:p>
+          <a:p>
+            <a:pPr lvl="1"/>
+            <a:r>
+              <a:rPr lang="en-US" dirty="0"/>
+              <a:t>Don’t include multiple highly correlated features</a:t>
+            </a:r>
+          </a:p>
+        </p:txBody>
+      </p:sp>
+    </p:spTree>
+    <p:extLst>
+      <p:ext uri="{BB962C8B-B14F-4D97-AF65-F5344CB8AC3E}">
+        <p14:creationId xmlns:p14="http://schemas.microsoft.com/office/powerpoint/2010/main" val="4198406345"/>
+      </p:ext>
+    </p:extLst>
+  </p:cSld>
+  <p:clrMapOvr>
+    <a:masterClrMapping/>
+  </p:clrMapOvr>
+</p:sld>
+</file>
+
+<file path=ppt/slides/slide13.xml><?xml version="1.0" encoding="utf-8"?>
+<p:sld xmlns:a="http://schemas.openxmlformats.org/drawingml/2006/main" xmlns:r="http://schemas.openxmlformats.org/officeDocument/2006/relationships" xmlns:p="http://schemas.openxmlformats.org/presentationml/2006/main">
+  <p:cSld>
+    <p:spTree>
+      <p:nvGrpSpPr>
+        <p:cNvPr id="1" name=""/>
+        <p:cNvGrpSpPr/>
+        <p:nvPr/>
+      </p:nvGrpSpPr>
+      <p:grpSpPr>
+        <a:xfrm>
+          <a:off x="0" y="0"/>
+          <a:ext cx="0" cy="0"/>
+          <a:chOff x="0" y="0"/>
+          <a:chExt cx="0" cy="0"/>
+        </a:xfrm>
+      </p:grpSpPr>
+      <p:sp>
+        <p:nvSpPr>
+          <p:cNvPr id="2" name="Title 1">
+            <a:extLst>
+              <a:ext uri="{FF2B5EF4-FFF2-40B4-BE49-F238E27FC236}">
+                <a16:creationId xmlns:a16="http://schemas.microsoft.com/office/drawing/2014/main" id="{25AD72EA-F582-E9C3-7567-65553E0737B9}"/>
+              </a:ext>
+            </a:extLst>
+          </p:cNvPr>
+          <p:cNvSpPr>
+            <a:spLocks noGrp="1"/>
+          </p:cNvSpPr>
+          <p:nvPr>
+            <p:ph type="title"/>
+          </p:nvPr>
+        </p:nvSpPr>
+        <p:spPr/>
+        <p:txBody>
+          <a:bodyPr/>
+          <a:lstStyle/>
+          <a:p>
+            <a:r>
+              <a:rPr lang="en-US" dirty="0"/>
+              <a:t>2023-2024</a:t>
+            </a:r>
+            <a:endParaRPr lang="en-BE" dirty="0"/>
+          </a:p>
+        </p:txBody>
+      </p:sp>
+      <p:sp>
+        <p:nvSpPr>
+          <p:cNvPr id="3" name="Content Placeholder 2">
+            <a:extLst>
+              <a:ext uri="{FF2B5EF4-FFF2-40B4-BE49-F238E27FC236}">
+                <a16:creationId xmlns:a16="http://schemas.microsoft.com/office/drawing/2014/main" id="{73843E96-C060-91AC-792D-25BC5758DA27}"/>
+              </a:ext>
+            </a:extLst>
+          </p:cNvPr>
+          <p:cNvSpPr>
+            <a:spLocks noGrp="1"/>
+          </p:cNvSpPr>
+          <p:nvPr>
+            <p:ph idx="1"/>
+          </p:nvPr>
+        </p:nvSpPr>
+        <p:spPr/>
+        <p:txBody>
+          <a:bodyPr/>
+          <a:lstStyle/>
+          <a:p>
+            <a:r>
+              <a:rPr lang="en-US" dirty="0"/>
+              <a:t>There’s a bit of a problem…</a:t>
+            </a:r>
+          </a:p>
+          <a:p>
+            <a:r>
+              <a:rPr lang="en-US" dirty="0"/>
+              <a:t>You guys get AI in 3ITF, but the next gen ITF will have it in 2ITF</a:t>
+            </a:r>
+          </a:p>
+          <a:p>
+            <a:r>
+              <a:rPr lang="en-US" dirty="0"/>
+              <a:t>So they will already know machine learning, but you’ll be learning it this week and next week</a:t>
+            </a:r>
+          </a:p>
+          <a:p>
+            <a:r>
+              <a:rPr lang="en-US" dirty="0"/>
+              <a:t>But we’re handling it:</a:t>
+            </a:r>
+          </a:p>
+          <a:p>
+            <a:pPr lvl="1"/>
+            <a:r>
+              <a:rPr lang="en-US" dirty="0"/>
+              <a:t>This slide references some of the same stuff you get in the AI-course</a:t>
+            </a:r>
+          </a:p>
+          <a:p>
+            <a:pPr lvl="1"/>
+            <a:r>
+              <a:rPr lang="en-US" dirty="0"/>
+              <a:t>Discussion topics here are focused on how to run models in </a:t>
+            </a:r>
+            <a:r>
+              <a:rPr lang="en-US" dirty="0" err="1"/>
+              <a:t>SageMaker</a:t>
+            </a:r>
+            <a:endParaRPr lang="en-BE" dirty="0"/>
+          </a:p>
+        </p:txBody>
+      </p:sp>
+    </p:spTree>
+    <p:extLst>
+      <p:ext uri="{BB962C8B-B14F-4D97-AF65-F5344CB8AC3E}">
+        <p14:creationId xmlns:p14="http://schemas.microsoft.com/office/powerpoint/2010/main" val="3230015019"/>
+      </p:ext>
+    </p:extLst>
+  </p:cSld>
+  <p:clrMapOvr>
+    <a:masterClrMapping/>
+  </p:clrMapOvr>
+</p:sld>
+</file>
+
+<file path=ppt/slides/slide14.xml><?xml version="1.0" encoding="utf-8"?>
+<p:sld xmlns:a="http://schemas.openxmlformats.org/drawingml/2006/main" xmlns:r="http://schemas.openxmlformats.org/officeDocument/2006/relationships" xmlns:p="http://schemas.openxmlformats.org/presentationml/2006/main">
+  <p:cSld>
+    <p:spTree>
+      <p:nvGrpSpPr>
+        <p:cNvPr id="1" name=""/>
+        <p:cNvGrpSpPr/>
+        <p:nvPr/>
+      </p:nvGrpSpPr>
+      <p:grpSpPr>
+        <a:xfrm>
+          <a:off x="0" y="0"/>
+          <a:ext cx="0" cy="0"/>
+          <a:chOff x="0" y="0"/>
+          <a:chExt cx="0" cy="0"/>
+        </a:xfrm>
+      </p:grpSpPr>
+      <p:sp>
+        <p:nvSpPr>
+          <p:cNvPr id="2" name="Title 1">
+            <a:extLst>
+              <a:ext uri="{FF2B5EF4-FFF2-40B4-BE49-F238E27FC236}">
+                <a16:creationId xmlns:a16="http://schemas.microsoft.com/office/drawing/2014/main" id="{BA9387E0-E2F9-9F9D-7698-F4AC8D44F748}"/>
+              </a:ext>
+            </a:extLst>
+          </p:cNvPr>
+          <p:cNvSpPr>
+            <a:spLocks noGrp="1"/>
+          </p:cNvSpPr>
+          <p:nvPr>
+            <p:ph type="title"/>
+          </p:nvPr>
+        </p:nvSpPr>
+        <p:spPr/>
+        <p:txBody>
+          <a:bodyPr/>
+          <a:lstStyle/>
+          <a:p>
+            <a:r>
+              <a:rPr lang="en-US" dirty="0"/>
+              <a:t>Machine learning</a:t>
+            </a:r>
+            <a:endParaRPr lang="en-BE" dirty="0"/>
+          </a:p>
+        </p:txBody>
+      </p:sp>
+      <p:sp>
+        <p:nvSpPr>
+          <p:cNvPr id="3" name="Content Placeholder 2">
+            <a:extLst>
+              <a:ext uri="{FF2B5EF4-FFF2-40B4-BE49-F238E27FC236}">
+                <a16:creationId xmlns:a16="http://schemas.microsoft.com/office/drawing/2014/main" id="{E6C0F745-54C1-F30A-F78F-FF1DDC78A070}"/>
+              </a:ext>
+            </a:extLst>
+          </p:cNvPr>
+          <p:cNvSpPr>
+            <a:spLocks noGrp="1"/>
+          </p:cNvSpPr>
+          <p:nvPr>
+            <p:ph idx="1"/>
+          </p:nvPr>
+        </p:nvSpPr>
+        <p:spPr/>
+        <p:txBody>
+          <a:bodyPr/>
+          <a:lstStyle/>
+          <a:p>
+            <a:r>
+              <a:rPr lang="en-US" dirty="0"/>
+              <a:t>You remember this video, right?</a:t>
+            </a:r>
+          </a:p>
+          <a:p>
+            <a:pPr marL="0" indent="0">
+              <a:buNone/>
+            </a:pPr>
+            <a:r>
+              <a:rPr lang="en-US" dirty="0">
+                <a:hlinkClick r:id="rId2"/>
+              </a:rPr>
+              <a:t>https://www.youtube.com/embed/z-EtmaFJieY?start=3&amp;end=335</a:t>
+            </a:r>
+            <a:endParaRPr lang="en-US" dirty="0"/>
+          </a:p>
+          <a:p>
+            <a:endParaRPr lang="en-US" dirty="0"/>
+          </a:p>
+          <a:p>
+            <a:r>
+              <a:rPr lang="en-US" dirty="0"/>
+              <a:t>(Also note the confusion matrix we’ll be talking about next!)</a:t>
+            </a:r>
+          </a:p>
+          <a:p>
+            <a:r>
+              <a:rPr lang="en-US" dirty="0"/>
+              <a:t>So what we are doing is having the computer make this</a:t>
+            </a:r>
+          </a:p>
+          <a:p>
+            <a:pPr lvl="1"/>
+            <a:r>
+              <a:rPr lang="en-US" dirty="0"/>
+              <a:t>But with more features and a better output</a:t>
+            </a:r>
+          </a:p>
+          <a:p>
+            <a:r>
+              <a:rPr lang="en-US" dirty="0"/>
+              <a:t>The models we’ll be looking at:</a:t>
+            </a:r>
+          </a:p>
+          <a:p>
+            <a:pPr lvl="1"/>
+            <a:r>
+              <a:rPr lang="en-US" dirty="0" err="1"/>
+              <a:t>XGBoost</a:t>
+            </a:r>
+            <a:r>
+              <a:rPr lang="en-US" dirty="0"/>
+              <a:t>, linear learner, K-means</a:t>
+            </a:r>
+            <a:endParaRPr lang="en-BE" dirty="0"/>
+          </a:p>
+        </p:txBody>
+      </p:sp>
+      <p:pic>
+        <p:nvPicPr>
+          <p:cNvPr id="5" name="Picture 4">
+            <a:extLst>
+              <a:ext uri="{FF2B5EF4-FFF2-40B4-BE49-F238E27FC236}">
+                <a16:creationId xmlns:a16="http://schemas.microsoft.com/office/drawing/2014/main" id="{62AA9452-836E-F0D1-228C-AF4B0BD5783B}"/>
+              </a:ext>
+            </a:extLst>
+          </p:cNvPr>
+          <p:cNvPicPr>
+            <a:picLocks noChangeAspect="1"/>
+          </p:cNvPicPr>
+          <p:nvPr/>
+        </p:nvPicPr>
+        <p:blipFill>
+          <a:blip r:embed="rId3"/>
+          <a:stretch>
+            <a:fillRect/>
+          </a:stretch>
+        </p:blipFill>
+        <p:spPr>
+          <a:xfrm>
+            <a:off x="8124375" y="4285891"/>
+            <a:ext cx="3229425" cy="2572109"/>
+          </a:xfrm>
+          <a:prstGeom prst="rect">
+            <a:avLst/>
+          </a:prstGeom>
+        </p:spPr>
+      </p:pic>
+      <p:pic>
+        <p:nvPicPr>
+          <p:cNvPr id="7" name="Picture 6" descr="A picture containing black, darkness&#10;&#10;Description automatically generated">
+            <a:extLst>
+              <a:ext uri="{FF2B5EF4-FFF2-40B4-BE49-F238E27FC236}">
+                <a16:creationId xmlns:a16="http://schemas.microsoft.com/office/drawing/2014/main" id="{7F150EFA-6F62-C601-7544-C1128661EA44}"/>
+              </a:ext>
+            </a:extLst>
+          </p:cNvPr>
+          <p:cNvPicPr>
+            <a:picLocks noChangeAspect="1"/>
+          </p:cNvPicPr>
+          <p:nvPr/>
+        </p:nvPicPr>
+        <p:blipFill>
+          <a:blip r:embed="rId4">
+            <a:extLst>
+              <a:ext uri="{28A0092B-C50C-407E-A947-70E740481C1C}">
+                <a14:useLocalDpi xmlns:a14="http://schemas.microsoft.com/office/drawing/2010/main" val="0"/>
+              </a:ext>
+            </a:extLst>
+          </a:blip>
+          <a:stretch>
+            <a:fillRect/>
+          </a:stretch>
+        </p:blipFill>
+        <p:spPr>
+          <a:xfrm>
+            <a:off x="9193394" y="4080944"/>
+            <a:ext cx="362813" cy="362813"/>
+          </a:xfrm>
+          <a:prstGeom prst="rect">
+            <a:avLst/>
+          </a:prstGeom>
+        </p:spPr>
+      </p:pic>
+    </p:spTree>
+    <p:extLst>
+      <p:ext uri="{BB962C8B-B14F-4D97-AF65-F5344CB8AC3E}">
+        <p14:creationId xmlns:p14="http://schemas.microsoft.com/office/powerpoint/2010/main" val="3291332361"/>
+      </p:ext>
+    </p:extLst>
+  </p:cSld>
+  <p:clrMapOvr>
+    <a:masterClrMapping/>
+  </p:clrMapOvr>
+</p:sld>
+</file>
+
+<file path=ppt/slides/slide15.xml><?xml version="1.0" encoding="utf-8"?>
+<p:sld xmlns:a="http://schemas.openxmlformats.org/drawingml/2006/main" xmlns:r="http://schemas.openxmlformats.org/officeDocument/2006/relationships" xmlns:p="http://schemas.openxmlformats.org/presentationml/2006/main">
+  <p:cSld>
+    <p:spTree>
+      <p:nvGrpSpPr>
+        <p:cNvPr id="1" name=""/>
+        <p:cNvGrpSpPr/>
+        <p:nvPr/>
+      </p:nvGrpSpPr>
+      <p:grpSpPr>
+        <a:xfrm>
+          <a:off x="0" y="0"/>
+          <a:ext cx="0" cy="0"/>
+          <a:chOff x="0" y="0"/>
+          <a:chExt cx="0" cy="0"/>
+        </a:xfrm>
+      </p:grpSpPr>
+      <p:sp>
+        <p:nvSpPr>
+          <p:cNvPr id="2" name="Title 1">
+            <a:extLst>
+              <a:ext uri="{FF2B5EF4-FFF2-40B4-BE49-F238E27FC236}">
+                <a16:creationId xmlns:a16="http://schemas.microsoft.com/office/drawing/2014/main" id="{440DE2D4-244D-869E-2659-B9DA01C8C516}"/>
+              </a:ext>
+            </a:extLst>
+          </p:cNvPr>
+          <p:cNvSpPr>
+            <a:spLocks noGrp="1"/>
+          </p:cNvSpPr>
+          <p:nvPr>
+            <p:ph type="title"/>
+          </p:nvPr>
+        </p:nvSpPr>
+        <p:spPr/>
+        <p:txBody>
+          <a:bodyPr/>
+          <a:lstStyle/>
+          <a:p>
+            <a:r>
+              <a:rPr lang="en-US" dirty="0"/>
+              <a:t>No slide (or slice)</a:t>
+            </a:r>
+          </a:p>
+        </p:txBody>
+      </p:sp>
+      <p:sp>
+        <p:nvSpPr>
+          <p:cNvPr id="3" name="Content Placeholder 2">
+            <a:extLst>
+              <a:ext uri="{FF2B5EF4-FFF2-40B4-BE49-F238E27FC236}">
+                <a16:creationId xmlns:a16="http://schemas.microsoft.com/office/drawing/2014/main" id="{3964442C-3F27-3637-6FFB-0D5CBA048182}"/>
+              </a:ext>
+            </a:extLst>
+          </p:cNvPr>
+          <p:cNvSpPr>
+            <a:spLocks noGrp="1"/>
+          </p:cNvSpPr>
+          <p:nvPr>
+            <p:ph idx="1"/>
+          </p:nvPr>
+        </p:nvSpPr>
+        <p:spPr>
+          <a:xfrm>
+            <a:off x="838200" y="1690689"/>
+            <a:ext cx="10515600" cy="4486274"/>
+          </a:xfrm>
+        </p:spPr>
+        <p:txBody>
+          <a:bodyPr/>
+          <a:lstStyle/>
+          <a:p>
+            <a:r>
+              <a:rPr lang="en-US" dirty="0"/>
+              <a:t>Read 3.1 – XGBoost.md</a:t>
+            </a:r>
+          </a:p>
+          <a:p>
+            <a:r>
+              <a:rPr lang="en-US" dirty="0"/>
+              <a:t>Read 3.2 – Linear learner.md</a:t>
+            </a:r>
+          </a:p>
+          <a:p>
+            <a:r>
+              <a:rPr lang="en-US" dirty="0"/>
+              <a:t>Read 3.3 – K-means.md</a:t>
+            </a:r>
+          </a:p>
+          <a:p>
+            <a:endParaRPr lang="en-US" dirty="0"/>
+          </a:p>
+          <a:p>
+            <a:endParaRPr lang="en-US" dirty="0"/>
+          </a:p>
+          <a:p>
+            <a:endParaRPr lang="en-US" dirty="0"/>
+          </a:p>
+          <a:p>
+            <a:endParaRPr lang="en-BE" dirty="0"/>
+          </a:p>
+        </p:txBody>
+      </p:sp>
+      <p:pic>
+        <p:nvPicPr>
+          <p:cNvPr id="5" name="Picture 4" descr="A piece of bread with a hole in it&#10;&#10;Description automatically generated with low confidence">
+            <a:extLst>
+              <a:ext uri="{FF2B5EF4-FFF2-40B4-BE49-F238E27FC236}">
+                <a16:creationId xmlns:a16="http://schemas.microsoft.com/office/drawing/2014/main" id="{A4936D9B-6598-0A46-668B-22C68375874A}"/>
+              </a:ext>
+            </a:extLst>
+          </p:cNvPr>
+          <p:cNvPicPr>
+            <a:picLocks noChangeAspect="1"/>
+          </p:cNvPicPr>
+          <p:nvPr/>
+        </p:nvPicPr>
+        <p:blipFill>
+          <a:blip r:embed="rId2">
+            <a:extLst>
+              <a:ext uri="{28A0092B-C50C-407E-A947-70E740481C1C}">
+                <a14:useLocalDpi xmlns:a14="http://schemas.microsoft.com/office/drawing/2010/main" val="0"/>
+              </a:ext>
+            </a:extLst>
+          </a:blip>
+          <a:stretch>
+            <a:fillRect/>
+          </a:stretch>
+        </p:blipFill>
+        <p:spPr>
+          <a:xfrm>
+            <a:off x="9433151" y="0"/>
+            <a:ext cx="2578554" cy="2578554"/>
+          </a:xfrm>
+          <a:prstGeom prst="rect">
+            <a:avLst/>
+          </a:prstGeom>
+        </p:spPr>
+      </p:pic>
+    </p:spTree>
+    <p:extLst>
+      <p:ext uri="{BB962C8B-B14F-4D97-AF65-F5344CB8AC3E}">
+        <p14:creationId xmlns:p14="http://schemas.microsoft.com/office/powerpoint/2010/main" val="3231166434"/>
+      </p:ext>
+    </p:extLst>
+  </p:cSld>
+  <p:clrMapOvr>
+    <a:masterClrMapping/>
+  </p:clrMapOvr>
+</p:sld>
+</file>
+
+<file path=ppt/slides/slide16.xml><?xml version="1.0" encoding="utf-8"?>
+<p:sld xmlns:a="http://schemas.openxmlformats.org/drawingml/2006/main" xmlns:r="http://schemas.openxmlformats.org/officeDocument/2006/relationships" xmlns:p="http://schemas.openxmlformats.org/presentationml/2006/main">
+  <p:cSld>
+    <p:spTree>
+      <p:nvGrpSpPr>
+        <p:cNvPr id="1" name=""/>
+        <p:cNvGrpSpPr/>
+        <p:nvPr/>
+      </p:nvGrpSpPr>
+      <p:grpSpPr>
+        <a:xfrm>
+          <a:off x="0" y="0"/>
+          <a:ext cx="0" cy="0"/>
+          <a:chOff x="0" y="0"/>
+          <a:chExt cx="0" cy="0"/>
+        </a:xfrm>
+      </p:grpSpPr>
+      <p:pic>
+        <p:nvPicPr>
+          <p:cNvPr id="5" name="Picture 4" descr="A person on a stationary bike&#10;&#10;Description automatically generated with low confidence">
+            <a:extLst>
+              <a:ext uri="{FF2B5EF4-FFF2-40B4-BE49-F238E27FC236}">
+                <a16:creationId xmlns:a16="http://schemas.microsoft.com/office/drawing/2014/main" id="{AC8A37EE-F45C-197D-A0D7-D8DE40D454EA}"/>
+              </a:ext>
+            </a:extLst>
+          </p:cNvPr>
+          <p:cNvPicPr>
+            <a:picLocks noChangeAspect="1"/>
+          </p:cNvPicPr>
+          <p:nvPr/>
+        </p:nvPicPr>
+        <p:blipFill>
+          <a:blip r:embed="rId2">
+            <a:extLst>
+              <a:ext uri="{28A0092B-C50C-407E-A947-70E740481C1C}">
+                <a14:useLocalDpi xmlns:a14="http://schemas.microsoft.com/office/drawing/2010/main" val="0"/>
+              </a:ext>
+            </a:extLst>
+          </a:blip>
+          <a:stretch>
+            <a:fillRect/>
+          </a:stretch>
+        </p:blipFill>
+        <p:spPr>
+          <a:xfrm>
+            <a:off x="3937907" y="1860777"/>
+            <a:ext cx="4316186" cy="4316186"/>
+          </a:xfrm>
+          <a:prstGeom prst="rect">
+            <a:avLst/>
+          </a:prstGeom>
+        </p:spPr>
+      </p:pic>
+      <p:sp>
+        <p:nvSpPr>
+          <p:cNvPr id="6" name="Title 1">
+            <a:extLst>
+              <a:ext uri="{FF2B5EF4-FFF2-40B4-BE49-F238E27FC236}">
+                <a16:creationId xmlns:a16="http://schemas.microsoft.com/office/drawing/2014/main" id="{D495E83A-ED71-E362-961B-89F19E10CB54}"/>
+              </a:ext>
+            </a:extLst>
+          </p:cNvPr>
+          <p:cNvSpPr>
+            <a:spLocks noGrp="1"/>
+          </p:cNvSpPr>
+          <p:nvPr>
+            <p:ph type="title"/>
+          </p:nvPr>
+        </p:nvSpPr>
+        <p:spPr>
+          <a:xfrm>
+            <a:off x="838200" y="365125"/>
+            <a:ext cx="10515600" cy="1325563"/>
+          </a:xfrm>
+        </p:spPr>
+        <p:txBody>
+          <a:bodyPr>
+            <a:normAutofit/>
+          </a:bodyPr>
+          <a:lstStyle/>
+          <a:p>
+            <a:r>
+              <a:rPr lang="en-US" sz="2400" dirty="0"/>
+              <a:t>You are now ready for the sample notebooks-exercises now.</a:t>
+            </a:r>
+            <a:br>
+              <a:rPr lang="en-US" sz="2400" dirty="0"/>
+            </a:br>
+            <a:r>
+              <a:rPr lang="en-US" sz="2400" dirty="0"/>
+              <a:t>It’s in the “exercises”-folder, and called “3.4 – Sample notebooks.md”</a:t>
+            </a:r>
+            <a:endParaRPr lang="en-BE" sz="2400" dirty="0"/>
+          </a:p>
+        </p:txBody>
+      </p:sp>
+    </p:spTree>
+    <p:extLst>
+      <p:ext uri="{BB962C8B-B14F-4D97-AF65-F5344CB8AC3E}">
+        <p14:creationId xmlns:p14="http://schemas.microsoft.com/office/powerpoint/2010/main" val="1171642733"/>
+      </p:ext>
+    </p:extLst>
+  </p:cSld>
+  <p:clrMapOvr>
+    <a:masterClrMapping/>
+  </p:clrMapOvr>
+</p:sld>
+</file>
+
+<file path=ppt/slides/slide17.xml><?xml version="1.0" encoding="utf-8"?>
+<p:sld xmlns:a="http://schemas.openxmlformats.org/drawingml/2006/main" xmlns:r="http://schemas.openxmlformats.org/officeDocument/2006/relationships" xmlns:p="http://schemas.openxmlformats.org/presentationml/2006/main">
+  <p:cSld>
+    <p:spTree>
+      <p:nvGrpSpPr>
+        <p:cNvPr id="1" name=""/>
+        <p:cNvGrpSpPr/>
+        <p:nvPr/>
+      </p:nvGrpSpPr>
+      <p:grpSpPr>
+        <a:xfrm>
+          <a:off x="0" y="0"/>
+          <a:ext cx="0" cy="0"/>
+          <a:chOff x="0" y="0"/>
+          <a:chExt cx="0" cy="0"/>
+        </a:xfrm>
+      </p:grpSpPr>
+      <p:sp>
+        <p:nvSpPr>
+          <p:cNvPr id="2" name="Title 1">
+            <a:extLst>
+              <a:ext uri="{FF2B5EF4-FFF2-40B4-BE49-F238E27FC236}">
+                <a16:creationId xmlns:a16="http://schemas.microsoft.com/office/drawing/2014/main" id="{8B9E5012-4A56-2728-7987-43E8182FA677}"/>
+              </a:ext>
+            </a:extLst>
+          </p:cNvPr>
+          <p:cNvSpPr>
+            <a:spLocks noGrp="1"/>
+          </p:cNvSpPr>
+          <p:nvPr>
+            <p:ph type="title"/>
+          </p:nvPr>
+        </p:nvSpPr>
+        <p:spPr/>
+        <p:txBody>
+          <a:bodyPr/>
+          <a:lstStyle/>
+          <a:p>
+            <a:endParaRPr lang="en-BE" dirty="0"/>
+          </a:p>
+        </p:txBody>
+      </p:sp>
+      <p:sp>
+        <p:nvSpPr>
+          <p:cNvPr id="3" name="Content Placeholder 2">
+            <a:extLst>
+              <a:ext uri="{FF2B5EF4-FFF2-40B4-BE49-F238E27FC236}">
+                <a16:creationId xmlns:a16="http://schemas.microsoft.com/office/drawing/2014/main" id="{07020E63-D251-0C63-9FC8-B128FA9F0611}"/>
+              </a:ext>
+            </a:extLst>
+          </p:cNvPr>
+          <p:cNvSpPr>
+            <a:spLocks noGrp="1"/>
+          </p:cNvSpPr>
+          <p:nvPr>
+            <p:ph idx="1"/>
+          </p:nvPr>
+        </p:nvSpPr>
+        <p:spPr/>
+        <p:txBody>
+          <a:bodyPr/>
+          <a:lstStyle/>
+          <a:p>
+            <a:r>
+              <a:rPr lang="en-US" dirty="0"/>
+              <a:t>Confusion matrix, ROC</a:t>
+            </a:r>
+          </a:p>
+          <a:p>
+            <a:r>
+              <a:rPr lang="en-US" dirty="0"/>
+              <a:t>Sensitivity, specificity</a:t>
+            </a:r>
+          </a:p>
+          <a:p>
+            <a:endParaRPr lang="en-BE" dirty="0"/>
+          </a:p>
+        </p:txBody>
+      </p:sp>
+    </p:spTree>
+    <p:extLst>
+      <p:ext uri="{BB962C8B-B14F-4D97-AF65-F5344CB8AC3E}">
+        <p14:creationId xmlns:p14="http://schemas.microsoft.com/office/powerpoint/2010/main" val="3927608253"/>
+      </p:ext>
+    </p:extLst>
+  </p:cSld>
+  <p:clrMapOvr>
+    <a:masterClrMapping/>
+  </p:clrMapOvr>
+</p:sld>
+</file>
+
 <file path=ppt/slides/slide2.xml><?xml version="1.0" encoding="utf-8"?>
 <p:sld xmlns:a="http://schemas.openxmlformats.org/drawingml/2006/main" xmlns:r="http://schemas.openxmlformats.org/officeDocument/2006/relationships" xmlns:p="http://schemas.openxmlformats.org/presentationml/2006/main">
   <p:cSld>
@@ -4286,14 +6460,7 @@
             <a:pPr lvl="1"/>
             <a:r>
               <a:rPr lang="en-US" dirty="0"/>
-              <a:t>No exercises in the folder</a:t>
-            </a:r>
-          </a:p>
-          <a:p>
-            <a:pPr lvl="1"/>
-            <a:r>
-              <a:rPr lang="en-US" dirty="0"/>
-              <a:t>Tryout amazon </a:t>
+              <a:t>No exercises in the folder, tryout amazon </a:t>
             </a:r>
             <a:r>
               <a:rPr lang="en-US" dirty="0" err="1"/>
@@ -4434,7 +6601,9 @@
         </p:nvSpPr>
         <p:spPr/>
         <p:txBody>
-          <a:bodyPr/>
+          <a:bodyPr>
+            <a:normAutofit/>
+          </a:bodyPr>
           <a:lstStyle/>
           <a:p>
             <a:r>
@@ -4457,25 +6626,52 @@
             </a:r>
           </a:p>
           <a:p>
+            <a:r>
+              <a:rPr lang="en-US" dirty="0"/>
+              <a:t>Section 5:</a:t>
+            </a:r>
+          </a:p>
+          <a:p>
             <a:pPr lvl="1"/>
             <a:r>
               <a:rPr lang="en-US" dirty="0"/>
-              <a:t>No exercises in the folder, but another </a:t>
+              <a:t>Need to know</a:t>
+            </a:r>
+          </a:p>
+          <a:p>
+            <a:pPr lvl="1"/>
+            <a:r>
+              <a:rPr lang="en-US" dirty="0"/>
+              <a:t>You can ignore the models for now (</a:t>
             </a:r>
             <a:r>
               <a:rPr lang="en-US" dirty="0" err="1"/>
-              <a:t>sagemaker</a:t>
+              <a:t>XGBoost</a:t>
             </a:r>
             <a:r>
               <a:rPr lang="en-US" dirty="0"/>
-              <a:t> lab</a:t>
-            </a:r>
-          </a:p>
-          <a:p>
-            <a:r>
-              <a:rPr lang="en-US"/>
-              <a:t>Section 5:</a:t>
-            </a:r>
+              <a:t>, linear learner, K-means) as they’ll be covered later in this ppt</a:t>
+            </a:r>
+          </a:p>
+          <a:p>
+            <a:r>
+              <a:rPr lang="en-US" dirty="0"/>
+              <a:t>Section 6:</a:t>
+            </a:r>
+          </a:p>
+          <a:p>
+            <a:pPr lvl="1"/>
+            <a:r>
+              <a:rPr lang="en-US" dirty="0"/>
+              <a:t>Need to know, but short</a:t>
+            </a:r>
+          </a:p>
+          <a:p>
+            <a:endParaRPr lang="en-US" dirty="0"/>
+          </a:p>
+          <a:p>
+            <a:pPr lvl="1"/>
+            <a:endParaRPr lang="en-US" dirty="0"/>
           </a:p>
           <a:p>
             <a:endParaRPr lang="en-US" dirty="0"/>
@@ -4525,6 +6721,359 @@
           <p:cNvPr id="2" name="Title 1">
             <a:extLst>
               <a:ext uri="{FF2B5EF4-FFF2-40B4-BE49-F238E27FC236}">
+                <a16:creationId xmlns:a16="http://schemas.microsoft.com/office/drawing/2014/main" id="{FA44B1A1-D24D-011F-113E-51EA4BA80399}"/>
+              </a:ext>
+            </a:extLst>
+          </p:cNvPr>
+          <p:cNvSpPr>
+            <a:spLocks noGrp="1"/>
+          </p:cNvSpPr>
+          <p:nvPr>
+            <p:ph type="title"/>
+          </p:nvPr>
+        </p:nvSpPr>
+        <p:spPr/>
+        <p:txBody>
+          <a:bodyPr/>
+          <a:lstStyle/>
+          <a:p>
+            <a:r>
+              <a:rPr lang="en-US" dirty="0"/>
+              <a:t>First do module 3 on AWS</a:t>
+            </a:r>
+            <a:endParaRPr lang="en-BE" dirty="0"/>
+          </a:p>
+        </p:txBody>
+      </p:sp>
+      <p:sp>
+        <p:nvSpPr>
+          <p:cNvPr id="3" name="Content Placeholder 2">
+            <a:extLst>
+              <a:ext uri="{FF2B5EF4-FFF2-40B4-BE49-F238E27FC236}">
+                <a16:creationId xmlns:a16="http://schemas.microsoft.com/office/drawing/2014/main" id="{12061FB8-6153-AC4E-6C76-73290EEF53CD}"/>
+              </a:ext>
+            </a:extLst>
+          </p:cNvPr>
+          <p:cNvSpPr>
+            <a:spLocks noGrp="1"/>
+          </p:cNvSpPr>
+          <p:nvPr>
+            <p:ph idx="1"/>
+          </p:nvPr>
+        </p:nvSpPr>
+        <p:spPr/>
+        <p:txBody>
+          <a:bodyPr/>
+          <a:lstStyle/>
+          <a:p>
+            <a:r>
+              <a:rPr lang="en-US" dirty="0"/>
+              <a:t>Section 7:</a:t>
+            </a:r>
+          </a:p>
+          <a:p>
+            <a:pPr lvl="1"/>
+            <a:r>
+              <a:rPr lang="en-US" dirty="0"/>
+              <a:t>Need to know</a:t>
+            </a:r>
+          </a:p>
+          <a:p>
+            <a:pPr lvl="1"/>
+            <a:r>
+              <a:rPr lang="en-US" dirty="0"/>
+              <a:t>First confusion matrix and ROC-curves, but not the last</a:t>
+            </a:r>
+          </a:p>
+          <a:p>
+            <a:pPr lvl="1"/>
+            <a:r>
+              <a:rPr lang="en-US" dirty="0"/>
+              <a:t>A difficult section, take your time for it</a:t>
+            </a:r>
+          </a:p>
+          <a:p>
+            <a:r>
+              <a:rPr lang="en-US" dirty="0"/>
+              <a:t>Section 8:</a:t>
+            </a:r>
+          </a:p>
+          <a:p>
+            <a:pPr lvl="1"/>
+            <a:r>
+              <a:rPr lang="en-US" dirty="0"/>
+              <a:t>Nice to know, hyper parameter tuning only works if you know what you are tuning</a:t>
+            </a:r>
+          </a:p>
+          <a:p>
+            <a:pPr lvl="2"/>
+            <a:r>
+              <a:rPr lang="en-US" dirty="0"/>
+              <a:t>You can’t make a car go faster by randomly screwing and unscrewing blots in your engine</a:t>
+            </a:r>
+          </a:p>
+          <a:p>
+            <a:pPr lvl="2"/>
+            <a:r>
+              <a:rPr lang="en-US" dirty="0"/>
+              <a:t>It’s not something you will learn in 7 slides</a:t>
+            </a:r>
+          </a:p>
+          <a:p>
+            <a:pPr lvl="1"/>
+            <a:r>
+              <a:rPr lang="en-US" dirty="0"/>
+              <a:t>But you need to know it exists!</a:t>
+            </a:r>
+          </a:p>
+          <a:p>
+            <a:endParaRPr lang="en-BE" dirty="0"/>
+          </a:p>
+        </p:txBody>
+      </p:sp>
+      <p:pic>
+        <p:nvPicPr>
+          <p:cNvPr id="5" name="Picture 4" descr="A red pepper on a black background&#10;&#10;Description automatically generated with medium confidence">
+            <a:extLst>
+              <a:ext uri="{FF2B5EF4-FFF2-40B4-BE49-F238E27FC236}">
+                <a16:creationId xmlns:a16="http://schemas.microsoft.com/office/drawing/2014/main" id="{C19BAF0C-F6FC-FBDA-36B4-CB86C6409752}"/>
+              </a:ext>
+            </a:extLst>
+          </p:cNvPr>
+          <p:cNvPicPr>
+            <a:picLocks noChangeAspect="1"/>
+          </p:cNvPicPr>
+          <p:nvPr/>
+        </p:nvPicPr>
+        <p:blipFill>
+          <a:blip r:embed="rId2">
+            <a:extLst>
+              <a:ext uri="{28A0092B-C50C-407E-A947-70E740481C1C}">
+                <a14:useLocalDpi xmlns:a14="http://schemas.microsoft.com/office/drawing/2010/main" val="0"/>
+              </a:ext>
+            </a:extLst>
+          </a:blip>
+          <a:stretch>
+            <a:fillRect/>
+          </a:stretch>
+        </p:blipFill>
+        <p:spPr>
+          <a:xfrm>
+            <a:off x="2727956" y="1690688"/>
+            <a:ext cx="918214" cy="609751"/>
+          </a:xfrm>
+          <a:prstGeom prst="rect">
+            <a:avLst/>
+          </a:prstGeom>
+        </p:spPr>
+      </p:pic>
+    </p:spTree>
+    <p:extLst>
+      <p:ext uri="{BB962C8B-B14F-4D97-AF65-F5344CB8AC3E}">
+        <p14:creationId xmlns:p14="http://schemas.microsoft.com/office/powerpoint/2010/main" val="2594315022"/>
+      </p:ext>
+    </p:extLst>
+  </p:cSld>
+  <p:clrMapOvr>
+    <a:masterClrMapping/>
+  </p:clrMapOvr>
+</p:sld>
+</file>
+
+<file path=ppt/slides/slide6.xml><?xml version="1.0" encoding="utf-8"?>
+<p:sld xmlns:a="http://schemas.openxmlformats.org/drawingml/2006/main" xmlns:r="http://schemas.openxmlformats.org/officeDocument/2006/relationships" xmlns:p="http://schemas.openxmlformats.org/presentationml/2006/main">
+  <p:cSld>
+    <p:spTree>
+      <p:nvGrpSpPr>
+        <p:cNvPr id="1" name=""/>
+        <p:cNvGrpSpPr/>
+        <p:nvPr/>
+      </p:nvGrpSpPr>
+      <p:grpSpPr>
+        <a:xfrm>
+          <a:off x="0" y="0"/>
+          <a:ext cx="0" cy="0"/>
+          <a:chOff x="0" y="0"/>
+          <a:chExt cx="0" cy="0"/>
+        </a:xfrm>
+      </p:grpSpPr>
+      <p:sp>
+        <p:nvSpPr>
+          <p:cNvPr id="3" name="Content Placeholder 2">
+            <a:extLst>
+              <a:ext uri="{FF2B5EF4-FFF2-40B4-BE49-F238E27FC236}">
+                <a16:creationId xmlns:a16="http://schemas.microsoft.com/office/drawing/2014/main" id="{86EF8D12-956E-3AAD-0D58-61489438155C}"/>
+              </a:ext>
+            </a:extLst>
+          </p:cNvPr>
+          <p:cNvSpPr>
+            <a:spLocks noGrp="1"/>
+          </p:cNvSpPr>
+          <p:nvPr>
+            <p:ph idx="1"/>
+          </p:nvPr>
+        </p:nvSpPr>
+        <p:spPr>
+          <a:xfrm>
+            <a:off x="838200" y="4568503"/>
+            <a:ext cx="10515600" cy="1608459"/>
+          </a:xfrm>
+        </p:spPr>
+        <p:txBody>
+          <a:bodyPr/>
+          <a:lstStyle/>
+          <a:p>
+            <a:pPr marL="0" indent="0" algn="ctr">
+              <a:buNone/>
+            </a:pPr>
+            <a:r>
+              <a:rPr lang="en-US" dirty="0">
+                <a:solidFill>
+                  <a:srgbClr val="FF0000"/>
+                </a:solidFill>
+              </a:rPr>
+              <a:t>You already know this part</a:t>
+            </a:r>
+          </a:p>
+          <a:p>
+            <a:pPr marL="0" indent="0" algn="ctr">
+              <a:buNone/>
+            </a:pPr>
+            <a:r>
+              <a:rPr lang="en-US" dirty="0">
+                <a:solidFill>
+                  <a:srgbClr val="FF0000"/>
+                </a:solidFill>
+              </a:rPr>
+              <a:t>You learned it in at least one other course before</a:t>
+            </a:r>
+          </a:p>
+          <a:p>
+            <a:pPr marL="0" indent="0" algn="ctr">
+              <a:buNone/>
+            </a:pPr>
+            <a:r>
+              <a:rPr lang="en-US" dirty="0">
+                <a:solidFill>
+                  <a:srgbClr val="FF0000"/>
+                </a:solidFill>
+              </a:rPr>
+              <a:t>Try not to fall asleep</a:t>
+            </a:r>
+            <a:endParaRPr lang="en-BE" dirty="0">
+              <a:solidFill>
+                <a:srgbClr val="FF0000"/>
+              </a:solidFill>
+            </a:endParaRPr>
+          </a:p>
+        </p:txBody>
+      </p:sp>
+      <p:pic>
+        <p:nvPicPr>
+          <p:cNvPr id="7" name="Picture 6" descr="A yellow sign with black text&#10;&#10;Description automatically generated with medium confidence">
+            <a:extLst>
+              <a:ext uri="{FF2B5EF4-FFF2-40B4-BE49-F238E27FC236}">
+                <a16:creationId xmlns:a16="http://schemas.microsoft.com/office/drawing/2014/main" id="{BB116B89-60F0-53BA-A5AB-8E71B728ED3B}"/>
+              </a:ext>
+            </a:extLst>
+          </p:cNvPr>
+          <p:cNvPicPr>
+            <a:picLocks noChangeAspect="1"/>
+          </p:cNvPicPr>
+          <p:nvPr/>
+        </p:nvPicPr>
+        <p:blipFill>
+          <a:blip r:embed="rId2">
+            <a:extLst>
+              <a:ext uri="{28A0092B-C50C-407E-A947-70E740481C1C}">
+                <a14:useLocalDpi xmlns:a14="http://schemas.microsoft.com/office/drawing/2010/main" val="0"/>
+              </a:ext>
+            </a:extLst>
+          </a:blip>
+          <a:stretch>
+            <a:fillRect/>
+          </a:stretch>
+        </p:blipFill>
+        <p:spPr>
+          <a:xfrm>
+            <a:off x="4503263" y="1383029"/>
+            <a:ext cx="3185474" cy="3185474"/>
+          </a:xfrm>
+          <a:prstGeom prst="rect">
+            <a:avLst/>
+          </a:prstGeom>
+        </p:spPr>
+      </p:pic>
+      <p:sp>
+        <p:nvSpPr>
+          <p:cNvPr id="8" name="Title 1">
+            <a:extLst>
+              <a:ext uri="{FF2B5EF4-FFF2-40B4-BE49-F238E27FC236}">
+                <a16:creationId xmlns:a16="http://schemas.microsoft.com/office/drawing/2014/main" id="{A0A6E142-8AC5-275D-BC26-D7047689E8E5}"/>
+              </a:ext>
+            </a:extLst>
+          </p:cNvPr>
+          <p:cNvSpPr>
+            <a:spLocks noGrp="1"/>
+          </p:cNvSpPr>
+          <p:nvPr>
+            <p:ph type="title"/>
+          </p:nvPr>
+        </p:nvSpPr>
+        <p:spPr>
+          <a:xfrm>
+            <a:off x="838200" y="365125"/>
+            <a:ext cx="10515600" cy="1325563"/>
+          </a:xfrm>
+        </p:spPr>
+        <p:txBody>
+          <a:bodyPr/>
+          <a:lstStyle/>
+          <a:p>
+            <a:pPr algn="ctr"/>
+            <a:r>
+              <a:rPr lang="en-US" dirty="0"/>
+              <a:t>Covariation and correlation</a:t>
+            </a:r>
+            <a:endParaRPr lang="en-BE" dirty="0"/>
+          </a:p>
+        </p:txBody>
+      </p:sp>
+    </p:spTree>
+    <p:extLst>
+      <p:ext uri="{BB962C8B-B14F-4D97-AF65-F5344CB8AC3E}">
+        <p14:creationId xmlns:p14="http://schemas.microsoft.com/office/powerpoint/2010/main" val="3458274451"/>
+      </p:ext>
+    </p:extLst>
+  </p:cSld>
+  <p:clrMapOvr>
+    <a:masterClrMapping/>
+  </p:clrMapOvr>
+</p:sld>
+</file>
+
+<file path=ppt/slides/slide7.xml><?xml version="1.0" encoding="utf-8"?>
+<p:sld xmlns:a="http://schemas.openxmlformats.org/drawingml/2006/main" xmlns:r="http://schemas.openxmlformats.org/officeDocument/2006/relationships" xmlns:p="http://schemas.openxmlformats.org/presentationml/2006/main">
+  <p:cSld>
+    <p:spTree>
+      <p:nvGrpSpPr>
+        <p:cNvPr id="1" name=""/>
+        <p:cNvGrpSpPr/>
+        <p:nvPr/>
+      </p:nvGrpSpPr>
+      <p:grpSpPr>
+        <a:xfrm>
+          <a:off x="0" y="0"/>
+          <a:ext cx="0" cy="0"/>
+          <a:chOff x="0" y="0"/>
+          <a:chExt cx="0" cy="0"/>
+        </a:xfrm>
+      </p:grpSpPr>
+      <p:sp>
+        <p:nvSpPr>
+          <p:cNvPr id="2" name="Title 1">
+            <a:extLst>
+              <a:ext uri="{FF2B5EF4-FFF2-40B4-BE49-F238E27FC236}">
                 <a16:creationId xmlns:a16="http://schemas.microsoft.com/office/drawing/2014/main" id="{04B3C494-60C1-F2B0-6B62-A51F85919688}"/>
               </a:ext>
             </a:extLst>
@@ -4543,45 +7092,336 @@
           <a:p>
             <a:r>
               <a:rPr lang="en-US" dirty="0"/>
-              <a:t>Correlation</a:t>
+              <a:t>Covariation</a:t>
             </a:r>
             <a:endParaRPr lang="en-BE" dirty="0"/>
           </a:p>
         </p:txBody>
       </p:sp>
-      <p:sp>
-        <p:nvSpPr>
-          <p:cNvPr id="3" name="Content Placeholder 2">
-            <a:extLst>
-              <a:ext uri="{FF2B5EF4-FFF2-40B4-BE49-F238E27FC236}">
-                <a16:creationId xmlns:a16="http://schemas.microsoft.com/office/drawing/2014/main" id="{820F0F27-D7EF-6BB5-B33A-6949DC1E728D}"/>
-              </a:ext>
-            </a:extLst>
-          </p:cNvPr>
-          <p:cNvSpPr>
-            <a:spLocks noGrp="1"/>
-          </p:cNvSpPr>
-          <p:nvPr>
-            <p:ph idx="1"/>
-          </p:nvPr>
-        </p:nvSpPr>
-        <p:spPr/>
-        <p:txBody>
-          <a:bodyPr/>
-          <a:lstStyle/>
-          <a:p>
-            <a:r>
-              <a:rPr lang="en-US" dirty="0"/>
-              <a:t>Also correlation matrix</a:t>
-            </a:r>
-            <a:endParaRPr lang="en-BE" dirty="0"/>
-          </a:p>
-        </p:txBody>
-      </p:sp>
+      <p:pic>
+        <p:nvPicPr>
+          <p:cNvPr id="6" name="Picture 5">
+            <a:extLst>
+              <a:ext uri="{FF2B5EF4-FFF2-40B4-BE49-F238E27FC236}">
+                <a16:creationId xmlns:a16="http://schemas.microsoft.com/office/drawing/2014/main" id="{9966F9F7-D69A-FB85-3D66-7FC298A5182E}"/>
+              </a:ext>
+            </a:extLst>
+          </p:cNvPr>
+          <p:cNvPicPr>
+            <a:picLocks noChangeAspect="1"/>
+          </p:cNvPicPr>
+          <p:nvPr/>
+        </p:nvPicPr>
+        <p:blipFill>
+          <a:blip r:embed="rId2"/>
+          <a:stretch>
+            <a:fillRect/>
+          </a:stretch>
+        </p:blipFill>
+        <p:spPr>
+          <a:xfrm>
+            <a:off x="363590" y="1565176"/>
+            <a:ext cx="4697381" cy="5292824"/>
+          </a:xfrm>
+          <a:prstGeom prst="rect">
+            <a:avLst/>
+          </a:prstGeom>
+        </p:spPr>
+      </p:pic>
+      <p:pic>
+        <p:nvPicPr>
+          <p:cNvPr id="7" name="Picture 6">
+            <a:extLst>
+              <a:ext uri="{FF2B5EF4-FFF2-40B4-BE49-F238E27FC236}">
+                <a16:creationId xmlns:a16="http://schemas.microsoft.com/office/drawing/2014/main" id="{2DEB7268-4B0C-F6E2-FE32-84B526E9DD52}"/>
+              </a:ext>
+            </a:extLst>
+          </p:cNvPr>
+          <p:cNvPicPr>
+            <a:picLocks noChangeAspect="1"/>
+          </p:cNvPicPr>
+          <p:nvPr/>
+        </p:nvPicPr>
+        <p:blipFill>
+          <a:blip r:embed="rId3"/>
+          <a:stretch>
+            <a:fillRect/>
+          </a:stretch>
+        </p:blipFill>
+        <p:spPr>
+          <a:xfrm>
+            <a:off x="7131031" y="1565176"/>
+            <a:ext cx="4930852" cy="5292824"/>
+          </a:xfrm>
+          <a:prstGeom prst="rect">
+            <a:avLst/>
+          </a:prstGeom>
+        </p:spPr>
+      </p:pic>
     </p:spTree>
     <p:extLst>
       <p:ext uri="{BB962C8B-B14F-4D97-AF65-F5344CB8AC3E}">
         <p14:creationId xmlns:p14="http://schemas.microsoft.com/office/powerpoint/2010/main" val="720020292"/>
+      </p:ext>
+    </p:extLst>
+  </p:cSld>
+  <p:clrMapOvr>
+    <a:masterClrMapping/>
+  </p:clrMapOvr>
+</p:sld>
+</file>
+
+<file path=ppt/slides/slide8.xml><?xml version="1.0" encoding="utf-8"?>
+<p:sld xmlns:a="http://schemas.openxmlformats.org/drawingml/2006/main" xmlns:r="http://schemas.openxmlformats.org/officeDocument/2006/relationships" xmlns:p="http://schemas.openxmlformats.org/presentationml/2006/main">
+  <p:cSld>
+    <p:spTree>
+      <p:nvGrpSpPr>
+        <p:cNvPr id="1" name=""/>
+        <p:cNvGrpSpPr/>
+        <p:nvPr/>
+      </p:nvGrpSpPr>
+      <p:grpSpPr>
+        <a:xfrm>
+          <a:off x="0" y="0"/>
+          <a:ext cx="0" cy="0"/>
+          <a:chOff x="0" y="0"/>
+          <a:chExt cx="0" cy="0"/>
+        </a:xfrm>
+      </p:grpSpPr>
+      <p:sp>
+        <p:nvSpPr>
+          <p:cNvPr id="2" name="Title 1">
+            <a:extLst>
+              <a:ext uri="{FF2B5EF4-FFF2-40B4-BE49-F238E27FC236}">
+                <a16:creationId xmlns:a16="http://schemas.microsoft.com/office/drawing/2014/main" id="{9835BD46-16DA-9F38-4B73-D01739111F80}"/>
+              </a:ext>
+            </a:extLst>
+          </p:cNvPr>
+          <p:cNvSpPr>
+            <a:spLocks noGrp="1"/>
+          </p:cNvSpPr>
+          <p:nvPr>
+            <p:ph type="title"/>
+          </p:nvPr>
+        </p:nvSpPr>
+        <p:spPr/>
+        <p:txBody>
+          <a:bodyPr/>
+          <a:lstStyle/>
+          <a:p>
+            <a:r>
+              <a:rPr lang="en-US" dirty="0"/>
+              <a:t>Using math</a:t>
+            </a:r>
+            <a:endParaRPr lang="en-BE" dirty="0"/>
+          </a:p>
+        </p:txBody>
+      </p:sp>
+      <p:pic>
+        <p:nvPicPr>
+          <p:cNvPr id="4" name="Picture 3">
+            <a:extLst>
+              <a:ext uri="{FF2B5EF4-FFF2-40B4-BE49-F238E27FC236}">
+                <a16:creationId xmlns:a16="http://schemas.microsoft.com/office/drawing/2014/main" id="{CB2EFEE6-B3C0-3D9B-1F87-F65558482777}"/>
+              </a:ext>
+            </a:extLst>
+          </p:cNvPr>
+          <p:cNvPicPr>
+            <a:picLocks noChangeAspect="1"/>
+          </p:cNvPicPr>
+          <p:nvPr/>
+        </p:nvPicPr>
+        <p:blipFill>
+          <a:blip r:embed="rId3"/>
+          <a:stretch>
+            <a:fillRect/>
+          </a:stretch>
+        </p:blipFill>
+        <p:spPr>
+          <a:xfrm>
+            <a:off x="830580" y="1556994"/>
+            <a:ext cx="4869180" cy="4935881"/>
+          </a:xfrm>
+          <a:prstGeom prst="rect">
+            <a:avLst/>
+          </a:prstGeom>
+        </p:spPr>
+      </p:pic>
+      <p:pic>
+        <p:nvPicPr>
+          <p:cNvPr id="5" name="Picture 4">
+            <a:extLst>
+              <a:ext uri="{FF2B5EF4-FFF2-40B4-BE49-F238E27FC236}">
+                <a16:creationId xmlns:a16="http://schemas.microsoft.com/office/drawing/2014/main" id="{D44CA31F-D306-813E-7860-E362C89329C3}"/>
+              </a:ext>
+            </a:extLst>
+          </p:cNvPr>
+          <p:cNvPicPr>
+            <a:picLocks noChangeAspect="1"/>
+          </p:cNvPicPr>
+          <p:nvPr/>
+        </p:nvPicPr>
+        <p:blipFill>
+          <a:blip r:embed="rId4"/>
+          <a:stretch>
+            <a:fillRect/>
+          </a:stretch>
+        </p:blipFill>
+        <p:spPr>
+          <a:xfrm>
+            <a:off x="6651302" y="1556994"/>
+            <a:ext cx="4710118" cy="3914700"/>
+          </a:xfrm>
+          <a:prstGeom prst="rect">
+            <a:avLst/>
+          </a:prstGeom>
+        </p:spPr>
+      </p:pic>
+    </p:spTree>
+    <p:extLst>
+      <p:ext uri="{BB962C8B-B14F-4D97-AF65-F5344CB8AC3E}">
+        <p14:creationId xmlns:p14="http://schemas.microsoft.com/office/powerpoint/2010/main" val="3813132290"/>
+      </p:ext>
+    </p:extLst>
+  </p:cSld>
+  <p:clrMapOvr>
+    <a:masterClrMapping/>
+  </p:clrMapOvr>
+</p:sld>
+</file>
+
+<file path=ppt/slides/slide9.xml><?xml version="1.0" encoding="utf-8"?>
+<p:sld xmlns:a="http://schemas.openxmlformats.org/drawingml/2006/main" xmlns:r="http://schemas.openxmlformats.org/officeDocument/2006/relationships" xmlns:p="http://schemas.openxmlformats.org/presentationml/2006/main">
+  <p:cSld>
+    <p:spTree>
+      <p:nvGrpSpPr>
+        <p:cNvPr id="1" name=""/>
+        <p:cNvGrpSpPr/>
+        <p:nvPr/>
+      </p:nvGrpSpPr>
+      <p:grpSpPr>
+        <a:xfrm>
+          <a:off x="0" y="0"/>
+          <a:ext cx="0" cy="0"/>
+          <a:chOff x="0" y="0"/>
+          <a:chExt cx="0" cy="0"/>
+        </a:xfrm>
+      </p:grpSpPr>
+      <p:sp>
+        <p:nvSpPr>
+          <p:cNvPr id="2" name="Title 1">
+            <a:extLst>
+              <a:ext uri="{FF2B5EF4-FFF2-40B4-BE49-F238E27FC236}">
+                <a16:creationId xmlns:a16="http://schemas.microsoft.com/office/drawing/2014/main" id="{D1F6B91D-C934-E5F6-C990-1E210E76742F}"/>
+              </a:ext>
+            </a:extLst>
+          </p:cNvPr>
+          <p:cNvSpPr>
+            <a:spLocks noGrp="1"/>
+          </p:cNvSpPr>
+          <p:nvPr>
+            <p:ph type="title"/>
+          </p:nvPr>
+        </p:nvSpPr>
+        <p:spPr/>
+        <p:txBody>
+          <a:bodyPr/>
+          <a:lstStyle/>
+          <a:p>
+            <a:r>
+              <a:rPr lang="nl-BE" dirty="0" err="1"/>
+              <a:t>Correlation</a:t>
+            </a:r>
+            <a:r>
+              <a:rPr lang="nl-BE" dirty="0"/>
+              <a:t> = </a:t>
+            </a:r>
+            <a:r>
+              <a:rPr lang="nl-BE" dirty="0" err="1"/>
+              <a:t>measure</a:t>
+            </a:r>
+            <a:r>
+              <a:rPr lang="nl-BE" dirty="0"/>
+              <a:t> of </a:t>
+            </a:r>
+            <a:r>
+              <a:rPr lang="nl-BE" dirty="0" err="1"/>
+              <a:t>strength</a:t>
+            </a:r>
+            <a:endParaRPr lang="en-BE" dirty="0"/>
+          </a:p>
+        </p:txBody>
+      </p:sp>
+      <p:pic>
+        <p:nvPicPr>
+          <p:cNvPr id="4" name="Picture 3">
+            <a:extLst>
+              <a:ext uri="{FF2B5EF4-FFF2-40B4-BE49-F238E27FC236}">
+                <a16:creationId xmlns:a16="http://schemas.microsoft.com/office/drawing/2014/main" id="{0B974652-8B3B-D17F-A83E-F7ED4EDB9195}"/>
+              </a:ext>
+            </a:extLst>
+          </p:cNvPr>
+          <p:cNvPicPr>
+            <a:picLocks noChangeAspect="1"/>
+          </p:cNvPicPr>
+          <p:nvPr/>
+        </p:nvPicPr>
+        <p:blipFill>
+          <a:blip r:embed="rId2"/>
+          <a:stretch>
+            <a:fillRect/>
+          </a:stretch>
+        </p:blipFill>
+        <p:spPr>
+          <a:xfrm>
+            <a:off x="2320290" y="1690688"/>
+            <a:ext cx="7712906" cy="4678453"/>
+          </a:xfrm>
+          <a:prstGeom prst="rect">
+            <a:avLst/>
+          </a:prstGeom>
+        </p:spPr>
+      </p:pic>
+      <p:pic>
+        <p:nvPicPr>
+          <p:cNvPr id="6" name="Picture 5" descr="A cartoon of a child flexing his arm&#10;&#10;Description automatically generated">
+            <a:extLst>
+              <a:ext uri="{FF2B5EF4-FFF2-40B4-BE49-F238E27FC236}">
+                <a16:creationId xmlns:a16="http://schemas.microsoft.com/office/drawing/2014/main" id="{81E3105C-561A-BB76-32FB-AFB64D7476AD}"/>
+              </a:ext>
+            </a:extLst>
+          </p:cNvPr>
+          <p:cNvPicPr>
+            <a:picLocks noChangeAspect="1"/>
+          </p:cNvPicPr>
+          <p:nvPr/>
+        </p:nvPicPr>
+        <p:blipFill>
+          <a:blip r:embed="rId3">
+            <a:extLst>
+              <a:ext uri="{28A0092B-C50C-407E-A947-70E740481C1C}">
+                <a14:useLocalDpi xmlns:a14="http://schemas.microsoft.com/office/drawing/2010/main" val="0"/>
+              </a:ext>
+            </a:extLst>
+          </a:blip>
+          <a:stretch>
+            <a:fillRect/>
+          </a:stretch>
+        </p:blipFill>
+        <p:spPr>
+          <a:xfrm>
+            <a:off x="10415706" y="4720590"/>
+            <a:ext cx="1536263" cy="2137410"/>
+          </a:xfrm>
+          <a:prstGeom prst="rect">
+            <a:avLst/>
+          </a:prstGeom>
+        </p:spPr>
+      </p:pic>
+    </p:spTree>
+    <p:extLst>
+      <p:ext uri="{BB962C8B-B14F-4D97-AF65-F5344CB8AC3E}">
+        <p14:creationId xmlns:p14="http://schemas.microsoft.com/office/powerpoint/2010/main" val="447333039"/>
       </p:ext>
     </p:extLst>
   </p:cSld>

--- a/PPT/3 - Implementing a pipeline.pptx
+++ b/PPT/3 - Implementing a pipeline.pptx
@@ -5,7 +5,7 @@
     <p:sldMasterId id="2147483648" r:id="rId1"/>
   </p:sldMasterIdLst>
   <p:notesMasterIdLst>
-    <p:notesMasterId r:id="rId19"/>
+    <p:notesMasterId r:id="rId21"/>
   </p:notesMasterIdLst>
   <p:sldIdLst>
     <p:sldId id="256" r:id="rId2"/>
@@ -24,7 +24,9 @@
     <p:sldId id="261" r:id="rId15"/>
     <p:sldId id="272" r:id="rId16"/>
     <p:sldId id="283" r:id="rId17"/>
-    <p:sldId id="263" r:id="rId18"/>
+    <p:sldId id="284" r:id="rId18"/>
+    <p:sldId id="285" r:id="rId19"/>
+    <p:sldId id="286" r:id="rId20"/>
   </p:sldIdLst>
   <p:sldSz cx="12192000" cy="6858000"/>
   <p:notesSz cx="6858000" cy="9144000"/>
@@ -156,7 +158,9 @@
         </p14:section>
         <p14:section name="Model quality" id="{4F2EDD26-9638-4E85-9C8F-75F5B0C84F79}">
           <p14:sldIdLst>
-            <p14:sldId id="263"/>
+            <p14:sldId id="284"/>
+            <p14:sldId id="285"/>
+            <p14:sldId id="286"/>
           </p14:sldIdLst>
         </p14:section>
       </p14:sectionLst>
@@ -171,7 +175,7 @@
 <file path=ppt/revisionInfo.xml><?xml version="1.0" encoding="utf-8"?>
 <p1510:revInfo xmlns:a="http://schemas.openxmlformats.org/drawingml/2006/main" xmlns:r="http://schemas.openxmlformats.org/officeDocument/2006/relationships" xmlns:p1510="http://schemas.microsoft.com/office/powerpoint/2015/10/main">
   <p1510:revLst>
-    <p1510:client id="{169A5283-A155-458D-8151-1CEB2FF4B48D}" v="17" dt="2023-06-14T13:25:32.789"/>
+    <p1510:client id="{169A5283-A155-458D-8151-1CEB2FF4B48D}" v="19" dt="2023-06-15T13:23:18.548"/>
   </p1510:revLst>
 </p1510:revInfo>
 </file>
@@ -181,7 +185,7 @@
   <pc:docChgLst>
     <pc:chgData name="Jochen Mariën" userId="a4f8d9ed-3895-4365-b2d5-9432cb8a20d4" providerId="ADAL" clId="{169A5283-A155-458D-8151-1CEB2FF4B48D}"/>
     <pc:docChg chg="undo custSel addSld delSld modSld addSection modSection">
-      <pc:chgData name="Jochen Mariën" userId="a4f8d9ed-3895-4365-b2d5-9432cb8a20d4" providerId="ADAL" clId="{169A5283-A155-458D-8151-1CEB2FF4B48D}" dt="2023-06-14T13:26:44.143" v="3644" actId="17846"/>
+      <pc:chgData name="Jochen Mariën" userId="a4f8d9ed-3895-4365-b2d5-9432cb8a20d4" providerId="ADAL" clId="{169A5283-A155-458D-8151-1CEB2FF4B48D}" dt="2023-06-15T13:23:37.621" v="4130"/>
       <pc:docMkLst>
         <pc:docMk/>
       </pc:docMkLst>
@@ -388,7 +392,7 @@
         </pc:picChg>
       </pc:sldChg>
       <pc:sldChg chg="addSp modSp new mod">
-        <pc:chgData name="Jochen Mariën" userId="a4f8d9ed-3895-4365-b2d5-9432cb8a20d4" providerId="ADAL" clId="{169A5283-A155-458D-8151-1CEB2FF4B48D}" dt="2023-06-14T08:07:51.688" v="1635" actId="15"/>
+        <pc:chgData name="Jochen Mariën" userId="a4f8d9ed-3895-4365-b2d5-9432cb8a20d4" providerId="ADAL" clId="{169A5283-A155-458D-8151-1CEB2FF4B48D}" dt="2023-06-15T10:18:06.136" v="3652" actId="20577"/>
         <pc:sldMkLst>
           <pc:docMk/>
           <pc:sldMk cId="2594315022" sldId="262"/>
@@ -402,7 +406,7 @@
           </ac:spMkLst>
         </pc:spChg>
         <pc:spChg chg="mod">
-          <ac:chgData name="Jochen Mariën" userId="a4f8d9ed-3895-4365-b2d5-9432cb8a20d4" providerId="ADAL" clId="{169A5283-A155-458D-8151-1CEB2FF4B48D}" dt="2023-06-14T08:07:51.688" v="1635" actId="15"/>
+          <ac:chgData name="Jochen Mariën" userId="a4f8d9ed-3895-4365-b2d5-9432cb8a20d4" providerId="ADAL" clId="{169A5283-A155-458D-8151-1CEB2FF4B48D}" dt="2023-06-15T10:18:06.136" v="3652" actId="20577"/>
           <ac:spMkLst>
             <pc:docMk/>
             <pc:sldMk cId="2594315022" sldId="262"/>
@@ -418,8 +422,8 @@
           </ac:picMkLst>
         </pc:picChg>
       </pc:sldChg>
-      <pc:sldChg chg="modSp new mod">
-        <pc:chgData name="Jochen Mariën" userId="a4f8d9ed-3895-4365-b2d5-9432cb8a20d4" providerId="ADAL" clId="{169A5283-A155-458D-8151-1CEB2FF4B48D}" dt="2023-06-14T07:57:09.418" v="1283" actId="20577"/>
+      <pc:sldChg chg="modSp new del mod">
+        <pc:chgData name="Jochen Mariën" userId="a4f8d9ed-3895-4365-b2d5-9432cb8a20d4" providerId="ADAL" clId="{169A5283-A155-458D-8151-1CEB2FF4B48D}" dt="2023-06-15T10:17:38.444" v="3648" actId="47"/>
         <pc:sldMkLst>
           <pc:docMk/>
           <pc:sldMk cId="3927608253" sldId="263"/>
@@ -765,6 +769,59 @@
           </ac:spMkLst>
         </pc:spChg>
       </pc:sldChg>
+      <pc:sldChg chg="modSp add mod">
+        <pc:chgData name="Jochen Mariën" userId="a4f8d9ed-3895-4365-b2d5-9432cb8a20d4" providerId="ADAL" clId="{169A5283-A155-458D-8151-1CEB2FF4B48D}" dt="2023-06-15T10:17:34.072" v="3647" actId="20577"/>
+        <pc:sldMkLst>
+          <pc:docMk/>
+          <pc:sldMk cId="2834888641" sldId="284"/>
+        </pc:sldMkLst>
+        <pc:spChg chg="mod">
+          <ac:chgData name="Jochen Mariën" userId="a4f8d9ed-3895-4365-b2d5-9432cb8a20d4" providerId="ADAL" clId="{169A5283-A155-458D-8151-1CEB2FF4B48D}" dt="2023-06-15T10:17:34.072" v="3647" actId="20577"/>
+          <ac:spMkLst>
+            <pc:docMk/>
+            <pc:sldMk cId="2834888641" sldId="284"/>
+            <ac:spMk id="3" creationId="{3964442C-3F27-3637-6FFB-0D5CBA048182}"/>
+          </ac:spMkLst>
+        </pc:spChg>
+      </pc:sldChg>
+      <pc:sldChg chg="modSp new mod modNotesTx">
+        <pc:chgData name="Jochen Mariën" userId="a4f8d9ed-3895-4365-b2d5-9432cb8a20d4" providerId="ADAL" clId="{169A5283-A155-458D-8151-1CEB2FF4B48D}" dt="2023-06-15T13:14:16.854" v="4128" actId="20577"/>
+        <pc:sldMkLst>
+          <pc:docMk/>
+          <pc:sldMk cId="732849224" sldId="285"/>
+        </pc:sldMkLst>
+        <pc:spChg chg="mod">
+          <ac:chgData name="Jochen Mariën" userId="a4f8d9ed-3895-4365-b2d5-9432cb8a20d4" providerId="ADAL" clId="{169A5283-A155-458D-8151-1CEB2FF4B48D}" dt="2023-06-15T12:57:16.747" v="3674" actId="20577"/>
+          <ac:spMkLst>
+            <pc:docMk/>
+            <pc:sldMk cId="732849224" sldId="285"/>
+            <ac:spMk id="2" creationId="{9EB4D6EB-64EA-A3F1-DDF4-CC50FDA1394A}"/>
+          </ac:spMkLst>
+        </pc:spChg>
+        <pc:spChg chg="mod">
+          <ac:chgData name="Jochen Mariën" userId="a4f8d9ed-3895-4365-b2d5-9432cb8a20d4" providerId="ADAL" clId="{169A5283-A155-458D-8151-1CEB2FF4B48D}" dt="2023-06-15T13:14:16.854" v="4128" actId="20577"/>
+          <ac:spMkLst>
+            <pc:docMk/>
+            <pc:sldMk cId="732849224" sldId="285"/>
+            <ac:spMk id="3" creationId="{3D2D5ABE-D0DD-F07A-F11B-7B91DE3A8FF4}"/>
+          </ac:spMkLst>
+        </pc:spChg>
+      </pc:sldChg>
+      <pc:sldChg chg="modSp add mod">
+        <pc:chgData name="Jochen Mariën" userId="a4f8d9ed-3895-4365-b2d5-9432cb8a20d4" providerId="ADAL" clId="{169A5283-A155-458D-8151-1CEB2FF4B48D}" dt="2023-06-15T13:23:37.621" v="4130"/>
+        <pc:sldMkLst>
+          <pc:docMk/>
+          <pc:sldMk cId="3375754809" sldId="286"/>
+        </pc:sldMkLst>
+        <pc:spChg chg="mod">
+          <ac:chgData name="Jochen Mariën" userId="a4f8d9ed-3895-4365-b2d5-9432cb8a20d4" providerId="ADAL" clId="{169A5283-A155-458D-8151-1CEB2FF4B48D}" dt="2023-06-15T13:23:37.621" v="4130"/>
+          <ac:spMkLst>
+            <pc:docMk/>
+            <pc:sldMk cId="3375754809" sldId="286"/>
+            <ac:spMk id="6" creationId="{D495E83A-ED71-E362-961B-89F19E10CB54}"/>
+          </ac:spMkLst>
+        </pc:spChg>
+      </pc:sldChg>
     </pc:docChg>
   </pc:docChgLst>
 </pc:chgInfo>
@@ -852,7 +909,7 @@
           <a:p>
             <a:fld id="{317ED673-6312-41FB-80FD-10C3AB5FC5DB}" type="datetimeFigureOut">
               <a:rPr lang="en-BE" smtClean="0"/>
-              <a:t>14/06/2023</a:t>
+              <a:t>15/06/2023</a:t>
             </a:fld>
             <a:endParaRPr lang="en-BE"/>
           </a:p>
@@ -1719,6 +1776,116 @@
 </p:notes>
 </file>
 
+<file path=ppt/notesSlides/notesSlide5.xml><?xml version="1.0" encoding="utf-8"?>
+<p:notes xmlns:a="http://schemas.openxmlformats.org/drawingml/2006/main" xmlns:r="http://schemas.openxmlformats.org/officeDocument/2006/relationships" xmlns:p="http://schemas.openxmlformats.org/presentationml/2006/main">
+  <p:cSld>
+    <p:spTree>
+      <p:nvGrpSpPr>
+        <p:cNvPr id="1" name=""/>
+        <p:cNvGrpSpPr/>
+        <p:nvPr/>
+      </p:nvGrpSpPr>
+      <p:grpSpPr>
+        <a:xfrm>
+          <a:off x="0" y="0"/>
+          <a:ext cx="0" cy="0"/>
+          <a:chOff x="0" y="0"/>
+          <a:chExt cx="0" cy="0"/>
+        </a:xfrm>
+      </p:grpSpPr>
+      <p:sp>
+        <p:nvSpPr>
+          <p:cNvPr id="2" name="Slide Image Placeholder 1"/>
+          <p:cNvSpPr>
+            <a:spLocks noGrp="1" noRot="1" noChangeAspect="1"/>
+          </p:cNvSpPr>
+          <p:nvPr>
+            <p:ph type="sldImg"/>
+          </p:nvPr>
+        </p:nvSpPr>
+        <p:spPr/>
+      </p:sp>
+      <p:sp>
+        <p:nvSpPr>
+          <p:cNvPr id="3" name="Notes Placeholder 2"/>
+          <p:cNvSpPr>
+            <a:spLocks noGrp="1"/>
+          </p:cNvSpPr>
+          <p:nvPr>
+            <p:ph type="body" idx="1"/>
+          </p:nvPr>
+        </p:nvSpPr>
+        <p:spPr/>
+        <p:txBody>
+          <a:bodyPr/>
+          <a:lstStyle/>
+          <a:p>
+            <a:r>
+              <a:rPr lang="en-US" dirty="0"/>
+              <a:t>ROC and thresholds</a:t>
+            </a:r>
+          </a:p>
+          <a:p>
+            <a:pPr lvl="1"/>
+            <a:r>
+              <a:rPr lang="en-US" dirty="0"/>
+              <a:t>Draw different sensitivity and specificity to find best threshold</a:t>
+            </a:r>
+          </a:p>
+          <a:p>
+            <a:r>
+              <a:rPr lang="en-US" dirty="0"/>
+              <a:t>AUC-ROC</a:t>
+            </a:r>
+          </a:p>
+          <a:p>
+            <a:pPr lvl="1"/>
+            <a:r>
+              <a:rPr lang="en-US" dirty="0"/>
+              <a:t>Find best ROC-curve among many</a:t>
+            </a:r>
+          </a:p>
+          <a:p>
+            <a:endParaRPr lang="en-BE" dirty="0"/>
+          </a:p>
+        </p:txBody>
+      </p:sp>
+      <p:sp>
+        <p:nvSpPr>
+          <p:cNvPr id="4" name="Slide Number Placeholder 3"/>
+          <p:cNvSpPr>
+            <a:spLocks noGrp="1"/>
+          </p:cNvSpPr>
+          <p:nvPr>
+            <p:ph type="sldNum" sz="quarter" idx="5"/>
+          </p:nvPr>
+        </p:nvSpPr>
+        <p:spPr/>
+        <p:txBody>
+          <a:bodyPr/>
+          <a:lstStyle/>
+          <a:p>
+            <a:fld id="{A0C73FC6-44B0-414C-9FF0-2FB975C533C5}" type="slidenum">
+              <a:rPr lang="en-BE" smtClean="0"/>
+              <a:t>18</a:t>
+            </a:fld>
+            <a:endParaRPr lang="en-BE"/>
+          </a:p>
+        </p:txBody>
+      </p:sp>
+    </p:spTree>
+    <p:extLst>
+      <p:ext uri="{BB962C8B-B14F-4D97-AF65-F5344CB8AC3E}">
+        <p14:creationId xmlns:p14="http://schemas.microsoft.com/office/powerpoint/2010/main" val="2679468370"/>
+      </p:ext>
+    </p:extLst>
+  </p:cSld>
+  <p:clrMapOvr>
+    <a:masterClrMapping/>
+  </p:clrMapOvr>
+</p:notes>
+</file>
+
 <file path=ppt/slideLayouts/slideLayout1.xml><?xml version="1.0" encoding="utf-8"?>
 <p:sldLayout xmlns:a="http://schemas.openxmlformats.org/drawingml/2006/main" xmlns:r="http://schemas.openxmlformats.org/officeDocument/2006/relationships" xmlns:p="http://schemas.openxmlformats.org/presentationml/2006/main" type="title" preserve="1">
   <p:cSld name="Title Slide">
@@ -1868,7 +2035,7 @@
           <a:p>
             <a:fld id="{2AE6E201-50E9-442F-A741-BC702F6FB3EA}" type="datetimeFigureOut">
               <a:rPr lang="en-BE" smtClean="0"/>
-              <a:t>14/06/2023</a:t>
+              <a:t>15/06/2023</a:t>
             </a:fld>
             <a:endParaRPr lang="en-BE"/>
           </a:p>
@@ -2068,7 +2235,7 @@
           <a:p>
             <a:fld id="{2AE6E201-50E9-442F-A741-BC702F6FB3EA}" type="datetimeFigureOut">
               <a:rPr lang="en-BE" smtClean="0"/>
-              <a:t>14/06/2023</a:t>
+              <a:t>15/06/2023</a:t>
             </a:fld>
             <a:endParaRPr lang="en-BE"/>
           </a:p>
@@ -2278,7 +2445,7 @@
           <a:p>
             <a:fld id="{2AE6E201-50E9-442F-A741-BC702F6FB3EA}" type="datetimeFigureOut">
               <a:rPr lang="en-BE" smtClean="0"/>
-              <a:t>14/06/2023</a:t>
+              <a:t>15/06/2023</a:t>
             </a:fld>
             <a:endParaRPr lang="en-BE"/>
           </a:p>
@@ -2478,7 +2645,7 @@
           <a:p>
             <a:fld id="{2AE6E201-50E9-442F-A741-BC702F6FB3EA}" type="datetimeFigureOut">
               <a:rPr lang="en-BE" smtClean="0"/>
-              <a:t>14/06/2023</a:t>
+              <a:t>15/06/2023</a:t>
             </a:fld>
             <a:endParaRPr lang="en-BE"/>
           </a:p>
@@ -2754,7 +2921,7 @@
           <a:p>
             <a:fld id="{2AE6E201-50E9-442F-A741-BC702F6FB3EA}" type="datetimeFigureOut">
               <a:rPr lang="en-BE" smtClean="0"/>
-              <a:t>14/06/2023</a:t>
+              <a:t>15/06/2023</a:t>
             </a:fld>
             <a:endParaRPr lang="en-BE"/>
           </a:p>
@@ -3022,7 +3189,7 @@
           <a:p>
             <a:fld id="{2AE6E201-50E9-442F-A741-BC702F6FB3EA}" type="datetimeFigureOut">
               <a:rPr lang="en-BE" smtClean="0"/>
-              <a:t>14/06/2023</a:t>
+              <a:t>15/06/2023</a:t>
             </a:fld>
             <a:endParaRPr lang="en-BE"/>
           </a:p>
@@ -3437,7 +3604,7 @@
           <a:p>
             <a:fld id="{2AE6E201-50E9-442F-A741-BC702F6FB3EA}" type="datetimeFigureOut">
               <a:rPr lang="en-BE" smtClean="0"/>
-              <a:t>14/06/2023</a:t>
+              <a:t>15/06/2023</a:t>
             </a:fld>
             <a:endParaRPr lang="en-BE"/>
           </a:p>
@@ -3579,7 +3746,7 @@
           <a:p>
             <a:fld id="{2AE6E201-50E9-442F-A741-BC702F6FB3EA}" type="datetimeFigureOut">
               <a:rPr lang="en-BE" smtClean="0"/>
-              <a:t>14/06/2023</a:t>
+              <a:t>15/06/2023</a:t>
             </a:fld>
             <a:endParaRPr lang="en-BE"/>
           </a:p>
@@ -3692,7 +3859,7 @@
           <a:p>
             <a:fld id="{2AE6E201-50E9-442F-A741-BC702F6FB3EA}" type="datetimeFigureOut">
               <a:rPr lang="en-BE" smtClean="0"/>
-              <a:t>14/06/2023</a:t>
+              <a:t>15/06/2023</a:t>
             </a:fld>
             <a:endParaRPr lang="en-BE"/>
           </a:p>
@@ -4005,7 +4172,7 @@
           <a:p>
             <a:fld id="{2AE6E201-50E9-442F-A741-BC702F6FB3EA}" type="datetimeFigureOut">
               <a:rPr lang="en-BE" smtClean="0"/>
-              <a:t>14/06/2023</a:t>
+              <a:t>15/06/2023</a:t>
             </a:fld>
             <a:endParaRPr lang="en-BE"/>
           </a:p>
@@ -4294,7 +4461,7 @@
           <a:p>
             <a:fld id="{2AE6E201-50E9-442F-A741-BC702F6FB3EA}" type="datetimeFigureOut">
               <a:rPr lang="en-BE" smtClean="0"/>
-              <a:t>14/06/2023</a:t>
+              <a:t>15/06/2023</a:t>
             </a:fld>
             <a:endParaRPr lang="en-BE"/>
           </a:p>
@@ -4537,7 +4704,7 @@
           <a:p>
             <a:fld id="{2AE6E201-50E9-442F-A741-BC702F6FB3EA}" type="datetimeFigureOut">
               <a:rPr lang="en-BE" smtClean="0"/>
-              <a:t>14/06/2023</a:t>
+              <a:t>15/06/2023</a:t>
             </a:fld>
             <a:endParaRPr lang="en-BE"/>
           </a:p>
@@ -6212,7 +6379,7 @@
           <p:cNvPr id="2" name="Title 1">
             <a:extLst>
               <a:ext uri="{FF2B5EF4-FFF2-40B4-BE49-F238E27FC236}">
-                <a16:creationId xmlns:a16="http://schemas.microsoft.com/office/drawing/2014/main" id="{8B9E5012-4A56-2728-7987-43E8182FA677}"/>
+                <a16:creationId xmlns:a16="http://schemas.microsoft.com/office/drawing/2014/main" id="{440DE2D4-244D-869E-2659-B9DA01C8C516}"/>
               </a:ext>
             </a:extLst>
           </p:cNvPr>
@@ -6228,51 +6395,396 @@
           <a:bodyPr/>
           <a:lstStyle/>
           <a:p>
+            <a:r>
+              <a:rPr lang="en-US" dirty="0"/>
+              <a:t>No slide (or slice)</a:t>
+            </a:r>
+          </a:p>
+        </p:txBody>
+      </p:sp>
+      <p:sp>
+        <p:nvSpPr>
+          <p:cNvPr id="3" name="Content Placeholder 2">
+            <a:extLst>
+              <a:ext uri="{FF2B5EF4-FFF2-40B4-BE49-F238E27FC236}">
+                <a16:creationId xmlns:a16="http://schemas.microsoft.com/office/drawing/2014/main" id="{3964442C-3F27-3637-6FFB-0D5CBA048182}"/>
+              </a:ext>
+            </a:extLst>
+          </p:cNvPr>
+          <p:cNvSpPr>
+            <a:spLocks noGrp="1"/>
+          </p:cNvSpPr>
+          <p:nvPr>
+            <p:ph idx="1"/>
+          </p:nvPr>
+        </p:nvSpPr>
+        <p:spPr>
+          <a:xfrm>
+            <a:off x="838200" y="1690689"/>
+            <a:ext cx="10515600" cy="4486274"/>
+          </a:xfrm>
+        </p:spPr>
+        <p:txBody>
+          <a:bodyPr/>
+          <a:lstStyle/>
+          <a:p>
+            <a:r>
+              <a:rPr lang="en-US" dirty="0"/>
+              <a:t>Read 3.4 - model </a:t>
+            </a:r>
+            <a:r>
+              <a:rPr lang="en-US" dirty="0" err="1"/>
+              <a:t>quality.ipynb</a:t>
+            </a:r>
+            <a:endParaRPr lang="en-US" dirty="0"/>
+          </a:p>
+          <a:p>
+            <a:endParaRPr lang="en-US" dirty="0"/>
+          </a:p>
+          <a:p>
+            <a:endParaRPr lang="en-US" dirty="0"/>
+          </a:p>
+          <a:p>
             <a:endParaRPr lang="en-BE" dirty="0"/>
           </a:p>
         </p:txBody>
       </p:sp>
-      <p:sp>
-        <p:nvSpPr>
-          <p:cNvPr id="3" name="Content Placeholder 2">
-            <a:extLst>
-              <a:ext uri="{FF2B5EF4-FFF2-40B4-BE49-F238E27FC236}">
-                <a16:creationId xmlns:a16="http://schemas.microsoft.com/office/drawing/2014/main" id="{07020E63-D251-0C63-9FC8-B128FA9F0611}"/>
-              </a:ext>
-            </a:extLst>
-          </p:cNvPr>
-          <p:cNvSpPr>
-            <a:spLocks noGrp="1"/>
-          </p:cNvSpPr>
-          <p:nvPr>
-            <p:ph idx="1"/>
-          </p:nvPr>
-        </p:nvSpPr>
-        <p:spPr/>
-        <p:txBody>
-          <a:bodyPr/>
-          <a:lstStyle/>
-          <a:p>
-            <a:r>
-              <a:rPr lang="en-US" dirty="0"/>
-              <a:t>Confusion matrix, ROC</a:t>
-            </a:r>
-          </a:p>
-          <a:p>
-            <a:r>
-              <a:rPr lang="en-US" dirty="0"/>
-              <a:t>Sensitivity, specificity</a:t>
-            </a:r>
-          </a:p>
-          <a:p>
-            <a:endParaRPr lang="en-BE" dirty="0"/>
-          </a:p>
-        </p:txBody>
-      </p:sp>
+      <p:pic>
+        <p:nvPicPr>
+          <p:cNvPr id="5" name="Picture 4" descr="A piece of bread with a hole in it&#10;&#10;Description automatically generated with low confidence">
+            <a:extLst>
+              <a:ext uri="{FF2B5EF4-FFF2-40B4-BE49-F238E27FC236}">
+                <a16:creationId xmlns:a16="http://schemas.microsoft.com/office/drawing/2014/main" id="{A4936D9B-6598-0A46-668B-22C68375874A}"/>
+              </a:ext>
+            </a:extLst>
+          </p:cNvPr>
+          <p:cNvPicPr>
+            <a:picLocks noChangeAspect="1"/>
+          </p:cNvPicPr>
+          <p:nvPr/>
+        </p:nvPicPr>
+        <p:blipFill>
+          <a:blip r:embed="rId2">
+            <a:extLst>
+              <a:ext uri="{28A0092B-C50C-407E-A947-70E740481C1C}">
+                <a14:useLocalDpi xmlns:a14="http://schemas.microsoft.com/office/drawing/2010/main" val="0"/>
+              </a:ext>
+            </a:extLst>
+          </a:blip>
+          <a:stretch>
+            <a:fillRect/>
+          </a:stretch>
+        </p:blipFill>
+        <p:spPr>
+          <a:xfrm>
+            <a:off x="9433151" y="0"/>
+            <a:ext cx="2578554" cy="2578554"/>
+          </a:xfrm>
+          <a:prstGeom prst="rect">
+            <a:avLst/>
+          </a:prstGeom>
+        </p:spPr>
+      </p:pic>
     </p:spTree>
     <p:extLst>
       <p:ext uri="{BB962C8B-B14F-4D97-AF65-F5344CB8AC3E}">
-        <p14:creationId xmlns:p14="http://schemas.microsoft.com/office/powerpoint/2010/main" val="3927608253"/>
+        <p14:creationId xmlns:p14="http://schemas.microsoft.com/office/powerpoint/2010/main" val="2834888641"/>
+      </p:ext>
+    </p:extLst>
+  </p:cSld>
+  <p:clrMapOvr>
+    <a:masterClrMapping/>
+  </p:clrMapOvr>
+</p:sld>
+</file>
+
+<file path=ppt/slides/slide18.xml><?xml version="1.0" encoding="utf-8"?>
+<p:sld xmlns:a="http://schemas.openxmlformats.org/drawingml/2006/main" xmlns:r="http://schemas.openxmlformats.org/officeDocument/2006/relationships" xmlns:p="http://schemas.openxmlformats.org/presentationml/2006/main">
+  <p:cSld>
+    <p:spTree>
+      <p:nvGrpSpPr>
+        <p:cNvPr id="1" name=""/>
+        <p:cNvGrpSpPr/>
+        <p:nvPr/>
+      </p:nvGrpSpPr>
+      <p:grpSpPr>
+        <a:xfrm>
+          <a:off x="0" y="0"/>
+          <a:ext cx="0" cy="0"/>
+          <a:chOff x="0" y="0"/>
+          <a:chExt cx="0" cy="0"/>
+        </a:xfrm>
+      </p:grpSpPr>
+      <p:sp>
+        <p:nvSpPr>
+          <p:cNvPr id="2" name="Title 1">
+            <a:extLst>
+              <a:ext uri="{FF2B5EF4-FFF2-40B4-BE49-F238E27FC236}">
+                <a16:creationId xmlns:a16="http://schemas.microsoft.com/office/drawing/2014/main" id="{9EB4D6EB-64EA-A3F1-DDF4-CC50FDA1394A}"/>
+              </a:ext>
+            </a:extLst>
+          </p:cNvPr>
+          <p:cNvSpPr>
+            <a:spLocks noGrp="1"/>
+          </p:cNvSpPr>
+          <p:nvPr>
+            <p:ph type="title"/>
+          </p:nvPr>
+        </p:nvSpPr>
+        <p:spPr/>
+        <p:txBody>
+          <a:bodyPr/>
+          <a:lstStyle/>
+          <a:p>
+            <a:r>
+              <a:rPr lang="en-US" dirty="0"/>
+              <a:t>The metrics - summary</a:t>
+            </a:r>
+            <a:endParaRPr lang="en-BE" dirty="0"/>
+          </a:p>
+        </p:txBody>
+      </p:sp>
+      <p:sp>
+        <p:nvSpPr>
+          <p:cNvPr id="3" name="Content Placeholder 2">
+            <a:extLst>
+              <a:ext uri="{FF2B5EF4-FFF2-40B4-BE49-F238E27FC236}">
+                <a16:creationId xmlns:a16="http://schemas.microsoft.com/office/drawing/2014/main" id="{3D2D5ABE-D0DD-F07A-F11B-7B91DE3A8FF4}"/>
+              </a:ext>
+            </a:extLst>
+          </p:cNvPr>
+          <p:cNvSpPr>
+            <a:spLocks noGrp="1"/>
+          </p:cNvSpPr>
+          <p:nvPr>
+            <p:ph idx="1"/>
+          </p:nvPr>
+        </p:nvSpPr>
+        <p:spPr/>
+        <p:txBody>
+          <a:bodyPr>
+            <a:normAutofit fontScale="92500" lnSpcReduction="20000"/>
+          </a:bodyPr>
+          <a:lstStyle/>
+          <a:p>
+            <a:r>
+              <a:rPr lang="nl-BE" dirty="0" err="1"/>
+              <a:t>Sensitivity</a:t>
+            </a:r>
+            <a:r>
+              <a:rPr lang="nl-BE" dirty="0"/>
+              <a:t> or </a:t>
+            </a:r>
+            <a:r>
+              <a:rPr lang="nl-BE" dirty="0" err="1"/>
+              <a:t>recall</a:t>
+            </a:r>
+            <a:endParaRPr lang="nl-BE" dirty="0"/>
+          </a:p>
+          <a:p>
+            <a:pPr lvl="1"/>
+            <a:r>
+              <a:rPr lang="en-US" dirty="0"/>
+              <a:t>Correctly identifying positive instances is crucial</a:t>
+            </a:r>
+          </a:p>
+          <a:p>
+            <a:pPr lvl="1"/>
+            <a:r>
+              <a:rPr lang="en-US" dirty="0"/>
+              <a:t>Low rate of missing positive instances</a:t>
+            </a:r>
+          </a:p>
+          <a:p>
+            <a:r>
+              <a:rPr lang="nl-BE" dirty="0" err="1"/>
+              <a:t>Specificity</a:t>
+            </a:r>
+            <a:endParaRPr lang="nl-BE" dirty="0"/>
+          </a:p>
+          <a:p>
+            <a:pPr lvl="1"/>
+            <a:r>
+              <a:rPr lang="en-US" dirty="0"/>
+              <a:t>Correctly identifying negative instances is crucial</a:t>
+            </a:r>
+          </a:p>
+          <a:p>
+            <a:r>
+              <a:rPr lang="en-US" dirty="0"/>
+              <a:t>Accuracy</a:t>
+            </a:r>
+          </a:p>
+          <a:p>
+            <a:pPr lvl="1"/>
+            <a:r>
+              <a:rPr lang="en-US" dirty="0"/>
+              <a:t>General view of the model, incorporates TP, TN, FP and FN</a:t>
+            </a:r>
+          </a:p>
+          <a:p>
+            <a:r>
+              <a:rPr lang="en-US" dirty="0"/>
+              <a:t>Precision</a:t>
+            </a:r>
+          </a:p>
+          <a:p>
+            <a:pPr lvl="1"/>
+            <a:r>
+              <a:rPr lang="en-US" dirty="0"/>
+              <a:t>Good choice when false positives are a problem</a:t>
+            </a:r>
+          </a:p>
+          <a:p>
+            <a:pPr lvl="1"/>
+            <a:r>
+              <a:rPr lang="en-US" dirty="0"/>
+              <a:t>Ensuring that the predicted positive instances are indeed true positives</a:t>
+            </a:r>
+          </a:p>
+          <a:p>
+            <a:r>
+              <a:rPr lang="en-US" dirty="0"/>
+              <a:t>F1-score</a:t>
+            </a:r>
+          </a:p>
+          <a:p>
+            <a:pPr lvl="1"/>
+            <a:r>
+              <a:rPr lang="en-US" dirty="0"/>
+              <a:t>Good choice when a balance between sensitivity and precision is needed</a:t>
+            </a:r>
+          </a:p>
+          <a:p>
+            <a:pPr lvl="1"/>
+            <a:endParaRPr lang="en-US" dirty="0"/>
+          </a:p>
+          <a:p>
+            <a:endParaRPr lang="en-BE" dirty="0"/>
+          </a:p>
+        </p:txBody>
+      </p:sp>
+    </p:spTree>
+    <p:extLst>
+      <p:ext uri="{BB962C8B-B14F-4D97-AF65-F5344CB8AC3E}">
+        <p14:creationId xmlns:p14="http://schemas.microsoft.com/office/powerpoint/2010/main" val="732849224"/>
+      </p:ext>
+    </p:extLst>
+  </p:cSld>
+  <p:clrMapOvr>
+    <a:masterClrMapping/>
+  </p:clrMapOvr>
+</p:sld>
+</file>
+
+<file path=ppt/slides/slide19.xml><?xml version="1.0" encoding="utf-8"?>
+<p:sld xmlns:a="http://schemas.openxmlformats.org/drawingml/2006/main" xmlns:r="http://schemas.openxmlformats.org/officeDocument/2006/relationships" xmlns:p="http://schemas.openxmlformats.org/presentationml/2006/main">
+  <p:cSld>
+    <p:spTree>
+      <p:nvGrpSpPr>
+        <p:cNvPr id="1" name=""/>
+        <p:cNvGrpSpPr/>
+        <p:nvPr/>
+      </p:nvGrpSpPr>
+      <p:grpSpPr>
+        <a:xfrm>
+          <a:off x="0" y="0"/>
+          <a:ext cx="0" cy="0"/>
+          <a:chOff x="0" y="0"/>
+          <a:chExt cx="0" cy="0"/>
+        </a:xfrm>
+      </p:grpSpPr>
+      <p:pic>
+        <p:nvPicPr>
+          <p:cNvPr id="5" name="Picture 4" descr="A person on a stationary bike&#10;&#10;Description automatically generated with low confidence">
+            <a:extLst>
+              <a:ext uri="{FF2B5EF4-FFF2-40B4-BE49-F238E27FC236}">
+                <a16:creationId xmlns:a16="http://schemas.microsoft.com/office/drawing/2014/main" id="{AC8A37EE-F45C-197D-A0D7-D8DE40D454EA}"/>
+              </a:ext>
+            </a:extLst>
+          </p:cNvPr>
+          <p:cNvPicPr>
+            <a:picLocks noChangeAspect="1"/>
+          </p:cNvPicPr>
+          <p:nvPr/>
+        </p:nvPicPr>
+        <p:blipFill>
+          <a:blip r:embed="rId2">
+            <a:extLst>
+              <a:ext uri="{28A0092B-C50C-407E-A947-70E740481C1C}">
+                <a14:useLocalDpi xmlns:a14="http://schemas.microsoft.com/office/drawing/2010/main" val="0"/>
+              </a:ext>
+            </a:extLst>
+          </a:blip>
+          <a:stretch>
+            <a:fillRect/>
+          </a:stretch>
+        </p:blipFill>
+        <p:spPr>
+          <a:xfrm>
+            <a:off x="3937907" y="1860777"/>
+            <a:ext cx="4316186" cy="4316186"/>
+          </a:xfrm>
+          <a:prstGeom prst="rect">
+            <a:avLst/>
+          </a:prstGeom>
+        </p:spPr>
+      </p:pic>
+      <p:sp>
+        <p:nvSpPr>
+          <p:cNvPr id="6" name="Title 1">
+            <a:extLst>
+              <a:ext uri="{FF2B5EF4-FFF2-40B4-BE49-F238E27FC236}">
+                <a16:creationId xmlns:a16="http://schemas.microsoft.com/office/drawing/2014/main" id="{D495E83A-ED71-E362-961B-89F19E10CB54}"/>
+              </a:ext>
+            </a:extLst>
+          </p:cNvPr>
+          <p:cNvSpPr>
+            <a:spLocks noGrp="1"/>
+          </p:cNvSpPr>
+          <p:nvPr>
+            <p:ph type="title"/>
+          </p:nvPr>
+        </p:nvSpPr>
+        <p:spPr>
+          <a:xfrm>
+            <a:off x="838200" y="365125"/>
+            <a:ext cx="10515600" cy="1325563"/>
+          </a:xfrm>
+        </p:spPr>
+        <p:txBody>
+          <a:bodyPr>
+            <a:normAutofit/>
+          </a:bodyPr>
+          <a:lstStyle/>
+          <a:p>
+            <a:r>
+              <a:rPr lang="en-US" sz="2400" dirty="0"/>
+              <a:t>You are now ready for the sample notebooks-exercises now.</a:t>
+            </a:r>
+            <a:br>
+              <a:rPr lang="en-US" sz="2400" dirty="0"/>
+            </a:br>
+            <a:r>
+              <a:rPr lang="en-US" sz="2400" dirty="0"/>
+              <a:t>It’s in the “exercises”-folder, and called “3.5 - </a:t>
+            </a:r>
+            <a:r>
+              <a:rPr lang="en-US" sz="2400" dirty="0" err="1"/>
+              <a:t>metrics.ipynb</a:t>
+            </a:r>
+            <a:r>
+              <a:rPr lang="en-US" sz="2400" dirty="0"/>
+              <a:t>”</a:t>
+            </a:r>
+            <a:endParaRPr lang="en-BE" sz="2400" dirty="0"/>
+          </a:p>
+        </p:txBody>
+      </p:sp>
+    </p:spTree>
+    <p:extLst>
+      <p:ext uri="{BB962C8B-B14F-4D97-AF65-F5344CB8AC3E}">
+        <p14:creationId xmlns:p14="http://schemas.microsoft.com/office/powerpoint/2010/main" val="3375754809"/>
       </p:ext>
     </p:extLst>
   </p:cSld>
@@ -6809,7 +7321,7 @@
             <a:pPr lvl="2"/>
             <a:r>
               <a:rPr lang="en-US" dirty="0"/>
-              <a:t>You can’t make a car go faster by randomly screwing and unscrewing blots in your engine</a:t>
+              <a:t>You can’t make a car go faster by randomly screwing and unscrewing bolts in your engine</a:t>
             </a:r>
           </a:p>
           <a:p>
